--- a/M2A-SOA.pptx
+++ b/M2A-SOA.pptx
@@ -9,7 +9,7 @@
     <p:sldId id="264" r:id="rId3"/>
     <p:sldId id="258" r:id="rId4"/>
     <p:sldId id="259" r:id="rId5"/>
-    <p:sldId id="261" r:id="rId6"/>
+    <p:sldId id="265" r:id="rId6"/>
     <p:sldId id="263" r:id="rId7"/>
     <p:sldId id="262" r:id="rId8"/>
   </p:sldIdLst>
@@ -1607,6 +1607,753 @@
 </dgm:colorsDef>
 </file>
 
+<file path=ppt/diagrams/colors3.xml><?xml version="1.0" encoding="utf-8"?>
+<dgm:colorsDef xmlns:dgm="http://schemas.openxmlformats.org/drawingml/2006/diagram" xmlns:a="http://schemas.openxmlformats.org/drawingml/2006/main" uniqueId="urn:microsoft.com/office/officeart/2005/8/colors/accent1_2">
+  <dgm:title val=""/>
+  <dgm:desc val=""/>
+  <dgm:catLst>
+    <dgm:cat type="accent1" pri="11200"/>
+  </dgm:catLst>
+  <dgm:styleLbl name="node0">
+    <dgm:fillClrLst meth="repeat">
+      <a:schemeClr val="accent1"/>
+    </dgm:fillClrLst>
+    <dgm:linClrLst meth="repeat">
+      <a:schemeClr val="lt1"/>
+    </dgm:linClrLst>
+    <dgm:effectClrLst/>
+    <dgm:txLinClrLst/>
+    <dgm:txFillClrLst/>
+    <dgm:txEffectClrLst/>
+  </dgm:styleLbl>
+  <dgm:styleLbl name="alignNode1">
+    <dgm:fillClrLst meth="repeat">
+      <a:schemeClr val="accent1"/>
+    </dgm:fillClrLst>
+    <dgm:linClrLst meth="repeat">
+      <a:schemeClr val="accent1"/>
+    </dgm:linClrLst>
+    <dgm:effectClrLst/>
+    <dgm:txLinClrLst/>
+    <dgm:txFillClrLst/>
+    <dgm:txEffectClrLst/>
+  </dgm:styleLbl>
+  <dgm:styleLbl name="node1">
+    <dgm:fillClrLst meth="repeat">
+      <a:schemeClr val="accent1"/>
+    </dgm:fillClrLst>
+    <dgm:linClrLst meth="repeat">
+      <a:schemeClr val="lt1"/>
+    </dgm:linClrLst>
+    <dgm:effectClrLst/>
+    <dgm:txLinClrLst/>
+    <dgm:txFillClrLst/>
+    <dgm:txEffectClrLst/>
+  </dgm:styleLbl>
+  <dgm:styleLbl name="lnNode1">
+    <dgm:fillClrLst meth="repeat">
+      <a:schemeClr val="accent1"/>
+    </dgm:fillClrLst>
+    <dgm:linClrLst meth="repeat">
+      <a:schemeClr val="lt1"/>
+    </dgm:linClrLst>
+    <dgm:effectClrLst/>
+    <dgm:txLinClrLst/>
+    <dgm:txFillClrLst/>
+    <dgm:txEffectClrLst/>
+  </dgm:styleLbl>
+  <dgm:styleLbl name="vennNode1">
+    <dgm:fillClrLst meth="repeat">
+      <a:schemeClr val="accent1">
+        <a:alpha val="50000"/>
+      </a:schemeClr>
+    </dgm:fillClrLst>
+    <dgm:linClrLst meth="repeat">
+      <a:schemeClr val="lt1"/>
+    </dgm:linClrLst>
+    <dgm:effectClrLst/>
+    <dgm:txLinClrLst/>
+    <dgm:txFillClrLst/>
+    <dgm:txEffectClrLst/>
+  </dgm:styleLbl>
+  <dgm:styleLbl name="node2">
+    <dgm:fillClrLst meth="repeat">
+      <a:schemeClr val="accent1"/>
+    </dgm:fillClrLst>
+    <dgm:linClrLst meth="repeat">
+      <a:schemeClr val="lt1"/>
+    </dgm:linClrLst>
+    <dgm:effectClrLst/>
+    <dgm:txLinClrLst/>
+    <dgm:txFillClrLst/>
+    <dgm:txEffectClrLst/>
+  </dgm:styleLbl>
+  <dgm:styleLbl name="node3">
+    <dgm:fillClrLst meth="repeat">
+      <a:schemeClr val="accent1"/>
+    </dgm:fillClrLst>
+    <dgm:linClrLst meth="repeat">
+      <a:schemeClr val="lt1"/>
+    </dgm:linClrLst>
+    <dgm:effectClrLst/>
+    <dgm:txLinClrLst/>
+    <dgm:txFillClrLst/>
+    <dgm:txEffectClrLst/>
+  </dgm:styleLbl>
+  <dgm:styleLbl name="node4">
+    <dgm:fillClrLst meth="repeat">
+      <a:schemeClr val="accent1"/>
+    </dgm:fillClrLst>
+    <dgm:linClrLst meth="repeat">
+      <a:schemeClr val="lt1"/>
+    </dgm:linClrLst>
+    <dgm:effectClrLst/>
+    <dgm:txLinClrLst/>
+    <dgm:txFillClrLst/>
+    <dgm:txEffectClrLst/>
+  </dgm:styleLbl>
+  <dgm:styleLbl name="fgImgPlace1">
+    <dgm:fillClrLst meth="repeat">
+      <a:schemeClr val="accent1">
+        <a:tint val="50000"/>
+      </a:schemeClr>
+    </dgm:fillClrLst>
+    <dgm:linClrLst meth="repeat">
+      <a:schemeClr val="lt1"/>
+    </dgm:linClrLst>
+    <dgm:effectClrLst/>
+    <dgm:txLinClrLst/>
+    <dgm:txFillClrLst meth="repeat">
+      <a:schemeClr val="lt1"/>
+    </dgm:txFillClrLst>
+    <dgm:txEffectClrLst/>
+  </dgm:styleLbl>
+  <dgm:styleLbl name="alignImgPlace1">
+    <dgm:fillClrLst meth="repeat">
+      <a:schemeClr val="accent1">
+        <a:tint val="50000"/>
+      </a:schemeClr>
+    </dgm:fillClrLst>
+    <dgm:linClrLst meth="repeat">
+      <a:schemeClr val="lt1"/>
+    </dgm:linClrLst>
+    <dgm:effectClrLst/>
+    <dgm:txLinClrLst/>
+    <dgm:txFillClrLst meth="repeat">
+      <a:schemeClr val="lt1"/>
+    </dgm:txFillClrLst>
+    <dgm:txEffectClrLst/>
+  </dgm:styleLbl>
+  <dgm:styleLbl name="bgImgPlace1">
+    <dgm:fillClrLst meth="repeat">
+      <a:schemeClr val="accent1">
+        <a:tint val="50000"/>
+      </a:schemeClr>
+    </dgm:fillClrLst>
+    <dgm:linClrLst meth="repeat">
+      <a:schemeClr val="lt1"/>
+    </dgm:linClrLst>
+    <dgm:effectClrLst/>
+    <dgm:txLinClrLst/>
+    <dgm:txFillClrLst meth="repeat">
+      <a:schemeClr val="lt1"/>
+    </dgm:txFillClrLst>
+    <dgm:txEffectClrLst/>
+  </dgm:styleLbl>
+  <dgm:styleLbl name="sibTrans2D1">
+    <dgm:fillClrLst meth="repeat">
+      <a:schemeClr val="accent1">
+        <a:tint val="60000"/>
+      </a:schemeClr>
+    </dgm:fillClrLst>
+    <dgm:linClrLst meth="repeat">
+      <a:schemeClr val="accent1">
+        <a:tint val="60000"/>
+      </a:schemeClr>
+    </dgm:linClrLst>
+    <dgm:effectClrLst/>
+    <dgm:txLinClrLst/>
+    <dgm:txFillClrLst/>
+    <dgm:txEffectClrLst/>
+  </dgm:styleLbl>
+  <dgm:styleLbl name="fgSibTrans2D1">
+    <dgm:fillClrLst meth="repeat">
+      <a:schemeClr val="accent1">
+        <a:tint val="60000"/>
+      </a:schemeClr>
+    </dgm:fillClrLst>
+    <dgm:linClrLst meth="repeat">
+      <a:schemeClr val="accent1">
+        <a:tint val="60000"/>
+      </a:schemeClr>
+    </dgm:linClrLst>
+    <dgm:effectClrLst/>
+    <dgm:txLinClrLst/>
+    <dgm:txFillClrLst/>
+    <dgm:txEffectClrLst/>
+  </dgm:styleLbl>
+  <dgm:styleLbl name="bgSibTrans2D1">
+    <dgm:fillClrLst meth="repeat">
+      <a:schemeClr val="accent1">
+        <a:tint val="60000"/>
+      </a:schemeClr>
+    </dgm:fillClrLst>
+    <dgm:linClrLst meth="repeat">
+      <a:schemeClr val="accent1">
+        <a:tint val="60000"/>
+      </a:schemeClr>
+    </dgm:linClrLst>
+    <dgm:effectClrLst/>
+    <dgm:txLinClrLst/>
+    <dgm:txFillClrLst/>
+    <dgm:txEffectClrLst/>
+  </dgm:styleLbl>
+  <dgm:styleLbl name="sibTrans1D1">
+    <dgm:fillClrLst meth="repeat">
+      <a:schemeClr val="accent1"/>
+    </dgm:fillClrLst>
+    <dgm:linClrLst meth="repeat">
+      <a:schemeClr val="accent1"/>
+    </dgm:linClrLst>
+    <dgm:effectClrLst/>
+    <dgm:txLinClrLst/>
+    <dgm:txFillClrLst meth="repeat">
+      <a:schemeClr val="tx1"/>
+    </dgm:txFillClrLst>
+    <dgm:txEffectClrLst/>
+  </dgm:styleLbl>
+  <dgm:styleLbl name="callout">
+    <dgm:fillClrLst meth="repeat">
+      <a:schemeClr val="accent1"/>
+    </dgm:fillClrLst>
+    <dgm:linClrLst meth="repeat">
+      <a:schemeClr val="accent1">
+        <a:tint val="50000"/>
+      </a:schemeClr>
+    </dgm:linClrLst>
+    <dgm:effectClrLst/>
+    <dgm:txLinClrLst/>
+    <dgm:txFillClrLst meth="repeat">
+      <a:schemeClr val="tx1"/>
+    </dgm:txFillClrLst>
+    <dgm:txEffectClrLst/>
+  </dgm:styleLbl>
+  <dgm:styleLbl name="asst0">
+    <dgm:fillClrLst meth="repeat">
+      <a:schemeClr val="accent1"/>
+    </dgm:fillClrLst>
+    <dgm:linClrLst meth="repeat">
+      <a:schemeClr val="lt1"/>
+    </dgm:linClrLst>
+    <dgm:effectClrLst/>
+    <dgm:txLinClrLst/>
+    <dgm:txFillClrLst/>
+    <dgm:txEffectClrLst/>
+  </dgm:styleLbl>
+  <dgm:styleLbl name="asst1">
+    <dgm:fillClrLst meth="repeat">
+      <a:schemeClr val="accent1"/>
+    </dgm:fillClrLst>
+    <dgm:linClrLst meth="repeat">
+      <a:schemeClr val="lt1"/>
+    </dgm:linClrLst>
+    <dgm:effectClrLst/>
+    <dgm:txLinClrLst/>
+    <dgm:txFillClrLst/>
+    <dgm:txEffectClrLst/>
+  </dgm:styleLbl>
+  <dgm:styleLbl name="asst2">
+    <dgm:fillClrLst meth="repeat">
+      <a:schemeClr val="accent1"/>
+    </dgm:fillClrLst>
+    <dgm:linClrLst meth="repeat">
+      <a:schemeClr val="lt1"/>
+    </dgm:linClrLst>
+    <dgm:effectClrLst/>
+    <dgm:txLinClrLst/>
+    <dgm:txFillClrLst/>
+    <dgm:txEffectClrLst/>
+  </dgm:styleLbl>
+  <dgm:styleLbl name="asst3">
+    <dgm:fillClrLst meth="repeat">
+      <a:schemeClr val="accent1"/>
+    </dgm:fillClrLst>
+    <dgm:linClrLst meth="repeat">
+      <a:schemeClr val="lt1"/>
+    </dgm:linClrLst>
+    <dgm:effectClrLst/>
+    <dgm:txLinClrLst/>
+    <dgm:txFillClrLst/>
+    <dgm:txEffectClrLst/>
+  </dgm:styleLbl>
+  <dgm:styleLbl name="asst4">
+    <dgm:fillClrLst meth="repeat">
+      <a:schemeClr val="accent1"/>
+    </dgm:fillClrLst>
+    <dgm:linClrLst meth="repeat">
+      <a:schemeClr val="lt1"/>
+    </dgm:linClrLst>
+    <dgm:effectClrLst/>
+    <dgm:txLinClrLst/>
+    <dgm:txFillClrLst/>
+    <dgm:txEffectClrLst/>
+  </dgm:styleLbl>
+  <dgm:styleLbl name="parChTrans2D1">
+    <dgm:fillClrLst meth="repeat">
+      <a:schemeClr val="accent1">
+        <a:tint val="60000"/>
+      </a:schemeClr>
+    </dgm:fillClrLst>
+    <dgm:linClrLst meth="repeat">
+      <a:schemeClr val="accent1">
+        <a:tint val="60000"/>
+      </a:schemeClr>
+    </dgm:linClrLst>
+    <dgm:effectClrLst/>
+    <dgm:txLinClrLst/>
+    <dgm:txFillClrLst meth="repeat">
+      <a:schemeClr val="lt1"/>
+    </dgm:txFillClrLst>
+    <dgm:txEffectClrLst/>
+  </dgm:styleLbl>
+  <dgm:styleLbl name="parChTrans2D2">
+    <dgm:fillClrLst meth="repeat">
+      <a:schemeClr val="accent1"/>
+    </dgm:fillClrLst>
+    <dgm:linClrLst meth="repeat">
+      <a:schemeClr val="accent1"/>
+    </dgm:linClrLst>
+    <dgm:effectClrLst/>
+    <dgm:txLinClrLst/>
+    <dgm:txFillClrLst meth="repeat">
+      <a:schemeClr val="lt1"/>
+    </dgm:txFillClrLst>
+    <dgm:txEffectClrLst/>
+  </dgm:styleLbl>
+  <dgm:styleLbl name="parChTrans2D3">
+    <dgm:fillClrLst meth="repeat">
+      <a:schemeClr val="accent1"/>
+    </dgm:fillClrLst>
+    <dgm:linClrLst meth="repeat">
+      <a:schemeClr val="accent1"/>
+    </dgm:linClrLst>
+    <dgm:effectClrLst/>
+    <dgm:txLinClrLst/>
+    <dgm:txFillClrLst meth="repeat">
+      <a:schemeClr val="lt1"/>
+    </dgm:txFillClrLst>
+    <dgm:txEffectClrLst/>
+  </dgm:styleLbl>
+  <dgm:styleLbl name="parChTrans2D4">
+    <dgm:fillClrLst meth="repeat">
+      <a:schemeClr val="accent1"/>
+    </dgm:fillClrLst>
+    <dgm:linClrLst meth="repeat">
+      <a:schemeClr val="accent1"/>
+    </dgm:linClrLst>
+    <dgm:effectClrLst/>
+    <dgm:txLinClrLst/>
+    <dgm:txFillClrLst meth="repeat">
+      <a:schemeClr val="lt1"/>
+    </dgm:txFillClrLst>
+    <dgm:txEffectClrLst/>
+  </dgm:styleLbl>
+  <dgm:styleLbl name="parChTrans1D1">
+    <dgm:fillClrLst meth="repeat">
+      <a:schemeClr val="accent1"/>
+    </dgm:fillClrLst>
+    <dgm:linClrLst meth="repeat">
+      <a:schemeClr val="accent1">
+        <a:shade val="60000"/>
+      </a:schemeClr>
+    </dgm:linClrLst>
+    <dgm:effectClrLst/>
+    <dgm:txLinClrLst/>
+    <dgm:txFillClrLst meth="repeat">
+      <a:schemeClr val="tx1"/>
+    </dgm:txFillClrLst>
+    <dgm:txEffectClrLst/>
+  </dgm:styleLbl>
+  <dgm:styleLbl name="parChTrans1D2">
+    <dgm:fillClrLst meth="repeat">
+      <a:schemeClr val="accent1"/>
+    </dgm:fillClrLst>
+    <dgm:linClrLst meth="repeat">
+      <a:schemeClr val="accent1">
+        <a:shade val="60000"/>
+      </a:schemeClr>
+    </dgm:linClrLst>
+    <dgm:effectClrLst/>
+    <dgm:txLinClrLst/>
+    <dgm:txFillClrLst meth="repeat">
+      <a:schemeClr val="tx1"/>
+    </dgm:txFillClrLst>
+    <dgm:txEffectClrLst/>
+  </dgm:styleLbl>
+  <dgm:styleLbl name="parChTrans1D3">
+    <dgm:fillClrLst meth="repeat">
+      <a:schemeClr val="accent1"/>
+    </dgm:fillClrLst>
+    <dgm:linClrLst meth="repeat">
+      <a:schemeClr val="accent1">
+        <a:shade val="80000"/>
+      </a:schemeClr>
+    </dgm:linClrLst>
+    <dgm:effectClrLst/>
+    <dgm:txLinClrLst/>
+    <dgm:txFillClrLst meth="repeat">
+      <a:schemeClr val="tx1"/>
+    </dgm:txFillClrLst>
+    <dgm:txEffectClrLst/>
+  </dgm:styleLbl>
+  <dgm:styleLbl name="parChTrans1D4">
+    <dgm:fillClrLst meth="repeat">
+      <a:schemeClr val="accent1"/>
+    </dgm:fillClrLst>
+    <dgm:linClrLst meth="repeat">
+      <a:schemeClr val="accent1">
+        <a:shade val="80000"/>
+      </a:schemeClr>
+    </dgm:linClrLst>
+    <dgm:effectClrLst/>
+    <dgm:txLinClrLst/>
+    <dgm:txFillClrLst meth="repeat">
+      <a:schemeClr val="tx1"/>
+    </dgm:txFillClrLst>
+    <dgm:txEffectClrLst/>
+  </dgm:styleLbl>
+  <dgm:styleLbl name="fgAcc1">
+    <dgm:fillClrLst meth="repeat">
+      <a:schemeClr val="lt1">
+        <a:alpha val="90000"/>
+      </a:schemeClr>
+    </dgm:fillClrLst>
+    <dgm:linClrLst meth="repeat">
+      <a:schemeClr val="accent1"/>
+    </dgm:linClrLst>
+    <dgm:effectClrLst/>
+    <dgm:txLinClrLst/>
+    <dgm:txFillClrLst meth="repeat">
+      <a:schemeClr val="dk1"/>
+    </dgm:txFillClrLst>
+    <dgm:txEffectClrLst/>
+  </dgm:styleLbl>
+  <dgm:styleLbl name="conFgAcc1">
+    <dgm:fillClrLst meth="repeat">
+      <a:schemeClr val="lt1">
+        <a:alpha val="90000"/>
+      </a:schemeClr>
+    </dgm:fillClrLst>
+    <dgm:linClrLst meth="repeat">
+      <a:schemeClr val="accent1"/>
+    </dgm:linClrLst>
+    <dgm:effectClrLst/>
+    <dgm:txLinClrLst/>
+    <dgm:txFillClrLst meth="repeat">
+      <a:schemeClr val="dk1"/>
+    </dgm:txFillClrLst>
+    <dgm:txEffectClrLst/>
+  </dgm:styleLbl>
+  <dgm:styleLbl name="alignAcc1">
+    <dgm:fillClrLst meth="repeat">
+      <a:schemeClr val="lt1">
+        <a:alpha val="90000"/>
+      </a:schemeClr>
+    </dgm:fillClrLst>
+    <dgm:linClrLst meth="repeat">
+      <a:schemeClr val="accent1"/>
+    </dgm:linClrLst>
+    <dgm:effectClrLst/>
+    <dgm:txLinClrLst/>
+    <dgm:txFillClrLst meth="repeat">
+      <a:schemeClr val="dk1"/>
+    </dgm:txFillClrLst>
+    <dgm:txEffectClrLst/>
+  </dgm:styleLbl>
+  <dgm:styleLbl name="trAlignAcc1">
+    <dgm:fillClrLst meth="repeat">
+      <a:schemeClr val="lt1">
+        <a:alpha val="40000"/>
+      </a:schemeClr>
+    </dgm:fillClrLst>
+    <dgm:linClrLst meth="repeat">
+      <a:schemeClr val="accent1"/>
+    </dgm:linClrLst>
+    <dgm:effectClrLst/>
+    <dgm:txLinClrLst/>
+    <dgm:txFillClrLst meth="repeat">
+      <a:schemeClr val="dk1"/>
+    </dgm:txFillClrLst>
+    <dgm:txEffectClrLst/>
+  </dgm:styleLbl>
+  <dgm:styleLbl name="bgAcc1">
+    <dgm:fillClrLst meth="repeat">
+      <a:schemeClr val="lt1">
+        <a:alpha val="90000"/>
+      </a:schemeClr>
+    </dgm:fillClrLst>
+    <dgm:linClrLst meth="repeat">
+      <a:schemeClr val="accent1"/>
+    </dgm:linClrLst>
+    <dgm:effectClrLst/>
+    <dgm:txLinClrLst/>
+    <dgm:txFillClrLst meth="repeat">
+      <a:schemeClr val="dk1"/>
+    </dgm:txFillClrLst>
+    <dgm:txEffectClrLst/>
+  </dgm:styleLbl>
+  <dgm:styleLbl name="solidFgAcc1">
+    <dgm:fillClrLst meth="repeat">
+      <a:schemeClr val="lt1"/>
+    </dgm:fillClrLst>
+    <dgm:linClrLst meth="repeat">
+      <a:schemeClr val="accent1"/>
+    </dgm:linClrLst>
+    <dgm:effectClrLst/>
+    <dgm:txLinClrLst/>
+    <dgm:txFillClrLst meth="repeat">
+      <a:schemeClr val="dk1"/>
+    </dgm:txFillClrLst>
+    <dgm:txEffectClrLst/>
+  </dgm:styleLbl>
+  <dgm:styleLbl name="solidAlignAcc1">
+    <dgm:fillClrLst meth="repeat">
+      <a:schemeClr val="lt1"/>
+    </dgm:fillClrLst>
+    <dgm:linClrLst meth="repeat">
+      <a:schemeClr val="accent1"/>
+    </dgm:linClrLst>
+    <dgm:effectClrLst/>
+    <dgm:txLinClrLst/>
+    <dgm:txFillClrLst meth="repeat">
+      <a:schemeClr val="dk1"/>
+    </dgm:txFillClrLst>
+    <dgm:txEffectClrLst/>
+  </dgm:styleLbl>
+  <dgm:styleLbl name="solidBgAcc1">
+    <dgm:fillClrLst meth="repeat">
+      <a:schemeClr val="lt1"/>
+    </dgm:fillClrLst>
+    <dgm:linClrLst meth="repeat">
+      <a:schemeClr val="accent1"/>
+    </dgm:linClrLst>
+    <dgm:effectClrLst/>
+    <dgm:txLinClrLst/>
+    <dgm:txFillClrLst meth="repeat">
+      <a:schemeClr val="dk1"/>
+    </dgm:txFillClrLst>
+    <dgm:txEffectClrLst/>
+  </dgm:styleLbl>
+  <dgm:styleLbl name="fgAccFollowNode1">
+    <dgm:fillClrLst meth="repeat">
+      <a:schemeClr val="accent1">
+        <a:alpha val="90000"/>
+        <a:tint val="40000"/>
+      </a:schemeClr>
+    </dgm:fillClrLst>
+    <dgm:linClrLst meth="repeat">
+      <a:schemeClr val="accent1">
+        <a:alpha val="90000"/>
+        <a:tint val="40000"/>
+      </a:schemeClr>
+    </dgm:linClrLst>
+    <dgm:effectClrLst/>
+    <dgm:txLinClrLst/>
+    <dgm:txFillClrLst meth="repeat">
+      <a:schemeClr val="dk1"/>
+    </dgm:txFillClrLst>
+    <dgm:txEffectClrLst/>
+  </dgm:styleLbl>
+  <dgm:styleLbl name="alignAccFollowNode1">
+    <dgm:fillClrLst meth="repeat">
+      <a:schemeClr val="accent1">
+        <a:alpha val="90000"/>
+        <a:tint val="40000"/>
+      </a:schemeClr>
+    </dgm:fillClrLst>
+    <dgm:linClrLst meth="repeat">
+      <a:schemeClr val="accent1">
+        <a:alpha val="90000"/>
+        <a:tint val="40000"/>
+      </a:schemeClr>
+    </dgm:linClrLst>
+    <dgm:effectClrLst/>
+    <dgm:txLinClrLst/>
+    <dgm:txFillClrLst meth="repeat">
+      <a:schemeClr val="dk1"/>
+    </dgm:txFillClrLst>
+    <dgm:txEffectClrLst/>
+  </dgm:styleLbl>
+  <dgm:styleLbl name="bgAccFollowNode1">
+    <dgm:fillClrLst meth="repeat">
+      <a:schemeClr val="accent1">
+        <a:alpha val="90000"/>
+        <a:tint val="40000"/>
+      </a:schemeClr>
+    </dgm:fillClrLst>
+    <dgm:linClrLst meth="repeat">
+      <a:schemeClr val="accent1">
+        <a:alpha val="90000"/>
+        <a:tint val="40000"/>
+      </a:schemeClr>
+    </dgm:linClrLst>
+    <dgm:effectClrLst/>
+    <dgm:txLinClrLst/>
+    <dgm:txFillClrLst meth="repeat">
+      <a:schemeClr val="dk1"/>
+    </dgm:txFillClrLst>
+    <dgm:txEffectClrLst/>
+  </dgm:styleLbl>
+  <dgm:styleLbl name="fgAcc0">
+    <dgm:fillClrLst meth="repeat">
+      <a:schemeClr val="lt1">
+        <a:alpha val="90000"/>
+      </a:schemeClr>
+    </dgm:fillClrLst>
+    <dgm:linClrLst meth="repeat">
+      <a:schemeClr val="accent1"/>
+    </dgm:linClrLst>
+    <dgm:effectClrLst/>
+    <dgm:txLinClrLst/>
+    <dgm:txFillClrLst meth="repeat">
+      <a:schemeClr val="dk1"/>
+    </dgm:txFillClrLst>
+    <dgm:txEffectClrLst/>
+  </dgm:styleLbl>
+  <dgm:styleLbl name="fgAcc2">
+    <dgm:fillClrLst meth="repeat">
+      <a:schemeClr val="lt1">
+        <a:alpha val="90000"/>
+      </a:schemeClr>
+    </dgm:fillClrLst>
+    <dgm:linClrLst meth="repeat">
+      <a:schemeClr val="accent1"/>
+    </dgm:linClrLst>
+    <dgm:effectClrLst/>
+    <dgm:txLinClrLst/>
+    <dgm:txFillClrLst meth="repeat">
+      <a:schemeClr val="dk1"/>
+    </dgm:txFillClrLst>
+    <dgm:txEffectClrLst/>
+  </dgm:styleLbl>
+  <dgm:styleLbl name="fgAcc3">
+    <dgm:fillClrLst meth="repeat">
+      <a:schemeClr val="lt1">
+        <a:alpha val="90000"/>
+      </a:schemeClr>
+    </dgm:fillClrLst>
+    <dgm:linClrLst meth="repeat">
+      <a:schemeClr val="accent1"/>
+    </dgm:linClrLst>
+    <dgm:effectClrLst/>
+    <dgm:txLinClrLst/>
+    <dgm:txFillClrLst meth="repeat">
+      <a:schemeClr val="dk1"/>
+    </dgm:txFillClrLst>
+    <dgm:txEffectClrLst/>
+  </dgm:styleLbl>
+  <dgm:styleLbl name="fgAcc4">
+    <dgm:fillClrLst meth="repeat">
+      <a:schemeClr val="lt1">
+        <a:alpha val="90000"/>
+      </a:schemeClr>
+    </dgm:fillClrLst>
+    <dgm:linClrLst meth="repeat">
+      <a:schemeClr val="accent1"/>
+    </dgm:linClrLst>
+    <dgm:effectClrLst/>
+    <dgm:txLinClrLst/>
+    <dgm:txFillClrLst meth="repeat">
+      <a:schemeClr val="dk1"/>
+    </dgm:txFillClrLst>
+    <dgm:txEffectClrLst/>
+  </dgm:styleLbl>
+  <dgm:styleLbl name="bgShp">
+    <dgm:fillClrLst meth="repeat">
+      <a:schemeClr val="accent1">
+        <a:tint val="40000"/>
+      </a:schemeClr>
+    </dgm:fillClrLst>
+    <dgm:linClrLst meth="repeat">
+      <a:schemeClr val="accent1"/>
+    </dgm:linClrLst>
+    <dgm:effectClrLst/>
+    <dgm:txLinClrLst/>
+    <dgm:txFillClrLst meth="repeat">
+      <a:schemeClr val="dk1"/>
+    </dgm:txFillClrLst>
+    <dgm:txEffectClrLst/>
+  </dgm:styleLbl>
+  <dgm:styleLbl name="dkBgShp">
+    <dgm:fillClrLst meth="repeat">
+      <a:schemeClr val="accent1">
+        <a:shade val="80000"/>
+      </a:schemeClr>
+    </dgm:fillClrLst>
+    <dgm:linClrLst meth="repeat">
+      <a:schemeClr val="accent1"/>
+    </dgm:linClrLst>
+    <dgm:effectClrLst/>
+    <dgm:txLinClrLst/>
+    <dgm:txFillClrLst meth="repeat">
+      <a:schemeClr val="lt1"/>
+    </dgm:txFillClrLst>
+    <dgm:txEffectClrLst/>
+  </dgm:styleLbl>
+  <dgm:styleLbl name="trBgShp">
+    <dgm:fillClrLst meth="repeat">
+      <a:schemeClr val="accent1">
+        <a:tint val="50000"/>
+        <a:alpha val="40000"/>
+      </a:schemeClr>
+    </dgm:fillClrLst>
+    <dgm:linClrLst meth="repeat">
+      <a:schemeClr val="accent1"/>
+    </dgm:linClrLst>
+    <dgm:effectClrLst/>
+    <dgm:txLinClrLst/>
+    <dgm:txFillClrLst meth="repeat">
+      <a:schemeClr val="lt1"/>
+    </dgm:txFillClrLst>
+    <dgm:txEffectClrLst/>
+  </dgm:styleLbl>
+  <dgm:styleLbl name="fgShp">
+    <dgm:fillClrLst meth="repeat">
+      <a:schemeClr val="accent1">
+        <a:tint val="60000"/>
+      </a:schemeClr>
+    </dgm:fillClrLst>
+    <dgm:linClrLst meth="repeat">
+      <a:schemeClr val="lt1"/>
+    </dgm:linClrLst>
+    <dgm:effectClrLst/>
+    <dgm:txLinClrLst/>
+    <dgm:txFillClrLst meth="repeat">
+      <a:schemeClr val="dk1"/>
+    </dgm:txFillClrLst>
+    <dgm:txEffectClrLst/>
+  </dgm:styleLbl>
+  <dgm:styleLbl name="revTx">
+    <dgm:fillClrLst meth="repeat">
+      <a:schemeClr val="lt1">
+        <a:alpha val="0"/>
+      </a:schemeClr>
+    </dgm:fillClrLst>
+    <dgm:linClrLst meth="repeat">
+      <a:schemeClr val="dk1">
+        <a:alpha val="0"/>
+      </a:schemeClr>
+    </dgm:linClrLst>
+    <dgm:effectClrLst/>
+    <dgm:txLinClrLst/>
+    <dgm:txFillClrLst meth="repeat">
+      <a:schemeClr val="tx1"/>
+    </dgm:txFillClrLst>
+    <dgm:txEffectClrLst/>
+  </dgm:styleLbl>
+</dgm:colorsDef>
+</file>
+
 <file path=ppt/diagrams/data1.xml><?xml version="1.0" encoding="utf-8"?>
 <dgm:dataModel xmlns:dgm="http://schemas.openxmlformats.org/drawingml/2006/diagram" xmlns:a="http://schemas.openxmlformats.org/drawingml/2006/main">
   <dgm:ptLst>
@@ -2124,6 +2871,13 @@
         </dgm:presLayoutVars>
       </dgm:prSet>
       <dgm:spPr/>
+      <dgm:t>
+        <a:bodyPr/>
+        <a:lstStyle/>
+        <a:p>
+          <a:endParaRPr lang="fr-FR"/>
+        </a:p>
+      </dgm:t>
     </dgm:pt>
     <dgm:pt modelId="{20305581-8FB2-46BA-8776-33525C6C90DB}" type="pres">
       <dgm:prSet presAssocID="{5B3E7078-2F1D-487A-A4E4-59F77BC61B10}" presName="centerShape" presStyleLbl="node0" presStyleIdx="0" presStyleCnt="1" custScaleX="157749"/>
@@ -2158,6 +2912,13 @@
     <dgm:pt modelId="{3F212ED5-22D7-4F3D-B574-21EC7D44804C}" type="pres">
       <dgm:prSet presAssocID="{3166F5BD-99F0-435C-A2AF-5D6A0DCE888C}" presName="sibTrans" presStyleLbl="sibTrans2D1" presStyleIdx="0" presStyleCnt="11"/>
       <dgm:spPr/>
+      <dgm:t>
+        <a:bodyPr/>
+        <a:lstStyle/>
+        <a:p>
+          <a:endParaRPr lang="fr-FR"/>
+        </a:p>
+      </dgm:t>
     </dgm:pt>
     <dgm:pt modelId="{64B8A106-2E3A-4C7B-9DF9-DD83975C236D}" type="pres">
       <dgm:prSet presAssocID="{19F53081-5870-45C7-A9DE-14612CCA8FD3}" presName="node" presStyleLbl="node1" presStyleIdx="1" presStyleCnt="11">
@@ -2181,6 +2942,13 @@
     <dgm:pt modelId="{677B0447-011C-41ED-9EA1-045F4D2AF113}" type="pres">
       <dgm:prSet presAssocID="{889A8874-3767-4EA4-81D3-E9905F55E61F}" presName="sibTrans" presStyleLbl="sibTrans2D1" presStyleIdx="1" presStyleCnt="11"/>
       <dgm:spPr/>
+      <dgm:t>
+        <a:bodyPr/>
+        <a:lstStyle/>
+        <a:p>
+          <a:endParaRPr lang="fr-FR"/>
+        </a:p>
+      </dgm:t>
     </dgm:pt>
     <dgm:pt modelId="{86D089E3-7207-4367-9BBF-8409A6DE531F}" type="pres">
       <dgm:prSet presAssocID="{4826128E-CCD7-4A79-ABEF-B936702D87EB}" presName="node" presStyleLbl="node1" presStyleIdx="2" presStyleCnt="11">
@@ -2204,6 +2972,13 @@
     <dgm:pt modelId="{0FD5EE1C-4BA8-4C93-BB77-9D327323E4AA}" type="pres">
       <dgm:prSet presAssocID="{424F3276-B22D-403E-A60D-96FF954BCAB4}" presName="sibTrans" presStyleLbl="sibTrans2D1" presStyleIdx="2" presStyleCnt="11"/>
       <dgm:spPr/>
+      <dgm:t>
+        <a:bodyPr/>
+        <a:lstStyle/>
+        <a:p>
+          <a:endParaRPr lang="fr-FR"/>
+        </a:p>
+      </dgm:t>
     </dgm:pt>
     <dgm:pt modelId="{B058215F-24C1-493D-8357-6DC994F232BB}" type="pres">
       <dgm:prSet presAssocID="{6F28937A-9B97-490E-82ED-3423F56139E5}" presName="node" presStyleLbl="node1" presStyleIdx="3" presStyleCnt="11">
@@ -2227,6 +3002,13 @@
     <dgm:pt modelId="{6936B3E6-DFA5-4695-8052-B0EE5270ADC9}" type="pres">
       <dgm:prSet presAssocID="{02C92D98-C1B8-4199-943A-AE807A487989}" presName="sibTrans" presStyleLbl="sibTrans2D1" presStyleIdx="3" presStyleCnt="11"/>
       <dgm:spPr/>
+      <dgm:t>
+        <a:bodyPr/>
+        <a:lstStyle/>
+        <a:p>
+          <a:endParaRPr lang="fr-FR"/>
+        </a:p>
+      </dgm:t>
     </dgm:pt>
     <dgm:pt modelId="{B6B47D7A-7783-4187-B5C7-40CA40AF8B6D}" type="pres">
       <dgm:prSet presAssocID="{F7C491C3-6F1D-4A59-BA81-16B68A4A1523}" presName="node" presStyleLbl="node1" presStyleIdx="4" presStyleCnt="11">
@@ -2250,6 +3032,13 @@
     <dgm:pt modelId="{1EAF85F9-8711-4000-8853-BFC97B0EF7A5}" type="pres">
       <dgm:prSet presAssocID="{F676AB43-59BB-485B-81C0-D2702F0E09B4}" presName="sibTrans" presStyleLbl="sibTrans2D1" presStyleIdx="4" presStyleCnt="11"/>
       <dgm:spPr/>
+      <dgm:t>
+        <a:bodyPr/>
+        <a:lstStyle/>
+        <a:p>
+          <a:endParaRPr lang="fr-FR"/>
+        </a:p>
+      </dgm:t>
     </dgm:pt>
     <dgm:pt modelId="{F3D89328-B9F9-458F-A998-A3F72269CF90}" type="pres">
       <dgm:prSet presAssocID="{AD507A31-41BD-4C53-A039-C7718646CBF5}" presName="node" presStyleLbl="node1" presStyleIdx="5" presStyleCnt="11">
@@ -2303,6 +3092,13 @@
     <dgm:pt modelId="{93FE28D5-1F1F-420F-9777-7C4C02EC90E6}" type="pres">
       <dgm:prSet presAssocID="{276C340D-35BF-417A-9A26-175A0AB3E132}" presName="sibTrans" presStyleLbl="sibTrans2D1" presStyleIdx="6" presStyleCnt="11"/>
       <dgm:spPr/>
+      <dgm:t>
+        <a:bodyPr/>
+        <a:lstStyle/>
+        <a:p>
+          <a:endParaRPr lang="fr-FR"/>
+        </a:p>
+      </dgm:t>
     </dgm:pt>
     <dgm:pt modelId="{78A4DCD9-9A96-4E64-971D-5EF9CD64A3CB}" type="pres">
       <dgm:prSet presAssocID="{2E541B28-22CF-4957-A772-9548E830095C}" presName="node" presStyleLbl="node1" presStyleIdx="7" presStyleCnt="11">
@@ -2326,6 +3122,13 @@
     <dgm:pt modelId="{B475C45E-920E-4E86-AB49-08CF5E1AA8C6}" type="pres">
       <dgm:prSet presAssocID="{A3459A55-5FC5-49DC-9020-88BE62060A82}" presName="sibTrans" presStyleLbl="sibTrans2D1" presStyleIdx="7" presStyleCnt="11"/>
       <dgm:spPr/>
+      <dgm:t>
+        <a:bodyPr/>
+        <a:lstStyle/>
+        <a:p>
+          <a:endParaRPr lang="fr-FR"/>
+        </a:p>
+      </dgm:t>
     </dgm:pt>
     <dgm:pt modelId="{F66DC4F0-2373-4E3F-AF5A-C73289AC0770}" type="pres">
       <dgm:prSet presAssocID="{91FFD5D8-57EE-4F28-90E1-25955C3488A1}" presName="node" presStyleLbl="node1" presStyleIdx="8" presStyleCnt="11">
@@ -2379,6 +3182,13 @@
     <dgm:pt modelId="{713D721E-3159-4C8F-B66E-1494E33B02F9}" type="pres">
       <dgm:prSet presAssocID="{69303521-D700-4443-AC62-C582DAC6A249}" presName="sibTrans" presStyleLbl="sibTrans2D1" presStyleIdx="9" presStyleCnt="11"/>
       <dgm:spPr/>
+      <dgm:t>
+        <a:bodyPr/>
+        <a:lstStyle/>
+        <a:p>
+          <a:endParaRPr lang="fr-FR"/>
+        </a:p>
+      </dgm:t>
     </dgm:pt>
     <dgm:pt modelId="{F939179A-6BDB-4E7B-A75A-B20D4A5ECA7C}" type="pres">
       <dgm:prSet presAssocID="{8A229A53-855D-4D48-B7D9-FB9AFB76EBCA}" presName="node" presStyleLbl="node1" presStyleIdx="10" presStyleCnt="11">
@@ -2387,6 +3197,13 @@
         </dgm:presLayoutVars>
       </dgm:prSet>
       <dgm:spPr/>
+      <dgm:t>
+        <a:bodyPr/>
+        <a:lstStyle/>
+        <a:p>
+          <a:endParaRPr lang="fr-FR"/>
+        </a:p>
+      </dgm:t>
     </dgm:pt>
     <dgm:pt modelId="{410580E1-9C5C-4AFD-8AFB-100A65699048}" type="pres">
       <dgm:prSet presAssocID="{8A229A53-855D-4D48-B7D9-FB9AFB76EBCA}" presName="dummy" presStyleCnt="0"/>
@@ -2395,6 +3212,13 @@
     <dgm:pt modelId="{CE4F0F5D-BF01-4500-A476-95F94B332734}" type="pres">
       <dgm:prSet presAssocID="{0EB76327-C49A-464E-ABEB-3F8461AD1399}" presName="sibTrans" presStyleLbl="sibTrans2D1" presStyleIdx="10" presStyleCnt="11"/>
       <dgm:spPr/>
+      <dgm:t>
+        <a:bodyPr/>
+        <a:lstStyle/>
+        <a:p>
+          <a:endParaRPr lang="fr-FR"/>
+        </a:p>
+      </dgm:t>
     </dgm:pt>
   </dgm:ptLst>
   <dgm:cxnLst>
@@ -3184,6 +4008,13 @@
         </dgm:presLayoutVars>
       </dgm:prSet>
       <dgm:spPr/>
+      <dgm:t>
+        <a:bodyPr/>
+        <a:lstStyle/>
+        <a:p>
+          <a:endParaRPr lang="fr-FR"/>
+        </a:p>
+      </dgm:t>
     </dgm:pt>
     <dgm:pt modelId="{D992B490-4FF6-4E2E-B12C-F0013320AB11}" type="pres">
       <dgm:prSet presAssocID="{14F54D40-A044-464C-BC5C-A7BED68E8E81}" presName="composite" presStyleCnt="0"/>
@@ -3198,6 +4029,13 @@
         </dgm:presLayoutVars>
       </dgm:prSet>
       <dgm:spPr/>
+      <dgm:t>
+        <a:bodyPr/>
+        <a:lstStyle/>
+        <a:p>
+          <a:endParaRPr lang="fr-FR"/>
+        </a:p>
+      </dgm:t>
     </dgm:pt>
     <dgm:pt modelId="{8B26586A-A45C-45F9-A544-F1E73134D87D}" type="pres">
       <dgm:prSet presAssocID="{14F54D40-A044-464C-BC5C-A7BED68E8E81}" presName="desTx" presStyleLbl="alignAccFollowNode1" presStyleIdx="0" presStyleCnt="2">
@@ -3231,6 +4069,13 @@
         </dgm:presLayoutVars>
       </dgm:prSet>
       <dgm:spPr/>
+      <dgm:t>
+        <a:bodyPr/>
+        <a:lstStyle/>
+        <a:p>
+          <a:endParaRPr lang="fr-FR"/>
+        </a:p>
+      </dgm:t>
     </dgm:pt>
     <dgm:pt modelId="{56396885-7D68-4CDE-A6F9-76FA0AF1545A}" type="pres">
       <dgm:prSet presAssocID="{3E639D28-7135-42A7-B4EC-BCE528467E53}" presName="desTx" presStyleLbl="alignAccFollowNode1" presStyleIdx="1" presStyleCnt="2">
@@ -3249,41 +4094,41 @@
     </dgm:pt>
   </dgm:ptLst>
   <dgm:cxnLst>
+    <dgm:cxn modelId="{38C12EF3-18D4-4CA3-8562-40CBDF3ABB7B}" type="presOf" srcId="{908A3A91-43D3-4FC8-A27C-6BA32A0826F0}" destId="{8B26586A-A45C-45F9-A544-F1E73134D87D}" srcOrd="0" destOrd="2" presId="urn:microsoft.com/office/officeart/2005/8/layout/hList1"/>
+    <dgm:cxn modelId="{A422BDB6-7835-4B98-A51C-AFFF76C039B5}" srcId="{3E639D28-7135-42A7-B4EC-BCE528467E53}" destId="{5AF459D8-EDAF-4E04-A54F-B808ABC4AB8F}" srcOrd="2" destOrd="0" parTransId="{81CCBD47-6F34-4442-AE63-8F96A12EC5C8}" sibTransId="{C1CBE25D-E960-4067-9174-7915150338B0}"/>
+    <dgm:cxn modelId="{4A2EEB97-120F-46E5-81A1-F0EC2263D197}" type="presOf" srcId="{4A177ED7-1352-473B-A797-F305C2F7B6D2}" destId="{8B26586A-A45C-45F9-A544-F1E73134D87D}" srcOrd="0" destOrd="1" presId="urn:microsoft.com/office/officeart/2005/8/layout/hList1"/>
+    <dgm:cxn modelId="{EB306AB9-D321-4C39-9D2B-ABF6580CC06E}" srcId="{3E639D28-7135-42A7-B4EC-BCE528467E53}" destId="{C2B1C342-05DB-4456-AB84-44B185E2891C}" srcOrd="4" destOrd="0" parTransId="{76BA4136-808C-4E83-98E4-F3D4858F22AE}" sibTransId="{F3877DB1-7664-4A84-A43C-2A0A8FD7C1E5}"/>
+    <dgm:cxn modelId="{EC4EC01F-D75D-4781-B7EB-5CEB65452112}" type="presOf" srcId="{6012E521-BDE8-479D-8A68-DBA2DB7BB51E}" destId="{56396885-7D68-4CDE-A6F9-76FA0AF1545A}" srcOrd="0" destOrd="0" presId="urn:microsoft.com/office/officeart/2005/8/layout/hList1"/>
+    <dgm:cxn modelId="{D16D7997-BBEE-474D-9E22-AE543EF8B25B}" srcId="{14F54D40-A044-464C-BC5C-A7BED68E8E81}" destId="{BBEEC44D-A561-4EAB-A736-F93296E893CA}" srcOrd="7" destOrd="0" parTransId="{9A7735AE-9959-4881-BFD7-FD27D98A4DA6}" sibTransId="{2360E458-5911-40F4-BABF-E94067C2419A}"/>
+    <dgm:cxn modelId="{FAA5963B-D522-4A6D-8F6C-416A961F945E}" srcId="{14F54D40-A044-464C-BC5C-A7BED68E8E81}" destId="{4A177ED7-1352-473B-A797-F305C2F7B6D2}" srcOrd="1" destOrd="0" parTransId="{5FB846C5-40C8-459F-8258-19E363E0B025}" sibTransId="{7ED0713A-2352-45D5-93E9-91921FA042B6}"/>
+    <dgm:cxn modelId="{7DD8E5D9-A922-49B3-833C-D6E2104F2ACB}" type="presOf" srcId="{14F54D40-A044-464C-BC5C-A7BED68E8E81}" destId="{411CB058-22BF-44C6-9139-6BBFAF05E04A}" srcOrd="0" destOrd="0" presId="urn:microsoft.com/office/officeart/2005/8/layout/hList1"/>
+    <dgm:cxn modelId="{261EDDCF-86F2-42A5-A647-785EA3A06ADF}" type="presOf" srcId="{5AF459D8-EDAF-4E04-A54F-B808ABC4AB8F}" destId="{56396885-7D68-4CDE-A6F9-76FA0AF1545A}" srcOrd="0" destOrd="2" presId="urn:microsoft.com/office/officeart/2005/8/layout/hList1"/>
+    <dgm:cxn modelId="{1817D89C-48FC-4FB8-B0C8-6CE650AC3D7A}" type="presOf" srcId="{1EE934A7-60B8-4B98-BA2E-E415CAB26278}" destId="{8B26586A-A45C-45F9-A544-F1E73134D87D}" srcOrd="0" destOrd="6" presId="urn:microsoft.com/office/officeart/2005/8/layout/hList1"/>
+    <dgm:cxn modelId="{274103C6-991B-4D29-9800-0EF61784B68F}" srcId="{14F54D40-A044-464C-BC5C-A7BED68E8E81}" destId="{908A3A91-43D3-4FC8-A27C-6BA32A0826F0}" srcOrd="2" destOrd="0" parTransId="{91C6B32B-A740-47D9-A177-06A9824F7FAE}" sibTransId="{39D5A341-BB07-4ED7-8AB7-F4FB9D9B2CBA}"/>
+    <dgm:cxn modelId="{78DC8768-DCD5-413F-827D-4825FB96ECBF}" type="presOf" srcId="{687DD79C-E73B-4861-8F6F-445EFA2908CF}" destId="{8B26586A-A45C-45F9-A544-F1E73134D87D}" srcOrd="0" destOrd="4" presId="urn:microsoft.com/office/officeart/2005/8/layout/hList1"/>
+    <dgm:cxn modelId="{0ED60EC8-97EF-482D-B553-3C0B475C82D4}" type="presOf" srcId="{4441CB1D-6B34-4F8A-A0DB-598775B9C54B}" destId="{EDA4114C-2E84-4CAB-94F0-930415F10AFC}" srcOrd="0" destOrd="0" presId="urn:microsoft.com/office/officeart/2005/8/layout/hList1"/>
+    <dgm:cxn modelId="{CFC0D0F2-9734-49EC-A3FC-7E011AC3B87E}" srcId="{14F54D40-A044-464C-BC5C-A7BED68E8E81}" destId="{1EE934A7-60B8-4B98-BA2E-E415CAB26278}" srcOrd="6" destOrd="0" parTransId="{F13AF1D0-5ED0-4081-9AC9-D5D55B36737B}" sibTransId="{72ABA083-946D-40A1-A0DD-16343C1BFB30}"/>
+    <dgm:cxn modelId="{AC731341-8E96-473C-A8A9-9F88ADE4464D}" type="presOf" srcId="{235A2681-A0DA-4171-A0EF-BE705A23FEA5}" destId="{8B26586A-A45C-45F9-A544-F1E73134D87D}" srcOrd="0" destOrd="0" presId="urn:microsoft.com/office/officeart/2005/8/layout/hList1"/>
+    <dgm:cxn modelId="{18E37301-6638-4652-B979-0859729A9A0F}" type="presOf" srcId="{18282622-CA76-4F37-B2DA-90A5132305E3}" destId="{56396885-7D68-4CDE-A6F9-76FA0AF1545A}" srcOrd="0" destOrd="5" presId="urn:microsoft.com/office/officeart/2005/8/layout/hList1"/>
+    <dgm:cxn modelId="{00D077EE-CC3D-441C-9C77-24B0C68F1678}" srcId="{3E639D28-7135-42A7-B4EC-BCE528467E53}" destId="{18282622-CA76-4F37-B2DA-90A5132305E3}" srcOrd="5" destOrd="0" parTransId="{78D9034D-55CA-47BE-9F9A-2A27E100BF12}" sibTransId="{E842D563-DF99-407F-AE40-D68FB4468312}"/>
+    <dgm:cxn modelId="{65928FB6-30E5-4A22-B515-71A274C03B40}" srcId="{14F54D40-A044-464C-BC5C-A7BED68E8E81}" destId="{94830768-F9C1-499B-AFB3-409E21D83DF5}" srcOrd="3" destOrd="0" parTransId="{FF2CC12B-6D2C-41C5-B868-5FA077972080}" sibTransId="{9A6484C2-ACC0-4129-81B0-C2B7BC283E1B}"/>
+    <dgm:cxn modelId="{DABE17BB-CA51-4C09-9E0F-56BB6475B8C6}" type="presOf" srcId="{3E639D28-7135-42A7-B4EC-BCE528467E53}" destId="{DFD5A63A-2F8A-4273-8467-C66E4E49EDE8}" srcOrd="0" destOrd="0" presId="urn:microsoft.com/office/officeart/2005/8/layout/hList1"/>
+    <dgm:cxn modelId="{1B182E0F-9A9E-4981-AB8B-7C63ABA4CB05}" srcId="{14F54D40-A044-464C-BC5C-A7BED68E8E81}" destId="{B35F146A-12B8-43F8-95AE-30B0FFF39C66}" srcOrd="8" destOrd="0" parTransId="{BEBAB363-9A90-4849-81E3-84EECFCEF904}" sibTransId="{52CA1C7E-8A51-4F57-B76A-B482FF1E126F}"/>
+    <dgm:cxn modelId="{6D0D1137-D9B3-4557-B4BF-E5C39536CB52}" type="presOf" srcId="{1856A188-625E-401E-9A29-E8D39173BE80}" destId="{56396885-7D68-4CDE-A6F9-76FA0AF1545A}" srcOrd="0" destOrd="1" presId="urn:microsoft.com/office/officeart/2005/8/layout/hList1"/>
+    <dgm:cxn modelId="{66A97B96-AC8E-4A9E-ABB8-8E5C375975A2}" type="presOf" srcId="{BBEEC44D-A561-4EAB-A736-F93296E893CA}" destId="{8B26586A-A45C-45F9-A544-F1E73134D87D}" srcOrd="0" destOrd="7" presId="urn:microsoft.com/office/officeart/2005/8/layout/hList1"/>
+    <dgm:cxn modelId="{A7155EAC-8046-44B3-BB92-862F561360F5}" type="presOf" srcId="{B35F146A-12B8-43F8-95AE-30B0FFF39C66}" destId="{8B26586A-A45C-45F9-A544-F1E73134D87D}" srcOrd="0" destOrd="8" presId="urn:microsoft.com/office/officeart/2005/8/layout/hList1"/>
     <dgm:cxn modelId="{DA486B10-5AC6-4F15-906A-CD4BE919A9CF}" type="presOf" srcId="{8C903B5F-DB41-4603-95F3-83D118E42985}" destId="{56396885-7D68-4CDE-A6F9-76FA0AF1545A}" srcOrd="0" destOrd="3" presId="urn:microsoft.com/office/officeart/2005/8/layout/hList1"/>
-    <dgm:cxn modelId="{38C12EF3-18D4-4CA3-8562-40CBDF3ABB7B}" type="presOf" srcId="{908A3A91-43D3-4FC8-A27C-6BA32A0826F0}" destId="{8B26586A-A45C-45F9-A544-F1E73134D87D}" srcOrd="0" destOrd="2" presId="urn:microsoft.com/office/officeart/2005/8/layout/hList1"/>
-    <dgm:cxn modelId="{0ED60EC8-97EF-482D-B553-3C0B475C82D4}" type="presOf" srcId="{4441CB1D-6B34-4F8A-A0DB-598775B9C54B}" destId="{EDA4114C-2E84-4CAB-94F0-930415F10AFC}" srcOrd="0" destOrd="0" presId="urn:microsoft.com/office/officeart/2005/8/layout/hList1"/>
-    <dgm:cxn modelId="{274103C6-991B-4D29-9800-0EF61784B68F}" srcId="{14F54D40-A044-464C-BC5C-A7BED68E8E81}" destId="{908A3A91-43D3-4FC8-A27C-6BA32A0826F0}" srcOrd="2" destOrd="0" parTransId="{91C6B32B-A740-47D9-A177-06A9824F7FAE}" sibTransId="{39D5A341-BB07-4ED7-8AB7-F4FB9D9B2CBA}"/>
-    <dgm:cxn modelId="{FAA5963B-D522-4A6D-8F6C-416A961F945E}" srcId="{14F54D40-A044-464C-BC5C-A7BED68E8E81}" destId="{4A177ED7-1352-473B-A797-F305C2F7B6D2}" srcOrd="1" destOrd="0" parTransId="{5FB846C5-40C8-459F-8258-19E363E0B025}" sibTransId="{7ED0713A-2352-45D5-93E9-91921FA042B6}"/>
+    <dgm:cxn modelId="{37406312-4B26-4867-A02A-D57243DFD459}" srcId="{14F54D40-A044-464C-BC5C-A7BED68E8E81}" destId="{ABB731E3-B0FF-421F-9D36-0598E4304EEB}" srcOrd="5" destOrd="0" parTransId="{414AB3BD-711C-4C26-9AB6-A40DA7363A47}" sibTransId="{948401E3-260A-4925-A341-9D4399324CC8}"/>
+    <dgm:cxn modelId="{A86D9D56-7254-4358-BB42-72203DB3625A}" srcId="{4441CB1D-6B34-4F8A-A0DB-598775B9C54B}" destId="{14F54D40-A044-464C-BC5C-A7BED68E8E81}" srcOrd="0" destOrd="0" parTransId="{975448D9-8FCA-4BEA-A06D-2DD04013534A}" sibTransId="{16CEC8A4-1E37-467F-B742-AA7B9824EBF8}"/>
+    <dgm:cxn modelId="{D7D92AE6-E085-44A8-A3D2-C57B2A20F096}" type="presOf" srcId="{C2B1C342-05DB-4456-AB84-44B185E2891C}" destId="{56396885-7D68-4CDE-A6F9-76FA0AF1545A}" srcOrd="0" destOrd="4" presId="urn:microsoft.com/office/officeart/2005/8/layout/hList1"/>
+    <dgm:cxn modelId="{7CFFC5DE-E061-4E0B-A37F-A25A2DF3E8CE}" type="presOf" srcId="{94830768-F9C1-499B-AFB3-409E21D83DF5}" destId="{8B26586A-A45C-45F9-A544-F1E73134D87D}" srcOrd="0" destOrd="3" presId="urn:microsoft.com/office/officeart/2005/8/layout/hList1"/>
+    <dgm:cxn modelId="{C19B69AF-A881-4314-8C11-9FDC42B1B165}" srcId="{14F54D40-A044-464C-BC5C-A7BED68E8E81}" destId="{687DD79C-E73B-4861-8F6F-445EFA2908CF}" srcOrd="4" destOrd="0" parTransId="{11612AE8-3617-4062-8D6D-1F720AE56893}" sibTransId="{38155F33-E8AF-44E2-A10F-2105A836792E}"/>
+    <dgm:cxn modelId="{F1FD5CBA-7293-41A9-A000-8657545C3158}" srcId="{14F54D40-A044-464C-BC5C-A7BED68E8E81}" destId="{235A2681-A0DA-4171-A0EF-BE705A23FEA5}" srcOrd="0" destOrd="0" parTransId="{B17278E7-216E-4E48-A992-7199312E0586}" sibTransId="{7077436D-60BD-49AA-8198-F73EF64844ED}"/>
     <dgm:cxn modelId="{4C8FAC9B-E02A-43E2-8A96-F95CAE449E0C}" srcId="{3E639D28-7135-42A7-B4EC-BCE528467E53}" destId="{1856A188-625E-401E-9A29-E8D39173BE80}" srcOrd="1" destOrd="0" parTransId="{A4EFF098-B945-4F87-8D8D-C0DAAFC55B75}" sibTransId="{EA768CF5-71C2-4984-9E6F-EA49E66F1F5D}"/>
+    <dgm:cxn modelId="{32D967CD-1B66-4A3B-BF8F-CE61E8D072F2}" srcId="{3E639D28-7135-42A7-B4EC-BCE528467E53}" destId="{6012E521-BDE8-479D-8A68-DBA2DB7BB51E}" srcOrd="0" destOrd="0" parTransId="{B4BC9DC1-298C-4258-AA33-1AB762E63E06}" sibTransId="{CAA4B7E6-C6B8-481C-9F17-D054E4AA98FF}"/>
+    <dgm:cxn modelId="{4A0BFC3A-A957-48F8-BF38-97BAD122E355}" type="presOf" srcId="{ABB731E3-B0FF-421F-9D36-0598E4304EEB}" destId="{8B26586A-A45C-45F9-A544-F1E73134D87D}" srcOrd="0" destOrd="5" presId="urn:microsoft.com/office/officeart/2005/8/layout/hList1"/>
     <dgm:cxn modelId="{76A24077-B1FE-47F8-AEAF-CF0B2ABEE5A7}" srcId="{4441CB1D-6B34-4F8A-A0DB-598775B9C54B}" destId="{3E639D28-7135-42A7-B4EC-BCE528467E53}" srcOrd="1" destOrd="0" parTransId="{9DA80F23-DC5F-4B03-96A3-2250CA9A1726}" sibTransId="{0895B884-69D7-47A4-9AEA-AC9181CCD731}"/>
-    <dgm:cxn modelId="{4A0BFC3A-A957-48F8-BF38-97BAD122E355}" type="presOf" srcId="{ABB731E3-B0FF-421F-9D36-0598E4304EEB}" destId="{8B26586A-A45C-45F9-A544-F1E73134D87D}" srcOrd="0" destOrd="5" presId="urn:microsoft.com/office/officeart/2005/8/layout/hList1"/>
-    <dgm:cxn modelId="{F1FD5CBA-7293-41A9-A000-8657545C3158}" srcId="{14F54D40-A044-464C-BC5C-A7BED68E8E81}" destId="{235A2681-A0DA-4171-A0EF-BE705A23FEA5}" srcOrd="0" destOrd="0" parTransId="{B17278E7-216E-4E48-A992-7199312E0586}" sibTransId="{7077436D-60BD-49AA-8198-F73EF64844ED}"/>
-    <dgm:cxn modelId="{C19B69AF-A881-4314-8C11-9FDC42B1B165}" srcId="{14F54D40-A044-464C-BC5C-A7BED68E8E81}" destId="{687DD79C-E73B-4861-8F6F-445EFA2908CF}" srcOrd="4" destOrd="0" parTransId="{11612AE8-3617-4062-8D6D-1F720AE56893}" sibTransId="{38155F33-E8AF-44E2-A10F-2105A836792E}"/>
-    <dgm:cxn modelId="{66A97B96-AC8E-4A9E-ABB8-8E5C375975A2}" type="presOf" srcId="{BBEEC44D-A561-4EAB-A736-F93296E893CA}" destId="{8B26586A-A45C-45F9-A544-F1E73134D87D}" srcOrd="0" destOrd="7" presId="urn:microsoft.com/office/officeart/2005/8/layout/hList1"/>
-    <dgm:cxn modelId="{1B182E0F-9A9E-4981-AB8B-7C63ABA4CB05}" srcId="{14F54D40-A044-464C-BC5C-A7BED68E8E81}" destId="{B35F146A-12B8-43F8-95AE-30B0FFF39C66}" srcOrd="8" destOrd="0" parTransId="{BEBAB363-9A90-4849-81E3-84EECFCEF904}" sibTransId="{52CA1C7E-8A51-4F57-B76A-B482FF1E126F}"/>
-    <dgm:cxn modelId="{AC731341-8E96-473C-A8A9-9F88ADE4464D}" type="presOf" srcId="{235A2681-A0DA-4171-A0EF-BE705A23FEA5}" destId="{8B26586A-A45C-45F9-A544-F1E73134D87D}" srcOrd="0" destOrd="0" presId="urn:microsoft.com/office/officeart/2005/8/layout/hList1"/>
-    <dgm:cxn modelId="{261EDDCF-86F2-42A5-A647-785EA3A06ADF}" type="presOf" srcId="{5AF459D8-EDAF-4E04-A54F-B808ABC4AB8F}" destId="{56396885-7D68-4CDE-A6F9-76FA0AF1545A}" srcOrd="0" destOrd="2" presId="urn:microsoft.com/office/officeart/2005/8/layout/hList1"/>
     <dgm:cxn modelId="{CC9D32F1-F59B-4960-A8BC-995C5D2F66AF}" srcId="{3E639D28-7135-42A7-B4EC-BCE528467E53}" destId="{8C903B5F-DB41-4603-95F3-83D118E42985}" srcOrd="3" destOrd="0" parTransId="{FF04D869-619E-4ABE-BCF0-223E1F828ACA}" sibTransId="{5912F690-8081-4A6B-813B-63387814DDBA}"/>
-    <dgm:cxn modelId="{DABE17BB-CA51-4C09-9E0F-56BB6475B8C6}" type="presOf" srcId="{3E639D28-7135-42A7-B4EC-BCE528467E53}" destId="{DFD5A63A-2F8A-4273-8467-C66E4E49EDE8}" srcOrd="0" destOrd="0" presId="urn:microsoft.com/office/officeart/2005/8/layout/hList1"/>
-    <dgm:cxn modelId="{A422BDB6-7835-4B98-A51C-AFFF76C039B5}" srcId="{3E639D28-7135-42A7-B4EC-BCE528467E53}" destId="{5AF459D8-EDAF-4E04-A54F-B808ABC4AB8F}" srcOrd="2" destOrd="0" parTransId="{81CCBD47-6F34-4442-AE63-8F96A12EC5C8}" sibTransId="{C1CBE25D-E960-4067-9174-7915150338B0}"/>
-    <dgm:cxn modelId="{18E37301-6638-4652-B979-0859729A9A0F}" type="presOf" srcId="{18282622-CA76-4F37-B2DA-90A5132305E3}" destId="{56396885-7D68-4CDE-A6F9-76FA0AF1545A}" srcOrd="0" destOrd="5" presId="urn:microsoft.com/office/officeart/2005/8/layout/hList1"/>
-    <dgm:cxn modelId="{EC4EC01F-D75D-4781-B7EB-5CEB65452112}" type="presOf" srcId="{6012E521-BDE8-479D-8A68-DBA2DB7BB51E}" destId="{56396885-7D68-4CDE-A6F9-76FA0AF1545A}" srcOrd="0" destOrd="0" presId="urn:microsoft.com/office/officeart/2005/8/layout/hList1"/>
-    <dgm:cxn modelId="{6D0D1137-D9B3-4557-B4BF-E5C39536CB52}" type="presOf" srcId="{1856A188-625E-401E-9A29-E8D39173BE80}" destId="{56396885-7D68-4CDE-A6F9-76FA0AF1545A}" srcOrd="0" destOrd="1" presId="urn:microsoft.com/office/officeart/2005/8/layout/hList1"/>
-    <dgm:cxn modelId="{CFC0D0F2-9734-49EC-A3FC-7E011AC3B87E}" srcId="{14F54D40-A044-464C-BC5C-A7BED68E8E81}" destId="{1EE934A7-60B8-4B98-BA2E-E415CAB26278}" srcOrd="6" destOrd="0" parTransId="{F13AF1D0-5ED0-4081-9AC9-D5D55B36737B}" sibTransId="{72ABA083-946D-40A1-A0DD-16343C1BFB30}"/>
-    <dgm:cxn modelId="{37406312-4B26-4867-A02A-D57243DFD459}" srcId="{14F54D40-A044-464C-BC5C-A7BED68E8E81}" destId="{ABB731E3-B0FF-421F-9D36-0598E4304EEB}" srcOrd="5" destOrd="0" parTransId="{414AB3BD-711C-4C26-9AB6-A40DA7363A47}" sibTransId="{948401E3-260A-4925-A341-9D4399324CC8}"/>
-    <dgm:cxn modelId="{32D967CD-1B66-4A3B-BF8F-CE61E8D072F2}" srcId="{3E639D28-7135-42A7-B4EC-BCE528467E53}" destId="{6012E521-BDE8-479D-8A68-DBA2DB7BB51E}" srcOrd="0" destOrd="0" parTransId="{B4BC9DC1-298C-4258-AA33-1AB762E63E06}" sibTransId="{CAA4B7E6-C6B8-481C-9F17-D054E4AA98FF}"/>
-    <dgm:cxn modelId="{1817D89C-48FC-4FB8-B0C8-6CE650AC3D7A}" type="presOf" srcId="{1EE934A7-60B8-4B98-BA2E-E415CAB26278}" destId="{8B26586A-A45C-45F9-A544-F1E73134D87D}" srcOrd="0" destOrd="6" presId="urn:microsoft.com/office/officeart/2005/8/layout/hList1"/>
-    <dgm:cxn modelId="{7CFFC5DE-E061-4E0B-A37F-A25A2DF3E8CE}" type="presOf" srcId="{94830768-F9C1-499B-AFB3-409E21D83DF5}" destId="{8B26586A-A45C-45F9-A544-F1E73134D87D}" srcOrd="0" destOrd="3" presId="urn:microsoft.com/office/officeart/2005/8/layout/hList1"/>
-    <dgm:cxn modelId="{EB306AB9-D321-4C39-9D2B-ABF6580CC06E}" srcId="{3E639D28-7135-42A7-B4EC-BCE528467E53}" destId="{C2B1C342-05DB-4456-AB84-44B185E2891C}" srcOrd="4" destOrd="0" parTransId="{76BA4136-808C-4E83-98E4-F3D4858F22AE}" sibTransId="{F3877DB1-7664-4A84-A43C-2A0A8FD7C1E5}"/>
-    <dgm:cxn modelId="{A7155EAC-8046-44B3-BB92-862F561360F5}" type="presOf" srcId="{B35F146A-12B8-43F8-95AE-30B0FFF39C66}" destId="{8B26586A-A45C-45F9-A544-F1E73134D87D}" srcOrd="0" destOrd="8" presId="urn:microsoft.com/office/officeart/2005/8/layout/hList1"/>
-    <dgm:cxn modelId="{A86D9D56-7254-4358-BB42-72203DB3625A}" srcId="{4441CB1D-6B34-4F8A-A0DB-598775B9C54B}" destId="{14F54D40-A044-464C-BC5C-A7BED68E8E81}" srcOrd="0" destOrd="0" parTransId="{975448D9-8FCA-4BEA-A06D-2DD04013534A}" sibTransId="{16CEC8A4-1E37-467F-B742-AA7B9824EBF8}"/>
-    <dgm:cxn modelId="{00D077EE-CC3D-441C-9C77-24B0C68F1678}" srcId="{3E639D28-7135-42A7-B4EC-BCE528467E53}" destId="{18282622-CA76-4F37-B2DA-90A5132305E3}" srcOrd="5" destOrd="0" parTransId="{78D9034D-55CA-47BE-9F9A-2A27E100BF12}" sibTransId="{E842D563-DF99-407F-AE40-D68FB4468312}"/>
-    <dgm:cxn modelId="{78DC8768-DCD5-413F-827D-4825FB96ECBF}" type="presOf" srcId="{687DD79C-E73B-4861-8F6F-445EFA2908CF}" destId="{8B26586A-A45C-45F9-A544-F1E73134D87D}" srcOrd="0" destOrd="4" presId="urn:microsoft.com/office/officeart/2005/8/layout/hList1"/>
-    <dgm:cxn modelId="{D16D7997-BBEE-474D-9E22-AE543EF8B25B}" srcId="{14F54D40-A044-464C-BC5C-A7BED68E8E81}" destId="{BBEEC44D-A561-4EAB-A736-F93296E893CA}" srcOrd="7" destOrd="0" parTransId="{9A7735AE-9959-4881-BFD7-FD27D98A4DA6}" sibTransId="{2360E458-5911-40F4-BABF-E94067C2419A}"/>
-    <dgm:cxn modelId="{D7D92AE6-E085-44A8-A3D2-C57B2A20F096}" type="presOf" srcId="{C2B1C342-05DB-4456-AB84-44B185E2891C}" destId="{56396885-7D68-4CDE-A6F9-76FA0AF1545A}" srcOrd="0" destOrd="4" presId="urn:microsoft.com/office/officeart/2005/8/layout/hList1"/>
-    <dgm:cxn modelId="{65928FB6-30E5-4A22-B515-71A274C03B40}" srcId="{14F54D40-A044-464C-BC5C-A7BED68E8E81}" destId="{94830768-F9C1-499B-AFB3-409E21D83DF5}" srcOrd="3" destOrd="0" parTransId="{FF2CC12B-6D2C-41C5-B868-5FA077972080}" sibTransId="{9A6484C2-ACC0-4129-81B0-C2B7BC283E1B}"/>
-    <dgm:cxn modelId="{4A2EEB97-120F-46E5-81A1-F0EC2263D197}" type="presOf" srcId="{4A177ED7-1352-473B-A797-F305C2F7B6D2}" destId="{8B26586A-A45C-45F9-A544-F1E73134D87D}" srcOrd="0" destOrd="1" presId="urn:microsoft.com/office/officeart/2005/8/layout/hList1"/>
-    <dgm:cxn modelId="{7DD8E5D9-A922-49B3-833C-D6E2104F2ACB}" type="presOf" srcId="{14F54D40-A044-464C-BC5C-A7BED68E8E81}" destId="{411CB058-22BF-44C6-9139-6BBFAF05E04A}" srcOrd="0" destOrd="0" presId="urn:microsoft.com/office/officeart/2005/8/layout/hList1"/>
     <dgm:cxn modelId="{AA7BBCC9-570A-4DB7-B69E-F8B168872FA4}" type="presParOf" srcId="{EDA4114C-2E84-4CAB-94F0-930415F10AFC}" destId="{D992B490-4FF6-4E2E-B12C-F0013320AB11}" srcOrd="0" destOrd="0" presId="urn:microsoft.com/office/officeart/2005/8/layout/hList1"/>
     <dgm:cxn modelId="{333DDA2F-E39D-4C55-90BB-3B2AD5E3194E}" type="presParOf" srcId="{D992B490-4FF6-4E2E-B12C-F0013320AB11}" destId="{411CB058-22BF-44C6-9139-6BBFAF05E04A}" srcOrd="0" destOrd="0" presId="urn:microsoft.com/office/officeart/2005/8/layout/hList1"/>
     <dgm:cxn modelId="{339BCDAB-9335-466A-B663-1917A159EAE4}" type="presParOf" srcId="{D992B490-4FF6-4E2E-B12C-F0013320AB11}" destId="{8B26586A-A45C-45F9-A544-F1E73134D87D}" srcOrd="1" destOrd="0" presId="urn:microsoft.com/office/officeart/2005/8/layout/hList1"/>
@@ -3291,6 +4136,431 @@
     <dgm:cxn modelId="{1E4F676F-215F-4F6C-B96C-AC5610D66956}" type="presParOf" srcId="{EDA4114C-2E84-4CAB-94F0-930415F10AFC}" destId="{02A0213F-1DDE-4951-8ADF-BAC631EB9F46}" srcOrd="2" destOrd="0" presId="urn:microsoft.com/office/officeart/2005/8/layout/hList1"/>
     <dgm:cxn modelId="{912615C7-1515-4C01-8C3E-F2A6329FB518}" type="presParOf" srcId="{02A0213F-1DDE-4951-8ADF-BAC631EB9F46}" destId="{DFD5A63A-2F8A-4273-8467-C66E4E49EDE8}" srcOrd="0" destOrd="0" presId="urn:microsoft.com/office/officeart/2005/8/layout/hList1"/>
     <dgm:cxn modelId="{A534530E-7D98-4A89-9FFF-205115715722}" type="presParOf" srcId="{02A0213F-1DDE-4951-8ADF-BAC631EB9F46}" destId="{56396885-7D68-4CDE-A6F9-76FA0AF1545A}" srcOrd="1" destOrd="0" presId="urn:microsoft.com/office/officeart/2005/8/layout/hList1"/>
+  </dgm:cxnLst>
+  <dgm:bg/>
+  <dgm:whole/>
+  <dgm:extLst>
+    <a:ext uri="http://schemas.microsoft.com/office/drawing/2008/diagram">
+      <dsp:dataModelExt xmlns:dsp="http://schemas.microsoft.com/office/drawing/2008/diagram" relId="rId6" minVer="http://schemas.openxmlformats.org/drawingml/2006/diagram"/>
+    </a:ext>
+  </dgm:extLst>
+</dgm:dataModel>
+</file>
+
+<file path=ppt/diagrams/data3.xml><?xml version="1.0" encoding="utf-8"?>
+<dgm:dataModel xmlns:dgm="http://schemas.openxmlformats.org/drawingml/2006/diagram" xmlns:a="http://schemas.openxmlformats.org/drawingml/2006/main">
+  <dgm:ptLst>
+    <dgm:pt modelId="{A29AFF77-C7D0-4E2B-AC19-698985978D88}" type="doc">
+      <dgm:prSet loTypeId="urn:microsoft.com/office/officeart/2008/layout/LinedList" loCatId="list" qsTypeId="urn:microsoft.com/office/officeart/2005/8/quickstyle/simple1" qsCatId="simple" csTypeId="urn:microsoft.com/office/officeart/2005/8/colors/accent1_2" csCatId="accent1" phldr="1"/>
+      <dgm:spPr/>
+      <dgm:t>
+        <a:bodyPr/>
+        <a:lstStyle/>
+        <a:p>
+          <a:endParaRPr lang="fr-FR"/>
+        </a:p>
+      </dgm:t>
+    </dgm:pt>
+    <dgm:pt modelId="{0AEFA633-71A6-4474-8208-CAF37EA105A1}">
+      <dgm:prSet phldrT="[Texte]" custT="1"/>
+      <dgm:spPr/>
+      <dgm:t>
+        <a:bodyPr/>
+        <a:lstStyle/>
+        <a:p>
+          <a:r>
+            <a:rPr lang="fr-FR" sz="2800" dirty="0" smtClean="0"/>
+            <a:t>MS une extension du concept de SOA plus adaptés aux contraintes du moment</a:t>
+          </a:r>
+          <a:endParaRPr lang="fr-FR" sz="2800" dirty="0"/>
+        </a:p>
+      </dgm:t>
+    </dgm:pt>
+    <dgm:pt modelId="{352460C9-76ED-4CD0-B71B-24B2D01BA309}" type="parTrans" cxnId="{16EE732C-CA76-4B57-AD37-2D43D9347835}">
+      <dgm:prSet/>
+      <dgm:spPr/>
+      <dgm:t>
+        <a:bodyPr/>
+        <a:lstStyle/>
+        <a:p>
+          <a:endParaRPr lang="fr-FR"/>
+        </a:p>
+      </dgm:t>
+    </dgm:pt>
+    <dgm:pt modelId="{DAC36B3D-D5A3-4275-B332-C37885424C01}" type="sibTrans" cxnId="{16EE732C-CA76-4B57-AD37-2D43D9347835}">
+      <dgm:prSet/>
+      <dgm:spPr/>
+      <dgm:t>
+        <a:bodyPr/>
+        <a:lstStyle/>
+        <a:p>
+          <a:endParaRPr lang="fr-FR"/>
+        </a:p>
+      </dgm:t>
+    </dgm:pt>
+    <dgm:pt modelId="{476AB0D8-9E77-456A-8267-E6F642777E3B}">
+      <dgm:prSet phldrT="[Texte]" custT="1"/>
+      <dgm:spPr/>
+      <dgm:t>
+        <a:bodyPr/>
+        <a:lstStyle/>
+        <a:p>
+          <a:r>
+            <a:rPr lang="fr-FR" sz="2400" dirty="0" smtClean="0"/>
+            <a:t>Déploiement quotidien</a:t>
+          </a:r>
+          <a:endParaRPr lang="fr-FR" sz="2400" dirty="0"/>
+        </a:p>
+      </dgm:t>
+    </dgm:pt>
+    <dgm:pt modelId="{AF8233F7-C7F5-485F-93AF-ED6F229499A7}" type="parTrans" cxnId="{32BEE5B5-C885-4D06-94F2-9DD033034BB4}">
+      <dgm:prSet/>
+      <dgm:spPr/>
+      <dgm:t>
+        <a:bodyPr/>
+        <a:lstStyle/>
+        <a:p>
+          <a:endParaRPr lang="fr-FR"/>
+        </a:p>
+      </dgm:t>
+    </dgm:pt>
+    <dgm:pt modelId="{0EA860AB-642C-42A4-96E3-E71B1DDF8D4A}" type="sibTrans" cxnId="{32BEE5B5-C885-4D06-94F2-9DD033034BB4}">
+      <dgm:prSet/>
+      <dgm:spPr/>
+      <dgm:t>
+        <a:bodyPr/>
+        <a:lstStyle/>
+        <a:p>
+          <a:endParaRPr lang="fr-FR"/>
+        </a:p>
+      </dgm:t>
+    </dgm:pt>
+    <dgm:pt modelId="{BE5DC3A3-8D6A-4760-A487-A92BEC1E16BA}">
+      <dgm:prSet phldrT="[Texte]" custT="1"/>
+      <dgm:spPr/>
+      <dgm:t>
+        <a:bodyPr/>
+        <a:lstStyle/>
+        <a:p>
+          <a:r>
+            <a:rPr lang="fr-FR" sz="2800" dirty="0" smtClean="0"/>
+            <a:t>Time to </a:t>
+          </a:r>
+          <a:r>
+            <a:rPr lang="fr-FR" sz="2000" dirty="0" err="1" smtClean="0"/>
+            <a:t>market</a:t>
+          </a:r>
+          <a:r>
+            <a:rPr lang="fr-FR" sz="2800" dirty="0" smtClean="0"/>
+            <a:t> réduit </a:t>
+          </a:r>
+          <a:endParaRPr lang="fr-FR" sz="2800" dirty="0"/>
+        </a:p>
+      </dgm:t>
+    </dgm:pt>
+    <dgm:pt modelId="{9247A2B9-5311-491C-8D4E-4777588490D7}" type="parTrans" cxnId="{3AAB711F-427D-4403-A404-8C51DCFC54E2}">
+      <dgm:prSet/>
+      <dgm:spPr/>
+      <dgm:t>
+        <a:bodyPr/>
+        <a:lstStyle/>
+        <a:p>
+          <a:endParaRPr lang="fr-FR"/>
+        </a:p>
+      </dgm:t>
+    </dgm:pt>
+    <dgm:pt modelId="{6C9D35A2-1F28-48FC-9149-1DBB6083D924}" type="sibTrans" cxnId="{3AAB711F-427D-4403-A404-8C51DCFC54E2}">
+      <dgm:prSet/>
+      <dgm:spPr/>
+      <dgm:t>
+        <a:bodyPr/>
+        <a:lstStyle/>
+        <a:p>
+          <a:endParaRPr lang="fr-FR"/>
+        </a:p>
+      </dgm:t>
+    </dgm:pt>
+    <dgm:pt modelId="{3735B493-B2FB-48C4-8B2B-C10F1EE8AE89}">
+      <dgm:prSet phldrT="[Texte]" custT="1"/>
+      <dgm:spPr/>
+      <dgm:t>
+        <a:bodyPr/>
+        <a:lstStyle/>
+        <a:p>
+          <a:r>
+            <a:rPr lang="fr-FR" sz="2800" dirty="0" smtClean="0"/>
+            <a:t>interconnexion entre les applications internes et externes</a:t>
+          </a:r>
+          <a:endParaRPr lang="fr-FR" sz="2800" dirty="0"/>
+        </a:p>
+      </dgm:t>
+    </dgm:pt>
+    <dgm:pt modelId="{8DD24E90-E860-4096-8F69-DC1EB5EAB5A4}" type="parTrans" cxnId="{6C738428-92F1-448B-A193-95E9B23048CC}">
+      <dgm:prSet/>
+      <dgm:spPr/>
+      <dgm:t>
+        <a:bodyPr/>
+        <a:lstStyle/>
+        <a:p>
+          <a:endParaRPr lang="fr-FR"/>
+        </a:p>
+      </dgm:t>
+    </dgm:pt>
+    <dgm:pt modelId="{A22EE336-E016-409E-B87E-1E4D86B60FB2}" type="sibTrans" cxnId="{6C738428-92F1-448B-A193-95E9B23048CC}">
+      <dgm:prSet/>
+      <dgm:spPr/>
+      <dgm:t>
+        <a:bodyPr/>
+        <a:lstStyle/>
+        <a:p>
+          <a:endParaRPr lang="fr-FR"/>
+        </a:p>
+      </dgm:t>
+    </dgm:pt>
+    <dgm:pt modelId="{DD612127-0498-40A5-A22A-A332BA9652FD}">
+      <dgm:prSet phldrT="[Texte]" custT="1"/>
+      <dgm:spPr/>
+      <dgm:t>
+        <a:bodyPr/>
+        <a:lstStyle/>
+        <a:p>
+          <a:r>
+            <a:rPr lang="fr-FR" sz="2800" dirty="0" smtClean="0"/>
+            <a:t>Relation client </a:t>
+          </a:r>
+          <a:r>
+            <a:rPr lang="fr-FR" sz="2800" dirty="0" err="1" smtClean="0"/>
+            <a:t>multi-canal</a:t>
+          </a:r>
+          <a:endParaRPr lang="fr-FR" sz="2800" dirty="0"/>
+        </a:p>
+      </dgm:t>
+    </dgm:pt>
+    <dgm:pt modelId="{C4A827A6-AD18-4B00-BA69-00633E5F3F9D}" type="parTrans" cxnId="{49FA7104-BE31-4193-9C2A-DB77F512B44E}">
+      <dgm:prSet/>
+      <dgm:spPr/>
+      <dgm:t>
+        <a:bodyPr/>
+        <a:lstStyle/>
+        <a:p>
+          <a:endParaRPr lang="fr-FR"/>
+        </a:p>
+      </dgm:t>
+    </dgm:pt>
+    <dgm:pt modelId="{D88811B3-7FEE-4616-9372-E58531F4DF94}" type="sibTrans" cxnId="{49FA7104-BE31-4193-9C2A-DB77F512B44E}">
+      <dgm:prSet/>
+      <dgm:spPr/>
+      <dgm:t>
+        <a:bodyPr/>
+        <a:lstStyle/>
+        <a:p>
+          <a:endParaRPr lang="fr-FR"/>
+        </a:p>
+      </dgm:t>
+    </dgm:pt>
+    <dgm:pt modelId="{5B2BD260-00EC-4CD4-A2BB-36BCD0FDEA77}" type="pres">
+      <dgm:prSet presAssocID="{A29AFF77-C7D0-4E2B-AC19-698985978D88}" presName="vert0" presStyleCnt="0">
+        <dgm:presLayoutVars>
+          <dgm:dir/>
+          <dgm:animOne val="branch"/>
+          <dgm:animLvl val="lvl"/>
+        </dgm:presLayoutVars>
+      </dgm:prSet>
+      <dgm:spPr/>
+    </dgm:pt>
+    <dgm:pt modelId="{A59F1E82-8BA2-4E84-81E1-29D4FB60F9D0}" type="pres">
+      <dgm:prSet presAssocID="{0AEFA633-71A6-4474-8208-CAF37EA105A1}" presName="thickLine" presStyleLbl="alignNode1" presStyleIdx="0" presStyleCnt="1"/>
+      <dgm:spPr/>
+    </dgm:pt>
+    <dgm:pt modelId="{80EE2A20-C4A8-43A2-9BE9-DE295B86A913}" type="pres">
+      <dgm:prSet presAssocID="{0AEFA633-71A6-4474-8208-CAF37EA105A1}" presName="horz1" presStyleCnt="0"/>
+      <dgm:spPr/>
+    </dgm:pt>
+    <dgm:pt modelId="{74FBD8E4-ACC2-44AC-BFBA-3339636CAC0F}" type="pres">
+      <dgm:prSet presAssocID="{0AEFA633-71A6-4474-8208-CAF37EA105A1}" presName="tx1" presStyleLbl="revTx" presStyleIdx="0" presStyleCnt="5" custScaleX="224845"/>
+      <dgm:spPr/>
+      <dgm:t>
+        <a:bodyPr/>
+        <a:lstStyle/>
+        <a:p>
+          <a:endParaRPr lang="fr-FR"/>
+        </a:p>
+      </dgm:t>
+    </dgm:pt>
+    <dgm:pt modelId="{F6E26A98-9FD0-4A97-9E6B-AC4D4E0E1C93}" type="pres">
+      <dgm:prSet presAssocID="{0AEFA633-71A6-4474-8208-CAF37EA105A1}" presName="vert1" presStyleCnt="0"/>
+      <dgm:spPr/>
+    </dgm:pt>
+    <dgm:pt modelId="{6961215D-26C1-4249-A103-AC15E1653CC0}" type="pres">
+      <dgm:prSet presAssocID="{476AB0D8-9E77-456A-8267-E6F642777E3B}" presName="vertSpace2a" presStyleCnt="0"/>
+      <dgm:spPr/>
+    </dgm:pt>
+    <dgm:pt modelId="{75CD0613-524E-4C61-AE02-2A1C65CB3621}" type="pres">
+      <dgm:prSet presAssocID="{476AB0D8-9E77-456A-8267-E6F642777E3B}" presName="horz2" presStyleCnt="0"/>
+      <dgm:spPr/>
+    </dgm:pt>
+    <dgm:pt modelId="{5D527F3C-0956-40C3-B2DD-09A26D7C57A8}" type="pres">
+      <dgm:prSet presAssocID="{476AB0D8-9E77-456A-8267-E6F642777E3B}" presName="horzSpace2" presStyleCnt="0"/>
+      <dgm:spPr/>
+    </dgm:pt>
+    <dgm:pt modelId="{47106120-5C71-4FDC-A4C7-95655651F689}" type="pres">
+      <dgm:prSet presAssocID="{476AB0D8-9E77-456A-8267-E6F642777E3B}" presName="tx2" presStyleLbl="revTx" presStyleIdx="1" presStyleCnt="5"/>
+      <dgm:spPr/>
+      <dgm:t>
+        <a:bodyPr/>
+        <a:lstStyle/>
+        <a:p>
+          <a:endParaRPr lang="fr-FR"/>
+        </a:p>
+      </dgm:t>
+    </dgm:pt>
+    <dgm:pt modelId="{B8345A70-F7A4-40CF-A6F9-E441E7C80D52}" type="pres">
+      <dgm:prSet presAssocID="{476AB0D8-9E77-456A-8267-E6F642777E3B}" presName="vert2" presStyleCnt="0"/>
+      <dgm:spPr/>
+    </dgm:pt>
+    <dgm:pt modelId="{64941990-FBE3-42EF-886C-881F1EC4E209}" type="pres">
+      <dgm:prSet presAssocID="{476AB0D8-9E77-456A-8267-E6F642777E3B}" presName="thinLine2b" presStyleLbl="callout" presStyleIdx="0" presStyleCnt="4"/>
+      <dgm:spPr/>
+    </dgm:pt>
+    <dgm:pt modelId="{B47C1D7A-1C19-4DA8-B016-2FD9CF401893}" type="pres">
+      <dgm:prSet presAssocID="{476AB0D8-9E77-456A-8267-E6F642777E3B}" presName="vertSpace2b" presStyleCnt="0"/>
+      <dgm:spPr/>
+    </dgm:pt>
+    <dgm:pt modelId="{F68F34EC-2F83-46B6-969D-40316D25B5FB}" type="pres">
+      <dgm:prSet presAssocID="{BE5DC3A3-8D6A-4760-A487-A92BEC1E16BA}" presName="horz2" presStyleCnt="0"/>
+      <dgm:spPr/>
+    </dgm:pt>
+    <dgm:pt modelId="{61881CEF-E5A8-4CA6-824E-6B1E94AA9765}" type="pres">
+      <dgm:prSet presAssocID="{BE5DC3A3-8D6A-4760-A487-A92BEC1E16BA}" presName="horzSpace2" presStyleCnt="0"/>
+      <dgm:spPr/>
+    </dgm:pt>
+    <dgm:pt modelId="{33E74E80-9A26-47AE-9AE0-F025FA5AD3CC}" type="pres">
+      <dgm:prSet presAssocID="{BE5DC3A3-8D6A-4760-A487-A92BEC1E16BA}" presName="tx2" presStyleLbl="revTx" presStyleIdx="2" presStyleCnt="5"/>
+      <dgm:spPr/>
+      <dgm:t>
+        <a:bodyPr/>
+        <a:lstStyle/>
+        <a:p>
+          <a:endParaRPr lang="fr-FR"/>
+        </a:p>
+      </dgm:t>
+    </dgm:pt>
+    <dgm:pt modelId="{96B159FE-8715-44A0-9C91-052C06CF82E8}" type="pres">
+      <dgm:prSet presAssocID="{BE5DC3A3-8D6A-4760-A487-A92BEC1E16BA}" presName="vert2" presStyleCnt="0"/>
+      <dgm:spPr/>
+    </dgm:pt>
+    <dgm:pt modelId="{3D62FAEE-04C3-42F0-A03A-EE5461C900B4}" type="pres">
+      <dgm:prSet presAssocID="{BE5DC3A3-8D6A-4760-A487-A92BEC1E16BA}" presName="thinLine2b" presStyleLbl="callout" presStyleIdx="1" presStyleCnt="4"/>
+      <dgm:spPr/>
+    </dgm:pt>
+    <dgm:pt modelId="{C6F70572-CA48-4301-BCCB-3DA0D75495BC}" type="pres">
+      <dgm:prSet presAssocID="{BE5DC3A3-8D6A-4760-A487-A92BEC1E16BA}" presName="vertSpace2b" presStyleCnt="0"/>
+      <dgm:spPr/>
+    </dgm:pt>
+    <dgm:pt modelId="{BCB18FE3-B545-4523-B35B-A1FE2232CD76}" type="pres">
+      <dgm:prSet presAssocID="{3735B493-B2FB-48C4-8B2B-C10F1EE8AE89}" presName="horz2" presStyleCnt="0"/>
+      <dgm:spPr/>
+    </dgm:pt>
+    <dgm:pt modelId="{6133A107-AF51-4B03-BD26-8188684FD27D}" type="pres">
+      <dgm:prSet presAssocID="{3735B493-B2FB-48C4-8B2B-C10F1EE8AE89}" presName="horzSpace2" presStyleCnt="0"/>
+      <dgm:spPr/>
+    </dgm:pt>
+    <dgm:pt modelId="{C6DA7F6B-DC59-4C85-AC71-50B360B6A56C}" type="pres">
+      <dgm:prSet presAssocID="{3735B493-B2FB-48C4-8B2B-C10F1EE8AE89}" presName="tx2" presStyleLbl="revTx" presStyleIdx="3" presStyleCnt="5"/>
+      <dgm:spPr/>
+      <dgm:t>
+        <a:bodyPr/>
+        <a:lstStyle/>
+        <a:p>
+          <a:endParaRPr lang="fr-FR"/>
+        </a:p>
+      </dgm:t>
+    </dgm:pt>
+    <dgm:pt modelId="{CF406955-2E43-4BD3-88ED-21872989E4E8}" type="pres">
+      <dgm:prSet presAssocID="{3735B493-B2FB-48C4-8B2B-C10F1EE8AE89}" presName="vert2" presStyleCnt="0"/>
+      <dgm:spPr/>
+    </dgm:pt>
+    <dgm:pt modelId="{C4B9728A-4265-4A5F-A621-B3AD893EE236}" type="pres">
+      <dgm:prSet presAssocID="{3735B493-B2FB-48C4-8B2B-C10F1EE8AE89}" presName="thinLine2b" presStyleLbl="callout" presStyleIdx="2" presStyleCnt="4"/>
+      <dgm:spPr/>
+    </dgm:pt>
+    <dgm:pt modelId="{E6EA2196-1C54-483C-9819-9109F119D6AE}" type="pres">
+      <dgm:prSet presAssocID="{3735B493-B2FB-48C4-8B2B-C10F1EE8AE89}" presName="vertSpace2b" presStyleCnt="0"/>
+      <dgm:spPr/>
+    </dgm:pt>
+    <dgm:pt modelId="{3A46BBA4-CBCE-49B6-8F42-40F64D7CB62C}" type="pres">
+      <dgm:prSet presAssocID="{DD612127-0498-40A5-A22A-A332BA9652FD}" presName="horz2" presStyleCnt="0"/>
+      <dgm:spPr/>
+    </dgm:pt>
+    <dgm:pt modelId="{42EFE80E-8685-400A-86A0-617FE6A90E1A}" type="pres">
+      <dgm:prSet presAssocID="{DD612127-0498-40A5-A22A-A332BA9652FD}" presName="horzSpace2" presStyleCnt="0"/>
+      <dgm:spPr/>
+    </dgm:pt>
+    <dgm:pt modelId="{8E8E4938-CBBD-4008-A0DA-5423AB86EEA1}" type="pres">
+      <dgm:prSet presAssocID="{DD612127-0498-40A5-A22A-A332BA9652FD}" presName="tx2" presStyleLbl="revTx" presStyleIdx="4" presStyleCnt="5"/>
+      <dgm:spPr/>
+      <dgm:t>
+        <a:bodyPr/>
+        <a:lstStyle/>
+        <a:p>
+          <a:endParaRPr lang="fr-FR"/>
+        </a:p>
+      </dgm:t>
+    </dgm:pt>
+    <dgm:pt modelId="{754E3EB9-A920-4B6E-9802-C1CC29B5BF15}" type="pres">
+      <dgm:prSet presAssocID="{DD612127-0498-40A5-A22A-A332BA9652FD}" presName="vert2" presStyleCnt="0"/>
+      <dgm:spPr/>
+    </dgm:pt>
+    <dgm:pt modelId="{083B1B2C-57C1-496E-9B73-9EAD40288E08}" type="pres">
+      <dgm:prSet presAssocID="{DD612127-0498-40A5-A22A-A332BA9652FD}" presName="thinLine2b" presStyleLbl="callout" presStyleIdx="3" presStyleCnt="4"/>
+      <dgm:spPr/>
+    </dgm:pt>
+    <dgm:pt modelId="{F7A32D6E-9959-40C6-A762-1FE858D075B6}" type="pres">
+      <dgm:prSet presAssocID="{DD612127-0498-40A5-A22A-A332BA9652FD}" presName="vertSpace2b" presStyleCnt="0"/>
+      <dgm:spPr/>
+    </dgm:pt>
+  </dgm:ptLst>
+  <dgm:cxnLst>
+    <dgm:cxn modelId="{7E0D1144-3E91-4498-861B-476E684106AC}" type="presOf" srcId="{3735B493-B2FB-48C4-8B2B-C10F1EE8AE89}" destId="{C6DA7F6B-DC59-4C85-AC71-50B360B6A56C}" srcOrd="0" destOrd="0" presId="urn:microsoft.com/office/officeart/2008/layout/LinedList"/>
+    <dgm:cxn modelId="{555A3E53-9BD3-49BA-8120-F8CC169FB0D2}" type="presOf" srcId="{DD612127-0498-40A5-A22A-A332BA9652FD}" destId="{8E8E4938-CBBD-4008-A0DA-5423AB86EEA1}" srcOrd="0" destOrd="0" presId="urn:microsoft.com/office/officeart/2008/layout/LinedList"/>
+    <dgm:cxn modelId="{1AD1A0B2-2320-4C5D-81B3-985D3FB490F2}" type="presOf" srcId="{476AB0D8-9E77-456A-8267-E6F642777E3B}" destId="{47106120-5C71-4FDC-A4C7-95655651F689}" srcOrd="0" destOrd="0" presId="urn:microsoft.com/office/officeart/2008/layout/LinedList"/>
+    <dgm:cxn modelId="{889770C9-3A2F-4249-BF4C-1A884CCE1857}" type="presOf" srcId="{0AEFA633-71A6-4474-8208-CAF37EA105A1}" destId="{74FBD8E4-ACC2-44AC-BFBA-3339636CAC0F}" srcOrd="0" destOrd="0" presId="urn:microsoft.com/office/officeart/2008/layout/LinedList"/>
+    <dgm:cxn modelId="{1D1FAA50-7490-4DF0-8E12-9DCBA8600174}" type="presOf" srcId="{A29AFF77-C7D0-4E2B-AC19-698985978D88}" destId="{5B2BD260-00EC-4CD4-A2BB-36BCD0FDEA77}" srcOrd="0" destOrd="0" presId="urn:microsoft.com/office/officeart/2008/layout/LinedList"/>
+    <dgm:cxn modelId="{6C738428-92F1-448B-A193-95E9B23048CC}" srcId="{0AEFA633-71A6-4474-8208-CAF37EA105A1}" destId="{3735B493-B2FB-48C4-8B2B-C10F1EE8AE89}" srcOrd="2" destOrd="0" parTransId="{8DD24E90-E860-4096-8F69-DC1EB5EAB5A4}" sibTransId="{A22EE336-E016-409E-B87E-1E4D86B60FB2}"/>
+    <dgm:cxn modelId="{49FA7104-BE31-4193-9C2A-DB77F512B44E}" srcId="{0AEFA633-71A6-4474-8208-CAF37EA105A1}" destId="{DD612127-0498-40A5-A22A-A332BA9652FD}" srcOrd="3" destOrd="0" parTransId="{C4A827A6-AD18-4B00-BA69-00633E5F3F9D}" sibTransId="{D88811B3-7FEE-4616-9372-E58531F4DF94}"/>
+    <dgm:cxn modelId="{3AAB711F-427D-4403-A404-8C51DCFC54E2}" srcId="{0AEFA633-71A6-4474-8208-CAF37EA105A1}" destId="{BE5DC3A3-8D6A-4760-A487-A92BEC1E16BA}" srcOrd="1" destOrd="0" parTransId="{9247A2B9-5311-491C-8D4E-4777588490D7}" sibTransId="{6C9D35A2-1F28-48FC-9149-1DBB6083D924}"/>
+    <dgm:cxn modelId="{32BEE5B5-C885-4D06-94F2-9DD033034BB4}" srcId="{0AEFA633-71A6-4474-8208-CAF37EA105A1}" destId="{476AB0D8-9E77-456A-8267-E6F642777E3B}" srcOrd="0" destOrd="0" parTransId="{AF8233F7-C7F5-485F-93AF-ED6F229499A7}" sibTransId="{0EA860AB-642C-42A4-96E3-E71B1DDF8D4A}"/>
+    <dgm:cxn modelId="{16EE732C-CA76-4B57-AD37-2D43D9347835}" srcId="{A29AFF77-C7D0-4E2B-AC19-698985978D88}" destId="{0AEFA633-71A6-4474-8208-CAF37EA105A1}" srcOrd="0" destOrd="0" parTransId="{352460C9-76ED-4CD0-B71B-24B2D01BA309}" sibTransId="{DAC36B3D-D5A3-4275-B332-C37885424C01}"/>
+    <dgm:cxn modelId="{FD963357-FCF0-475A-94E7-E2EC946229AF}" type="presOf" srcId="{BE5DC3A3-8D6A-4760-A487-A92BEC1E16BA}" destId="{33E74E80-9A26-47AE-9AE0-F025FA5AD3CC}" srcOrd="0" destOrd="0" presId="urn:microsoft.com/office/officeart/2008/layout/LinedList"/>
+    <dgm:cxn modelId="{62038DE2-520D-41CA-B4E6-2D953F1EAD2F}" type="presParOf" srcId="{5B2BD260-00EC-4CD4-A2BB-36BCD0FDEA77}" destId="{A59F1E82-8BA2-4E84-81E1-29D4FB60F9D0}" srcOrd="0" destOrd="0" presId="urn:microsoft.com/office/officeart/2008/layout/LinedList"/>
+    <dgm:cxn modelId="{61D6CA49-76A9-4DAA-BD96-C38236C4420D}" type="presParOf" srcId="{5B2BD260-00EC-4CD4-A2BB-36BCD0FDEA77}" destId="{80EE2A20-C4A8-43A2-9BE9-DE295B86A913}" srcOrd="1" destOrd="0" presId="urn:microsoft.com/office/officeart/2008/layout/LinedList"/>
+    <dgm:cxn modelId="{6A5C01BA-BE2C-41C9-B5F3-DE7D12B29540}" type="presParOf" srcId="{80EE2A20-C4A8-43A2-9BE9-DE295B86A913}" destId="{74FBD8E4-ACC2-44AC-BFBA-3339636CAC0F}" srcOrd="0" destOrd="0" presId="urn:microsoft.com/office/officeart/2008/layout/LinedList"/>
+    <dgm:cxn modelId="{F611638B-1343-4625-B29B-DB618818E1AD}" type="presParOf" srcId="{80EE2A20-C4A8-43A2-9BE9-DE295B86A913}" destId="{F6E26A98-9FD0-4A97-9E6B-AC4D4E0E1C93}" srcOrd="1" destOrd="0" presId="urn:microsoft.com/office/officeart/2008/layout/LinedList"/>
+    <dgm:cxn modelId="{2DE04239-5294-4204-B8DF-A00FE56CF209}" type="presParOf" srcId="{F6E26A98-9FD0-4A97-9E6B-AC4D4E0E1C93}" destId="{6961215D-26C1-4249-A103-AC15E1653CC0}" srcOrd="0" destOrd="0" presId="urn:microsoft.com/office/officeart/2008/layout/LinedList"/>
+    <dgm:cxn modelId="{86E2F3DD-D9B3-497F-BF8F-861D4C0170D5}" type="presParOf" srcId="{F6E26A98-9FD0-4A97-9E6B-AC4D4E0E1C93}" destId="{75CD0613-524E-4C61-AE02-2A1C65CB3621}" srcOrd="1" destOrd="0" presId="urn:microsoft.com/office/officeart/2008/layout/LinedList"/>
+    <dgm:cxn modelId="{F4684E03-7392-49BE-A8AC-07D8A2FB1125}" type="presParOf" srcId="{75CD0613-524E-4C61-AE02-2A1C65CB3621}" destId="{5D527F3C-0956-40C3-B2DD-09A26D7C57A8}" srcOrd="0" destOrd="0" presId="urn:microsoft.com/office/officeart/2008/layout/LinedList"/>
+    <dgm:cxn modelId="{A63A7F77-755F-456B-A35D-9CAC7C3E4BAD}" type="presParOf" srcId="{75CD0613-524E-4C61-AE02-2A1C65CB3621}" destId="{47106120-5C71-4FDC-A4C7-95655651F689}" srcOrd="1" destOrd="0" presId="urn:microsoft.com/office/officeart/2008/layout/LinedList"/>
+    <dgm:cxn modelId="{63A42302-8F7E-4880-8228-C8ADB1883609}" type="presParOf" srcId="{75CD0613-524E-4C61-AE02-2A1C65CB3621}" destId="{B8345A70-F7A4-40CF-A6F9-E441E7C80D52}" srcOrd="2" destOrd="0" presId="urn:microsoft.com/office/officeart/2008/layout/LinedList"/>
+    <dgm:cxn modelId="{AA5985E6-7C8C-412F-B4BC-0DC81F9F1AA4}" type="presParOf" srcId="{F6E26A98-9FD0-4A97-9E6B-AC4D4E0E1C93}" destId="{64941990-FBE3-42EF-886C-881F1EC4E209}" srcOrd="2" destOrd="0" presId="urn:microsoft.com/office/officeart/2008/layout/LinedList"/>
+    <dgm:cxn modelId="{BA9D64C3-5970-405C-9635-3FABEC22E789}" type="presParOf" srcId="{F6E26A98-9FD0-4A97-9E6B-AC4D4E0E1C93}" destId="{B47C1D7A-1C19-4DA8-B016-2FD9CF401893}" srcOrd="3" destOrd="0" presId="urn:microsoft.com/office/officeart/2008/layout/LinedList"/>
+    <dgm:cxn modelId="{CC43062B-E5F6-4B29-B520-2EA48312EB83}" type="presParOf" srcId="{F6E26A98-9FD0-4A97-9E6B-AC4D4E0E1C93}" destId="{F68F34EC-2F83-46B6-969D-40316D25B5FB}" srcOrd="4" destOrd="0" presId="urn:microsoft.com/office/officeart/2008/layout/LinedList"/>
+    <dgm:cxn modelId="{FCC92520-B8FE-40A6-AEDA-141D19ED7E0C}" type="presParOf" srcId="{F68F34EC-2F83-46B6-969D-40316D25B5FB}" destId="{61881CEF-E5A8-4CA6-824E-6B1E94AA9765}" srcOrd="0" destOrd="0" presId="urn:microsoft.com/office/officeart/2008/layout/LinedList"/>
+    <dgm:cxn modelId="{3DB8588B-27BC-4D4D-8160-351C84B888AA}" type="presParOf" srcId="{F68F34EC-2F83-46B6-969D-40316D25B5FB}" destId="{33E74E80-9A26-47AE-9AE0-F025FA5AD3CC}" srcOrd="1" destOrd="0" presId="urn:microsoft.com/office/officeart/2008/layout/LinedList"/>
+    <dgm:cxn modelId="{E8BD7D4B-2626-42A2-9308-3ADCD8F5C0BC}" type="presParOf" srcId="{F68F34EC-2F83-46B6-969D-40316D25B5FB}" destId="{96B159FE-8715-44A0-9C91-052C06CF82E8}" srcOrd="2" destOrd="0" presId="urn:microsoft.com/office/officeart/2008/layout/LinedList"/>
+    <dgm:cxn modelId="{DCD4023E-73E0-46A4-822C-A5700FE03076}" type="presParOf" srcId="{F6E26A98-9FD0-4A97-9E6B-AC4D4E0E1C93}" destId="{3D62FAEE-04C3-42F0-A03A-EE5461C900B4}" srcOrd="5" destOrd="0" presId="urn:microsoft.com/office/officeart/2008/layout/LinedList"/>
+    <dgm:cxn modelId="{41289B6F-8C88-4841-B8D7-01E39EADDDD7}" type="presParOf" srcId="{F6E26A98-9FD0-4A97-9E6B-AC4D4E0E1C93}" destId="{C6F70572-CA48-4301-BCCB-3DA0D75495BC}" srcOrd="6" destOrd="0" presId="urn:microsoft.com/office/officeart/2008/layout/LinedList"/>
+    <dgm:cxn modelId="{F9B76896-19C2-4116-A8C6-7B1316ECA344}" type="presParOf" srcId="{F6E26A98-9FD0-4A97-9E6B-AC4D4E0E1C93}" destId="{BCB18FE3-B545-4523-B35B-A1FE2232CD76}" srcOrd="7" destOrd="0" presId="urn:microsoft.com/office/officeart/2008/layout/LinedList"/>
+    <dgm:cxn modelId="{D0B4CB8C-52F9-4E4F-AC8A-65ACDA54C116}" type="presParOf" srcId="{BCB18FE3-B545-4523-B35B-A1FE2232CD76}" destId="{6133A107-AF51-4B03-BD26-8188684FD27D}" srcOrd="0" destOrd="0" presId="urn:microsoft.com/office/officeart/2008/layout/LinedList"/>
+    <dgm:cxn modelId="{EF918C6F-E8E5-4090-B56C-85D832BD8807}" type="presParOf" srcId="{BCB18FE3-B545-4523-B35B-A1FE2232CD76}" destId="{C6DA7F6B-DC59-4C85-AC71-50B360B6A56C}" srcOrd="1" destOrd="0" presId="urn:microsoft.com/office/officeart/2008/layout/LinedList"/>
+    <dgm:cxn modelId="{53A9D789-72A5-4132-B1F5-BD9394FA977A}" type="presParOf" srcId="{BCB18FE3-B545-4523-B35B-A1FE2232CD76}" destId="{CF406955-2E43-4BD3-88ED-21872989E4E8}" srcOrd="2" destOrd="0" presId="urn:microsoft.com/office/officeart/2008/layout/LinedList"/>
+    <dgm:cxn modelId="{23DAC8F8-54A6-4422-A920-040ED37A9B79}" type="presParOf" srcId="{F6E26A98-9FD0-4A97-9E6B-AC4D4E0E1C93}" destId="{C4B9728A-4265-4A5F-A621-B3AD893EE236}" srcOrd="8" destOrd="0" presId="urn:microsoft.com/office/officeart/2008/layout/LinedList"/>
+    <dgm:cxn modelId="{222B6F84-B129-4818-8B18-98C94C6676A4}" type="presParOf" srcId="{F6E26A98-9FD0-4A97-9E6B-AC4D4E0E1C93}" destId="{E6EA2196-1C54-483C-9819-9109F119D6AE}" srcOrd="9" destOrd="0" presId="urn:microsoft.com/office/officeart/2008/layout/LinedList"/>
+    <dgm:cxn modelId="{2E98E7A7-6E0F-4571-BEFE-DAA280EEBFC7}" type="presParOf" srcId="{F6E26A98-9FD0-4A97-9E6B-AC4D4E0E1C93}" destId="{3A46BBA4-CBCE-49B6-8F42-40F64D7CB62C}" srcOrd="10" destOrd="0" presId="urn:microsoft.com/office/officeart/2008/layout/LinedList"/>
+    <dgm:cxn modelId="{C1A42576-F116-4E47-97D7-119A48E3F416}" type="presParOf" srcId="{3A46BBA4-CBCE-49B6-8F42-40F64D7CB62C}" destId="{42EFE80E-8685-400A-86A0-617FE6A90E1A}" srcOrd="0" destOrd="0" presId="urn:microsoft.com/office/officeart/2008/layout/LinedList"/>
+    <dgm:cxn modelId="{74426C44-8B88-4E48-9630-794686BD7CAB}" type="presParOf" srcId="{3A46BBA4-CBCE-49B6-8F42-40F64D7CB62C}" destId="{8E8E4938-CBBD-4008-A0DA-5423AB86EEA1}" srcOrd="1" destOrd="0" presId="urn:microsoft.com/office/officeart/2008/layout/LinedList"/>
+    <dgm:cxn modelId="{5D842E35-3431-4C69-BD96-03DFDD5D46F2}" type="presParOf" srcId="{3A46BBA4-CBCE-49B6-8F42-40F64D7CB62C}" destId="{754E3EB9-A920-4B6E-9802-C1CC29B5BF15}" srcOrd="2" destOrd="0" presId="urn:microsoft.com/office/officeart/2008/layout/LinedList"/>
+    <dgm:cxn modelId="{9A92175A-CD04-4ADE-B76A-BC878D8AB4CB}" type="presParOf" srcId="{F6E26A98-9FD0-4A97-9E6B-AC4D4E0E1C93}" destId="{083B1B2C-57C1-496E-9B73-9EAD40288E08}" srcOrd="11" destOrd="0" presId="urn:microsoft.com/office/officeart/2008/layout/LinedList"/>
+    <dgm:cxn modelId="{423EA777-2C5D-414D-9C78-8A68BDAFCE62}" type="presParOf" srcId="{F6E26A98-9FD0-4A97-9E6B-AC4D4E0E1C93}" destId="{F7A32D6E-9959-40C6-A762-1FE858D075B6}" srcOrd="12" destOrd="0" presId="urn:microsoft.com/office/officeart/2008/layout/LinedList"/>
   </dgm:cxnLst>
   <dgm:bg/>
   <dgm:whole/>
@@ -5380,6 +6650,571 @@
         <a:off x="4411328" y="1276630"/>
         <a:ext cx="3869550" cy="2777939"/>
       </dsp:txXfrm>
+    </dsp:sp>
+  </dsp:spTree>
+</dsp:drawing>
+</file>
+
+<file path=ppt/diagrams/drawing3.xml><?xml version="1.0" encoding="utf-8"?>
+<dsp:drawing xmlns:dgm="http://schemas.openxmlformats.org/drawingml/2006/diagram" xmlns:dsp="http://schemas.microsoft.com/office/drawing/2008/diagram" xmlns:a="http://schemas.openxmlformats.org/drawingml/2006/main">
+  <dsp:spTree>
+    <dsp:nvGrpSpPr>
+      <dsp:cNvPr id="0" name=""/>
+      <dsp:cNvGrpSpPr/>
+    </dsp:nvGrpSpPr>
+    <dsp:grpSpPr/>
+    <dsp:sp modelId="{A59F1E82-8BA2-4E84-81E1-29D4FB60F9D0}">
+      <dsp:nvSpPr>
+        <dsp:cNvPr id="0" name=""/>
+        <dsp:cNvSpPr/>
+      </dsp:nvSpPr>
+      <dsp:spPr>
+        <a:xfrm>
+          <a:off x="0" y="0"/>
+          <a:ext cx="8229600" cy="0"/>
+        </a:xfrm>
+        <a:prstGeom prst="line">
+          <a:avLst/>
+        </a:prstGeom>
+        <a:solidFill>
+          <a:schemeClr val="accent1">
+            <a:hueOff val="0"/>
+            <a:satOff val="0"/>
+            <a:lumOff val="0"/>
+            <a:alphaOff val="0"/>
+          </a:schemeClr>
+        </a:solidFill>
+        <a:ln w="25400" cap="flat" cmpd="sng" algn="ctr">
+          <a:solidFill>
+            <a:schemeClr val="accent1">
+              <a:hueOff val="0"/>
+              <a:satOff val="0"/>
+              <a:lumOff val="0"/>
+              <a:alphaOff val="0"/>
+            </a:schemeClr>
+          </a:solidFill>
+          <a:prstDash val="solid"/>
+        </a:ln>
+        <a:effectLst/>
+      </dsp:spPr>
+      <dsp:style>
+        <a:lnRef idx="2">
+          <a:scrgbClr r="0" g="0" b="0"/>
+        </a:lnRef>
+        <a:fillRef idx="1">
+          <a:scrgbClr r="0" g="0" b="0"/>
+        </a:fillRef>
+        <a:effectRef idx="0">
+          <a:scrgbClr r="0" g="0" b="0"/>
+        </a:effectRef>
+        <a:fontRef idx="minor">
+          <a:schemeClr val="lt1"/>
+        </a:fontRef>
+      </dsp:style>
+    </dsp:sp>
+    <dsp:sp modelId="{74FBD8E4-ACC2-44AC-BFBA-3339636CAC0F}">
+      <dsp:nvSpPr>
+        <dsp:cNvPr id="0" name=""/>
+        <dsp:cNvSpPr/>
+      </dsp:nvSpPr>
+      <dsp:spPr>
+        <a:xfrm>
+          <a:off x="0" y="0"/>
+          <a:ext cx="2959892" cy="4525963"/>
+        </a:xfrm>
+        <a:prstGeom prst="rect">
+          <a:avLst/>
+        </a:prstGeom>
+        <a:noFill/>
+        <a:ln>
+          <a:noFill/>
+        </a:ln>
+        <a:effectLst/>
+      </dsp:spPr>
+      <dsp:style>
+        <a:lnRef idx="0">
+          <a:scrgbClr r="0" g="0" b="0"/>
+        </a:lnRef>
+        <a:fillRef idx="0">
+          <a:scrgbClr r="0" g="0" b="0"/>
+        </a:fillRef>
+        <a:effectRef idx="0">
+          <a:scrgbClr r="0" g="0" b="0"/>
+        </a:effectRef>
+        <a:fontRef idx="minor"/>
+      </dsp:style>
+      <dsp:txBody>
+        <a:bodyPr spcFirstLastPara="0" vert="horz" wrap="square" lIns="106680" tIns="106680" rIns="106680" bIns="106680" numCol="1" spcCol="1270" anchor="t" anchorCtr="0">
+          <a:noAutofit/>
+        </a:bodyPr>
+        <a:lstStyle/>
+        <a:p>
+          <a:pPr lvl="0" algn="l" defTabSz="1244600">
+            <a:lnSpc>
+              <a:spcPct val="90000"/>
+            </a:lnSpc>
+            <a:spcBef>
+              <a:spcPct val="0"/>
+            </a:spcBef>
+            <a:spcAft>
+              <a:spcPct val="35000"/>
+            </a:spcAft>
+          </a:pPr>
+          <a:r>
+            <a:rPr lang="fr-FR" sz="2800" kern="1200" dirty="0" smtClean="0"/>
+            <a:t>MS une extension du concept de SOA plus adaptés aux contraintes du moment</a:t>
+          </a:r>
+          <a:endParaRPr lang="fr-FR" sz="2800" kern="1200" dirty="0"/>
+        </a:p>
+      </dsp:txBody>
+      <dsp:txXfrm>
+        <a:off x="0" y="0"/>
+        <a:ext cx="2959892" cy="4525963"/>
+      </dsp:txXfrm>
+    </dsp:sp>
+    <dsp:sp modelId="{47106120-5C71-4FDC-A4C7-95655651F689}">
+      <dsp:nvSpPr>
+        <dsp:cNvPr id="0" name=""/>
+        <dsp:cNvSpPr/>
+      </dsp:nvSpPr>
+      <dsp:spPr>
+        <a:xfrm>
+          <a:off x="3058623" y="53204"/>
+          <a:ext cx="5166927" cy="1064087"/>
+        </a:xfrm>
+        <a:prstGeom prst="rect">
+          <a:avLst/>
+        </a:prstGeom>
+        <a:noFill/>
+        <a:ln>
+          <a:noFill/>
+        </a:ln>
+        <a:effectLst/>
+      </dsp:spPr>
+      <dsp:style>
+        <a:lnRef idx="0">
+          <a:scrgbClr r="0" g="0" b="0"/>
+        </a:lnRef>
+        <a:fillRef idx="0">
+          <a:scrgbClr r="0" g="0" b="0"/>
+        </a:fillRef>
+        <a:effectRef idx="0">
+          <a:scrgbClr r="0" g="0" b="0"/>
+        </a:effectRef>
+        <a:fontRef idx="minor"/>
+      </dsp:style>
+      <dsp:txBody>
+        <a:bodyPr spcFirstLastPara="0" vert="horz" wrap="square" lIns="91440" tIns="91440" rIns="91440" bIns="91440" numCol="1" spcCol="1270" anchor="t" anchorCtr="0">
+          <a:noAutofit/>
+        </a:bodyPr>
+        <a:lstStyle/>
+        <a:p>
+          <a:pPr lvl="0" algn="l" defTabSz="1066800">
+            <a:lnSpc>
+              <a:spcPct val="90000"/>
+            </a:lnSpc>
+            <a:spcBef>
+              <a:spcPct val="0"/>
+            </a:spcBef>
+            <a:spcAft>
+              <a:spcPct val="35000"/>
+            </a:spcAft>
+          </a:pPr>
+          <a:r>
+            <a:rPr lang="fr-FR" sz="2400" kern="1200" dirty="0" smtClean="0"/>
+            <a:t>Déploiement quotidien</a:t>
+          </a:r>
+          <a:endParaRPr lang="fr-FR" sz="2400" kern="1200" dirty="0"/>
+        </a:p>
+      </dsp:txBody>
+      <dsp:txXfrm>
+        <a:off x="3058623" y="53204"/>
+        <a:ext cx="5166927" cy="1064087"/>
+      </dsp:txXfrm>
+    </dsp:sp>
+    <dsp:sp modelId="{64941990-FBE3-42EF-886C-881F1EC4E209}">
+      <dsp:nvSpPr>
+        <dsp:cNvPr id="0" name=""/>
+        <dsp:cNvSpPr/>
+      </dsp:nvSpPr>
+      <dsp:spPr>
+        <a:xfrm>
+          <a:off x="2959892" y="1117291"/>
+          <a:ext cx="5265658" cy="0"/>
+        </a:xfrm>
+        <a:prstGeom prst="line">
+          <a:avLst/>
+        </a:prstGeom>
+        <a:solidFill>
+          <a:schemeClr val="accent1">
+            <a:hueOff val="0"/>
+            <a:satOff val="0"/>
+            <a:lumOff val="0"/>
+            <a:alphaOff val="0"/>
+          </a:schemeClr>
+        </a:solidFill>
+        <a:ln w="25400" cap="flat" cmpd="sng" algn="ctr">
+          <a:solidFill>
+            <a:schemeClr val="accent1">
+              <a:tint val="50000"/>
+              <a:hueOff val="0"/>
+              <a:satOff val="0"/>
+              <a:lumOff val="0"/>
+              <a:alphaOff val="0"/>
+            </a:schemeClr>
+          </a:solidFill>
+          <a:prstDash val="solid"/>
+        </a:ln>
+        <a:effectLst/>
+      </dsp:spPr>
+      <dsp:style>
+        <a:lnRef idx="2">
+          <a:scrgbClr r="0" g="0" b="0"/>
+        </a:lnRef>
+        <a:fillRef idx="1">
+          <a:scrgbClr r="0" g="0" b="0"/>
+        </a:fillRef>
+        <a:effectRef idx="0">
+          <a:scrgbClr r="0" g="0" b="0"/>
+        </a:effectRef>
+        <a:fontRef idx="minor"/>
+      </dsp:style>
+    </dsp:sp>
+    <dsp:sp modelId="{33E74E80-9A26-47AE-9AE0-F025FA5AD3CC}">
+      <dsp:nvSpPr>
+        <dsp:cNvPr id="0" name=""/>
+        <dsp:cNvSpPr/>
+      </dsp:nvSpPr>
+      <dsp:spPr>
+        <a:xfrm>
+          <a:off x="3058623" y="1170496"/>
+          <a:ext cx="5166927" cy="1064087"/>
+        </a:xfrm>
+        <a:prstGeom prst="rect">
+          <a:avLst/>
+        </a:prstGeom>
+        <a:noFill/>
+        <a:ln>
+          <a:noFill/>
+        </a:ln>
+        <a:effectLst/>
+      </dsp:spPr>
+      <dsp:style>
+        <a:lnRef idx="0">
+          <a:scrgbClr r="0" g="0" b="0"/>
+        </a:lnRef>
+        <a:fillRef idx="0">
+          <a:scrgbClr r="0" g="0" b="0"/>
+        </a:fillRef>
+        <a:effectRef idx="0">
+          <a:scrgbClr r="0" g="0" b="0"/>
+        </a:effectRef>
+        <a:fontRef idx="minor"/>
+      </dsp:style>
+      <dsp:txBody>
+        <a:bodyPr spcFirstLastPara="0" vert="horz" wrap="square" lIns="106680" tIns="106680" rIns="106680" bIns="106680" numCol="1" spcCol="1270" anchor="t" anchorCtr="0">
+          <a:noAutofit/>
+        </a:bodyPr>
+        <a:lstStyle/>
+        <a:p>
+          <a:pPr lvl="0" algn="l" defTabSz="1244600">
+            <a:lnSpc>
+              <a:spcPct val="90000"/>
+            </a:lnSpc>
+            <a:spcBef>
+              <a:spcPct val="0"/>
+            </a:spcBef>
+            <a:spcAft>
+              <a:spcPct val="35000"/>
+            </a:spcAft>
+          </a:pPr>
+          <a:r>
+            <a:rPr lang="fr-FR" sz="2800" kern="1200" dirty="0" smtClean="0"/>
+            <a:t>Time to </a:t>
+          </a:r>
+          <a:r>
+            <a:rPr lang="fr-FR" sz="2000" kern="1200" dirty="0" err="1" smtClean="0"/>
+            <a:t>market</a:t>
+          </a:r>
+          <a:r>
+            <a:rPr lang="fr-FR" sz="2800" kern="1200" dirty="0" smtClean="0"/>
+            <a:t> réduit </a:t>
+          </a:r>
+          <a:endParaRPr lang="fr-FR" sz="2800" kern="1200" dirty="0"/>
+        </a:p>
+      </dsp:txBody>
+      <dsp:txXfrm>
+        <a:off x="3058623" y="1170496"/>
+        <a:ext cx="5166927" cy="1064087"/>
+      </dsp:txXfrm>
+    </dsp:sp>
+    <dsp:sp modelId="{3D62FAEE-04C3-42F0-A03A-EE5461C900B4}">
+      <dsp:nvSpPr>
+        <dsp:cNvPr id="0" name=""/>
+        <dsp:cNvSpPr/>
+      </dsp:nvSpPr>
+      <dsp:spPr>
+        <a:xfrm>
+          <a:off x="2959892" y="2234583"/>
+          <a:ext cx="5265658" cy="0"/>
+        </a:xfrm>
+        <a:prstGeom prst="line">
+          <a:avLst/>
+        </a:prstGeom>
+        <a:solidFill>
+          <a:schemeClr val="accent1">
+            <a:hueOff val="0"/>
+            <a:satOff val="0"/>
+            <a:lumOff val="0"/>
+            <a:alphaOff val="0"/>
+          </a:schemeClr>
+        </a:solidFill>
+        <a:ln w="25400" cap="flat" cmpd="sng" algn="ctr">
+          <a:solidFill>
+            <a:schemeClr val="accent1">
+              <a:tint val="50000"/>
+              <a:hueOff val="0"/>
+              <a:satOff val="0"/>
+              <a:lumOff val="0"/>
+              <a:alphaOff val="0"/>
+            </a:schemeClr>
+          </a:solidFill>
+          <a:prstDash val="solid"/>
+        </a:ln>
+        <a:effectLst/>
+      </dsp:spPr>
+      <dsp:style>
+        <a:lnRef idx="2">
+          <a:scrgbClr r="0" g="0" b="0"/>
+        </a:lnRef>
+        <a:fillRef idx="1">
+          <a:scrgbClr r="0" g="0" b="0"/>
+        </a:fillRef>
+        <a:effectRef idx="0">
+          <a:scrgbClr r="0" g="0" b="0"/>
+        </a:effectRef>
+        <a:fontRef idx="minor"/>
+      </dsp:style>
+    </dsp:sp>
+    <dsp:sp modelId="{C6DA7F6B-DC59-4C85-AC71-50B360B6A56C}">
+      <dsp:nvSpPr>
+        <dsp:cNvPr id="0" name=""/>
+        <dsp:cNvSpPr/>
+      </dsp:nvSpPr>
+      <dsp:spPr>
+        <a:xfrm>
+          <a:off x="3058623" y="2287788"/>
+          <a:ext cx="5166927" cy="1064087"/>
+        </a:xfrm>
+        <a:prstGeom prst="rect">
+          <a:avLst/>
+        </a:prstGeom>
+        <a:noFill/>
+        <a:ln>
+          <a:noFill/>
+        </a:ln>
+        <a:effectLst/>
+      </dsp:spPr>
+      <dsp:style>
+        <a:lnRef idx="0">
+          <a:scrgbClr r="0" g="0" b="0"/>
+        </a:lnRef>
+        <a:fillRef idx="0">
+          <a:scrgbClr r="0" g="0" b="0"/>
+        </a:fillRef>
+        <a:effectRef idx="0">
+          <a:scrgbClr r="0" g="0" b="0"/>
+        </a:effectRef>
+        <a:fontRef idx="minor"/>
+      </dsp:style>
+      <dsp:txBody>
+        <a:bodyPr spcFirstLastPara="0" vert="horz" wrap="square" lIns="106680" tIns="106680" rIns="106680" bIns="106680" numCol="1" spcCol="1270" anchor="t" anchorCtr="0">
+          <a:noAutofit/>
+        </a:bodyPr>
+        <a:lstStyle/>
+        <a:p>
+          <a:pPr lvl="0" algn="l" defTabSz="1244600">
+            <a:lnSpc>
+              <a:spcPct val="90000"/>
+            </a:lnSpc>
+            <a:spcBef>
+              <a:spcPct val="0"/>
+            </a:spcBef>
+            <a:spcAft>
+              <a:spcPct val="35000"/>
+            </a:spcAft>
+          </a:pPr>
+          <a:r>
+            <a:rPr lang="fr-FR" sz="2800" kern="1200" dirty="0" smtClean="0"/>
+            <a:t>interconnexion entre les applications internes et externes</a:t>
+          </a:r>
+          <a:endParaRPr lang="fr-FR" sz="2800" kern="1200" dirty="0"/>
+        </a:p>
+      </dsp:txBody>
+      <dsp:txXfrm>
+        <a:off x="3058623" y="2287788"/>
+        <a:ext cx="5166927" cy="1064087"/>
+      </dsp:txXfrm>
+    </dsp:sp>
+    <dsp:sp modelId="{C4B9728A-4265-4A5F-A621-B3AD893EE236}">
+      <dsp:nvSpPr>
+        <dsp:cNvPr id="0" name=""/>
+        <dsp:cNvSpPr/>
+      </dsp:nvSpPr>
+      <dsp:spPr>
+        <a:xfrm>
+          <a:off x="2959892" y="3351875"/>
+          <a:ext cx="5265658" cy="0"/>
+        </a:xfrm>
+        <a:prstGeom prst="line">
+          <a:avLst/>
+        </a:prstGeom>
+        <a:solidFill>
+          <a:schemeClr val="accent1">
+            <a:hueOff val="0"/>
+            <a:satOff val="0"/>
+            <a:lumOff val="0"/>
+            <a:alphaOff val="0"/>
+          </a:schemeClr>
+        </a:solidFill>
+        <a:ln w="25400" cap="flat" cmpd="sng" algn="ctr">
+          <a:solidFill>
+            <a:schemeClr val="accent1">
+              <a:tint val="50000"/>
+              <a:hueOff val="0"/>
+              <a:satOff val="0"/>
+              <a:lumOff val="0"/>
+              <a:alphaOff val="0"/>
+            </a:schemeClr>
+          </a:solidFill>
+          <a:prstDash val="solid"/>
+        </a:ln>
+        <a:effectLst/>
+      </dsp:spPr>
+      <dsp:style>
+        <a:lnRef idx="2">
+          <a:scrgbClr r="0" g="0" b="0"/>
+        </a:lnRef>
+        <a:fillRef idx="1">
+          <a:scrgbClr r="0" g="0" b="0"/>
+        </a:fillRef>
+        <a:effectRef idx="0">
+          <a:scrgbClr r="0" g="0" b="0"/>
+        </a:effectRef>
+        <a:fontRef idx="minor"/>
+      </dsp:style>
+    </dsp:sp>
+    <dsp:sp modelId="{8E8E4938-CBBD-4008-A0DA-5423AB86EEA1}">
+      <dsp:nvSpPr>
+        <dsp:cNvPr id="0" name=""/>
+        <dsp:cNvSpPr/>
+      </dsp:nvSpPr>
+      <dsp:spPr>
+        <a:xfrm>
+          <a:off x="3058623" y="3405079"/>
+          <a:ext cx="5166927" cy="1064087"/>
+        </a:xfrm>
+        <a:prstGeom prst="rect">
+          <a:avLst/>
+        </a:prstGeom>
+        <a:noFill/>
+        <a:ln>
+          <a:noFill/>
+        </a:ln>
+        <a:effectLst/>
+      </dsp:spPr>
+      <dsp:style>
+        <a:lnRef idx="0">
+          <a:scrgbClr r="0" g="0" b="0"/>
+        </a:lnRef>
+        <a:fillRef idx="0">
+          <a:scrgbClr r="0" g="0" b="0"/>
+        </a:fillRef>
+        <a:effectRef idx="0">
+          <a:scrgbClr r="0" g="0" b="0"/>
+        </a:effectRef>
+        <a:fontRef idx="minor"/>
+      </dsp:style>
+      <dsp:txBody>
+        <a:bodyPr spcFirstLastPara="0" vert="horz" wrap="square" lIns="106680" tIns="106680" rIns="106680" bIns="106680" numCol="1" spcCol="1270" anchor="t" anchorCtr="0">
+          <a:noAutofit/>
+        </a:bodyPr>
+        <a:lstStyle/>
+        <a:p>
+          <a:pPr lvl="0" algn="l" defTabSz="1244600">
+            <a:lnSpc>
+              <a:spcPct val="90000"/>
+            </a:lnSpc>
+            <a:spcBef>
+              <a:spcPct val="0"/>
+            </a:spcBef>
+            <a:spcAft>
+              <a:spcPct val="35000"/>
+            </a:spcAft>
+          </a:pPr>
+          <a:r>
+            <a:rPr lang="fr-FR" sz="2800" kern="1200" dirty="0" smtClean="0"/>
+            <a:t>Relation client </a:t>
+          </a:r>
+          <a:r>
+            <a:rPr lang="fr-FR" sz="2800" kern="1200" dirty="0" err="1" smtClean="0"/>
+            <a:t>multi-canal</a:t>
+          </a:r>
+          <a:endParaRPr lang="fr-FR" sz="2800" kern="1200" dirty="0"/>
+        </a:p>
+      </dsp:txBody>
+      <dsp:txXfrm>
+        <a:off x="3058623" y="3405079"/>
+        <a:ext cx="5166927" cy="1064087"/>
+      </dsp:txXfrm>
+    </dsp:sp>
+    <dsp:sp modelId="{083B1B2C-57C1-496E-9B73-9EAD40288E08}">
+      <dsp:nvSpPr>
+        <dsp:cNvPr id="0" name=""/>
+        <dsp:cNvSpPr/>
+      </dsp:nvSpPr>
+      <dsp:spPr>
+        <a:xfrm>
+          <a:off x="2959892" y="4469167"/>
+          <a:ext cx="5265658" cy="0"/>
+        </a:xfrm>
+        <a:prstGeom prst="line">
+          <a:avLst/>
+        </a:prstGeom>
+        <a:solidFill>
+          <a:schemeClr val="accent1">
+            <a:hueOff val="0"/>
+            <a:satOff val="0"/>
+            <a:lumOff val="0"/>
+            <a:alphaOff val="0"/>
+          </a:schemeClr>
+        </a:solidFill>
+        <a:ln w="25400" cap="flat" cmpd="sng" algn="ctr">
+          <a:solidFill>
+            <a:schemeClr val="accent1">
+              <a:tint val="50000"/>
+              <a:hueOff val="0"/>
+              <a:satOff val="0"/>
+              <a:lumOff val="0"/>
+              <a:alphaOff val="0"/>
+            </a:schemeClr>
+          </a:solidFill>
+          <a:prstDash val="solid"/>
+        </a:ln>
+        <a:effectLst/>
+      </dsp:spPr>
+      <dsp:style>
+        <a:lnRef idx="2">
+          <a:scrgbClr r="0" g="0" b="0"/>
+        </a:lnRef>
+        <a:fillRef idx="1">
+          <a:scrgbClr r="0" g="0" b="0"/>
+        </a:fillRef>
+        <a:effectRef idx="0">
+          <a:scrgbClr r="0" g="0" b="0"/>
+        </a:effectRef>
+        <a:fontRef idx="minor"/>
+      </dsp:style>
     </dsp:sp>
   </dsp:spTree>
 </dsp:drawing>
@@ -6009,6 +7844,472 @@
 </dgm:layoutDef>
 </file>
 
+<file path=ppt/diagrams/layout3.xml><?xml version="1.0" encoding="utf-8"?>
+<dgm:layoutDef xmlns:dgm="http://schemas.openxmlformats.org/drawingml/2006/diagram" xmlns:a="http://schemas.openxmlformats.org/drawingml/2006/main" uniqueId="urn:microsoft.com/office/officeart/2008/layout/LinedList">
+  <dgm:title val=""/>
+  <dgm:desc val=""/>
+  <dgm:catLst>
+    <dgm:cat type="hierarchy" pri="8000"/>
+    <dgm:cat type="list" pri="2500"/>
+  </dgm:catLst>
+  <dgm:sampData>
+    <dgm:dataModel>
+      <dgm:ptLst>
+        <dgm:pt modelId="0" type="doc"/>
+        <dgm:pt modelId="1">
+          <dgm:prSet phldr="1"/>
+        </dgm:pt>
+        <dgm:pt modelId="11">
+          <dgm:prSet phldr="1"/>
+        </dgm:pt>
+        <dgm:pt modelId="12">
+          <dgm:prSet phldr="1"/>
+        </dgm:pt>
+        <dgm:pt modelId="13">
+          <dgm:prSet phldr="1"/>
+        </dgm:pt>
+      </dgm:ptLst>
+      <dgm:cxnLst>
+        <dgm:cxn modelId="2" srcId="0" destId="1" srcOrd="0" destOrd="0"/>
+        <dgm:cxn modelId="3" srcId="1" destId="11" srcOrd="0" destOrd="0"/>
+        <dgm:cxn modelId="4" srcId="1" destId="12" srcOrd="1" destOrd="0"/>
+        <dgm:cxn modelId="5" srcId="1" destId="13" srcOrd="2" destOrd="0"/>
+      </dgm:cxnLst>
+      <dgm:bg/>
+      <dgm:whole/>
+    </dgm:dataModel>
+  </dgm:sampData>
+  <dgm:styleData>
+    <dgm:dataModel>
+      <dgm:ptLst>
+        <dgm:pt modelId="0" type="doc"/>
+        <dgm:pt modelId="1">
+          <dgm:prSet phldr="1"/>
+        </dgm:pt>
+        <dgm:pt modelId="11">
+          <dgm:prSet phldr="1"/>
+        </dgm:pt>
+        <dgm:pt modelId="12">
+          <dgm:prSet phldr="1"/>
+        </dgm:pt>
+      </dgm:ptLst>
+      <dgm:cxnLst>
+        <dgm:cxn modelId="2" srcId="0" destId="1" srcOrd="0" destOrd="0"/>
+        <dgm:cxn modelId="3" srcId="1" destId="11" srcOrd="0" destOrd="0"/>
+        <dgm:cxn modelId="4" srcId="1" destId="12" srcOrd="1" destOrd="0"/>
+      </dgm:cxnLst>
+      <dgm:bg/>
+      <dgm:whole/>
+    </dgm:dataModel>
+  </dgm:styleData>
+  <dgm:clrData>
+    <dgm:dataModel>
+      <dgm:ptLst>
+        <dgm:pt modelId="0" type="doc"/>
+        <dgm:pt modelId="1">
+          <dgm:prSet phldr="1"/>
+        </dgm:pt>
+        <dgm:pt modelId="11">
+          <dgm:prSet phldr="1"/>
+        </dgm:pt>
+        <dgm:pt modelId="12">
+          <dgm:prSet phldr="1"/>
+        </dgm:pt>
+      </dgm:ptLst>
+      <dgm:cxnLst>
+        <dgm:cxn modelId="2" srcId="0" destId="1" srcOrd="0" destOrd="0"/>
+        <dgm:cxn modelId="3" srcId="1" destId="11" srcOrd="0" destOrd="0"/>
+        <dgm:cxn modelId="4" srcId="1" destId="12" srcOrd="1" destOrd="0"/>
+      </dgm:cxnLst>
+      <dgm:bg/>
+      <dgm:whole/>
+    </dgm:dataModel>
+  </dgm:clrData>
+  <dgm:layoutNode name="vert0">
+    <dgm:varLst>
+      <dgm:dir/>
+      <dgm:animOne val="branch"/>
+      <dgm:animLvl val="lvl"/>
+    </dgm:varLst>
+    <dgm:choose name="Name0">
+      <dgm:if name="Name1" func="var" arg="dir" op="equ" val="norm">
+        <dgm:alg type="lin">
+          <dgm:param type="linDir" val="fromT"/>
+          <dgm:param type="nodeHorzAlign" val="l"/>
+        </dgm:alg>
+      </dgm:if>
+      <dgm:else name="Name2">
+        <dgm:alg type="lin">
+          <dgm:param type="linDir" val="fromT"/>
+          <dgm:param type="nodeHorzAlign" val="r"/>
+        </dgm:alg>
+      </dgm:else>
+    </dgm:choose>
+    <dgm:shape xmlns:r="http://schemas.openxmlformats.org/officeDocument/2006/relationships" r:blip="">
+      <dgm:adjLst/>
+    </dgm:shape>
+    <dgm:presOf/>
+    <dgm:constrLst>
+      <dgm:constr type="w" for="ch" forName="horz1" refType="w"/>
+      <dgm:constr type="h" for="ch" forName="horz1" refType="h"/>
+      <dgm:constr type="h" for="des" forName="vert1" refType="h"/>
+      <dgm:constr type="h" for="des" forName="tx1" refType="h"/>
+      <dgm:constr type="h" for="des" forName="horz2" refType="h"/>
+      <dgm:constr type="h" for="des" forName="vert2" refType="h"/>
+      <dgm:constr type="h" for="des" forName="horz3" refType="h"/>
+      <dgm:constr type="h" for="des" forName="vert3" refType="h"/>
+      <dgm:constr type="h" for="des" forName="horz4" refType="h"/>
+      <dgm:constr type="h" for="des" ptType="node" refType="h"/>
+      <dgm:constr type="primFontSz" for="des" forName="tx1" op="equ" val="65"/>
+      <dgm:constr type="primFontSz" for="des" forName="tx2" op="equ" val="65"/>
+      <dgm:constr type="primFontSz" for="des" forName="tx3" op="equ" val="65"/>
+      <dgm:constr type="primFontSz" for="des" forName="tx4" op="equ" val="65"/>
+      <dgm:constr type="w" for="des" forName="thickLine" refType="w"/>
+      <dgm:constr type="h" for="des" forName="thickLine"/>
+      <dgm:constr type="h" for="des" forName="thinLine1"/>
+      <dgm:constr type="h" for="des" forName="thinLine2b"/>
+      <dgm:constr type="h" for="des" forName="thinLine3"/>
+      <dgm:constr type="h" for="des" forName="vertSpace2a" refType="h" fact="0.05"/>
+      <dgm:constr type="h" for="des" forName="vertSpace2b" refType="h" refFor="des" refForName="vertSpace2a"/>
+    </dgm:constrLst>
+    <dgm:forEach name="Name3" axis="ch" ptType="node">
+      <dgm:layoutNode name="thickLine" styleLbl="alignNode1">
+        <dgm:alg type="sp"/>
+        <dgm:shape xmlns:r="http://schemas.openxmlformats.org/officeDocument/2006/relationships" type="line" r:blip="">
+          <dgm:adjLst/>
+        </dgm:shape>
+        <dgm:presOf/>
+      </dgm:layoutNode>
+      <dgm:layoutNode name="horz1">
+        <dgm:choose name="Name4">
+          <dgm:if name="Name5" func="var" arg="dir" op="equ" val="norm">
+            <dgm:alg type="lin">
+              <dgm:param type="linDir" val="fromL"/>
+              <dgm:param type="nodeVertAlign" val="t"/>
+            </dgm:alg>
+          </dgm:if>
+          <dgm:else name="Name6">
+            <dgm:alg type="lin">
+              <dgm:param type="linDir" val="fromR"/>
+              <dgm:param type="nodeVertAlign" val="t"/>
+            </dgm:alg>
+          </dgm:else>
+        </dgm:choose>
+        <dgm:shape xmlns:r="http://schemas.openxmlformats.org/officeDocument/2006/relationships" r:blip="">
+          <dgm:adjLst/>
+        </dgm:shape>
+        <dgm:presOf/>
+        <dgm:choose name="Name7">
+          <dgm:if name="Name8" axis="root des" func="maxDepth" op="equ" val="1">
+            <dgm:constrLst>
+              <dgm:constr type="w" for="ch" forName="tx1" refType="w"/>
+            </dgm:constrLst>
+          </dgm:if>
+          <dgm:if name="Name9" axis="root des" func="maxDepth" op="equ" val="2">
+            <dgm:constrLst>
+              <dgm:constr type="w" for="ch" forName="tx1" refType="w" fact="0.2"/>
+              <dgm:constr type="w" for="des" forName="tx2" refType="w" fact="0.785"/>
+              <dgm:constr type="w" for="des" forName="horzSpace2" refType="w" fact="0.015"/>
+              <dgm:constr type="w" for="des" forName="thinLine2b" refType="w" fact="0.8"/>
+            </dgm:constrLst>
+          </dgm:if>
+          <dgm:if name="Name10" axis="root des" func="maxDepth" op="equ" val="3">
+            <dgm:constrLst>
+              <dgm:constr type="w" for="ch" forName="tx1" refType="w" fact="0.2"/>
+              <dgm:constr type="w" for="des" forName="tx2" refType="w" fact="0.385"/>
+              <dgm:constr type="w" for="des" forName="tx3" refType="w" fact="0.385"/>
+              <dgm:constr type="w" for="des" forName="horzSpace2" refType="w" fact="0.015"/>
+              <dgm:constr type="w" for="des" forName="horzSpace3" refType="w" fact="0.015"/>
+              <dgm:constr type="w" for="des" forName="thinLine2b" refType="w" fact="0.8"/>
+              <dgm:constr type="w" for="des" forName="thinLine3" refType="w" fact="0.385"/>
+            </dgm:constrLst>
+          </dgm:if>
+          <dgm:if name="Name11" axis="root des" func="maxDepth" op="gte" val="4">
+            <dgm:constrLst>
+              <dgm:constr type="w" for="ch" forName="tx1" refType="w" fact="0.2"/>
+              <dgm:constr type="w" for="des" forName="tx2" refType="w" fact="0.2516"/>
+              <dgm:constr type="w" for="des" forName="tx3" refType="w" fact="0.2516"/>
+              <dgm:constr type="w" for="des" forName="tx4" refType="w" fact="0.2516"/>
+              <dgm:constr type="w" for="des" forName="horzSpace2" refType="w" fact="0.015"/>
+              <dgm:constr type="w" for="des" forName="horzSpace3" refType="w" fact="0.015"/>
+              <dgm:constr type="w" for="des" forName="horzSpace4" refType="w" fact="0.015"/>
+              <dgm:constr type="w" for="des" forName="thinLine2b" refType="w" fact="0.8"/>
+              <dgm:constr type="w" for="des" forName="thinLine3" refType="w" fact="0.5332"/>
+            </dgm:constrLst>
+          </dgm:if>
+          <dgm:else name="Name12"/>
+        </dgm:choose>
+        <dgm:layoutNode name="tx1" styleLbl="revTx">
+          <dgm:alg type="tx">
+            <dgm:param type="parTxLTRAlign" val="l"/>
+            <dgm:param type="parTxRTLAlign" val="r"/>
+            <dgm:param type="txAnchorVert" val="t"/>
+          </dgm:alg>
+          <dgm:shape xmlns:r="http://schemas.openxmlformats.org/officeDocument/2006/relationships" type="rect" r:blip="">
+            <dgm:adjLst/>
+          </dgm:shape>
+          <dgm:presOf axis="self"/>
+          <dgm:constrLst>
+            <dgm:constr type="tMarg" refType="primFontSz" fact="0.3"/>
+            <dgm:constr type="bMarg" refType="primFontSz" fact="0.3"/>
+            <dgm:constr type="lMarg" refType="primFontSz" fact="0.3"/>
+            <dgm:constr type="rMarg" refType="primFontSz" fact="0.3"/>
+          </dgm:constrLst>
+          <dgm:ruleLst>
+            <dgm:rule type="primFontSz" val="5" fact="NaN" max="NaN"/>
+          </dgm:ruleLst>
+        </dgm:layoutNode>
+        <dgm:layoutNode name="vert1">
+          <dgm:choose name="Name13">
+            <dgm:if name="Name14" func="var" arg="dir" op="equ" val="norm">
+              <dgm:alg type="lin">
+                <dgm:param type="linDir" val="fromT"/>
+                <dgm:param type="nodeHorzAlign" val="l"/>
+              </dgm:alg>
+            </dgm:if>
+            <dgm:else name="Name15">
+              <dgm:alg type="lin">
+                <dgm:param type="linDir" val="fromT"/>
+                <dgm:param type="nodeHorzAlign" val="r"/>
+              </dgm:alg>
+            </dgm:else>
+          </dgm:choose>
+          <dgm:shape xmlns:r="http://schemas.openxmlformats.org/officeDocument/2006/relationships" r:blip="">
+            <dgm:adjLst/>
+          </dgm:shape>
+          <dgm:presOf/>
+          <dgm:forEach name="Name16" axis="ch" ptType="node">
+            <dgm:choose name="Name17">
+              <dgm:if name="Name18" axis="self" ptType="node" func="pos" op="equ" val="1">
+                <dgm:layoutNode name="vertSpace2a">
+                  <dgm:alg type="sp"/>
+                  <dgm:shape xmlns:r="http://schemas.openxmlformats.org/officeDocument/2006/relationships" r:blip="">
+                    <dgm:adjLst/>
+                  </dgm:shape>
+                  <dgm:presOf/>
+                </dgm:layoutNode>
+              </dgm:if>
+              <dgm:else name="Name19"/>
+            </dgm:choose>
+            <dgm:layoutNode name="horz2">
+              <dgm:choose name="Name20">
+                <dgm:if name="Name21" func="var" arg="dir" op="equ" val="norm">
+                  <dgm:alg type="lin">
+                    <dgm:param type="linDir" val="fromL"/>
+                    <dgm:param type="nodeVertAlign" val="t"/>
+                  </dgm:alg>
+                </dgm:if>
+                <dgm:else name="Name22">
+                  <dgm:alg type="lin">
+                    <dgm:param type="linDir" val="fromR"/>
+                    <dgm:param type="nodeVertAlign" val="t"/>
+                  </dgm:alg>
+                </dgm:else>
+              </dgm:choose>
+              <dgm:shape xmlns:r="http://schemas.openxmlformats.org/officeDocument/2006/relationships" r:blip="">
+                <dgm:adjLst/>
+              </dgm:shape>
+              <dgm:presOf/>
+              <dgm:layoutNode name="horzSpace2">
+                <dgm:alg type="sp"/>
+                <dgm:shape xmlns:r="http://schemas.openxmlformats.org/officeDocument/2006/relationships" r:blip="">
+                  <dgm:adjLst/>
+                </dgm:shape>
+                <dgm:presOf/>
+              </dgm:layoutNode>
+              <dgm:layoutNode name="tx2" styleLbl="revTx">
+                <dgm:alg type="tx">
+                  <dgm:param type="parTxLTRAlign" val="l"/>
+                  <dgm:param type="parTxRTLAlign" val="r"/>
+                  <dgm:param type="txAnchorVert" val="t"/>
+                </dgm:alg>
+                <dgm:shape xmlns:r="http://schemas.openxmlformats.org/officeDocument/2006/relationships" type="rect" r:blip="">
+                  <dgm:adjLst/>
+                </dgm:shape>
+                <dgm:presOf axis="self"/>
+                <dgm:constrLst>
+                  <dgm:constr type="tMarg" refType="primFontSz" fact="0.3"/>
+                  <dgm:constr type="bMarg" refType="primFontSz" fact="0.3"/>
+                  <dgm:constr type="lMarg" refType="primFontSz" fact="0.3"/>
+                  <dgm:constr type="rMarg" refType="primFontSz" fact="0.3"/>
+                </dgm:constrLst>
+                <dgm:ruleLst>
+                  <dgm:rule type="primFontSz" val="5" fact="NaN" max="NaN"/>
+                </dgm:ruleLst>
+              </dgm:layoutNode>
+              <dgm:layoutNode name="vert2">
+                <dgm:choose name="Name23">
+                  <dgm:if name="Name24" func="var" arg="dir" op="equ" val="norm">
+                    <dgm:alg type="lin">
+                      <dgm:param type="linDir" val="fromT"/>
+                      <dgm:param type="nodeHorzAlign" val="l"/>
+                    </dgm:alg>
+                  </dgm:if>
+                  <dgm:else name="Name25">
+                    <dgm:alg type="lin">
+                      <dgm:param type="linDir" val="fromT"/>
+                      <dgm:param type="nodeHorzAlign" val="r"/>
+                    </dgm:alg>
+                  </dgm:else>
+                </dgm:choose>
+                <dgm:shape xmlns:r="http://schemas.openxmlformats.org/officeDocument/2006/relationships" r:blip="">
+                  <dgm:adjLst/>
+                </dgm:shape>
+                <dgm:presOf/>
+                <dgm:forEach name="Name26" axis="ch" ptType="node">
+                  <dgm:layoutNode name="horz3">
+                    <dgm:choose name="Name27">
+                      <dgm:if name="Name28" func="var" arg="dir" op="equ" val="norm">
+                        <dgm:alg type="lin">
+                          <dgm:param type="linDir" val="fromL"/>
+                          <dgm:param type="nodeVertAlign" val="t"/>
+                        </dgm:alg>
+                      </dgm:if>
+                      <dgm:else name="Name29">
+                        <dgm:alg type="lin">
+                          <dgm:param type="linDir" val="fromR"/>
+                          <dgm:param type="nodeVertAlign" val="t"/>
+                        </dgm:alg>
+                      </dgm:else>
+                    </dgm:choose>
+                    <dgm:shape xmlns:r="http://schemas.openxmlformats.org/officeDocument/2006/relationships" r:blip="">
+                      <dgm:adjLst/>
+                    </dgm:shape>
+                    <dgm:presOf/>
+                    <dgm:layoutNode name="horzSpace3">
+                      <dgm:alg type="sp"/>
+                      <dgm:shape xmlns:r="http://schemas.openxmlformats.org/officeDocument/2006/relationships" r:blip="">
+                        <dgm:adjLst/>
+                      </dgm:shape>
+                      <dgm:presOf/>
+                    </dgm:layoutNode>
+                    <dgm:layoutNode name="tx3" styleLbl="revTx">
+                      <dgm:alg type="tx">
+                        <dgm:param type="parTxLTRAlign" val="l"/>
+                        <dgm:param type="parTxRTLAlign" val="r"/>
+                        <dgm:param type="txAnchorVert" val="t"/>
+                      </dgm:alg>
+                      <dgm:shape xmlns:r="http://schemas.openxmlformats.org/officeDocument/2006/relationships" type="rect" r:blip="">
+                        <dgm:adjLst/>
+                      </dgm:shape>
+                      <dgm:presOf axis="self"/>
+                      <dgm:constrLst>
+                        <dgm:constr type="tMarg" refType="primFontSz" fact="0.3"/>
+                        <dgm:constr type="bMarg" refType="primFontSz" fact="0.3"/>
+                        <dgm:constr type="lMarg" refType="primFontSz" fact="0.3"/>
+                        <dgm:constr type="rMarg" refType="primFontSz" fact="0.3"/>
+                      </dgm:constrLst>
+                      <dgm:ruleLst>
+                        <dgm:rule type="primFontSz" val="5" fact="NaN" max="NaN"/>
+                      </dgm:ruleLst>
+                    </dgm:layoutNode>
+                    <dgm:layoutNode name="vert3">
+                      <dgm:choose name="Name30">
+                        <dgm:if name="Name31" func="var" arg="dir" op="equ" val="norm">
+                          <dgm:alg type="lin">
+                            <dgm:param type="linDir" val="fromT"/>
+                            <dgm:param type="nodeHorzAlign" val="l"/>
+                          </dgm:alg>
+                        </dgm:if>
+                        <dgm:else name="Name32">
+                          <dgm:alg type="lin">
+                            <dgm:param type="linDir" val="fromT"/>
+                            <dgm:param type="nodeHorzAlign" val="r"/>
+                          </dgm:alg>
+                        </dgm:else>
+                      </dgm:choose>
+                      <dgm:shape xmlns:r="http://schemas.openxmlformats.org/officeDocument/2006/relationships" r:blip="">
+                        <dgm:adjLst/>
+                      </dgm:shape>
+                      <dgm:presOf/>
+                      <dgm:forEach name="Name33" axis="ch" ptType="node">
+                        <dgm:layoutNode name="horz4">
+                          <dgm:choose name="Name34">
+                            <dgm:if name="Name35" func="var" arg="dir" op="equ" val="norm">
+                              <dgm:alg type="lin">
+                                <dgm:param type="linDir" val="fromL"/>
+                                <dgm:param type="nodeVertAlign" val="t"/>
+                              </dgm:alg>
+                            </dgm:if>
+                            <dgm:else name="Name36">
+                              <dgm:alg type="lin">
+                                <dgm:param type="linDir" val="fromR"/>
+                                <dgm:param type="nodeVertAlign" val="t"/>
+                              </dgm:alg>
+                            </dgm:else>
+                          </dgm:choose>
+                          <dgm:shape xmlns:r="http://schemas.openxmlformats.org/officeDocument/2006/relationships" r:blip="">
+                            <dgm:adjLst/>
+                          </dgm:shape>
+                          <dgm:presOf/>
+                          <dgm:layoutNode name="horzSpace4">
+                            <dgm:alg type="sp"/>
+                            <dgm:shape xmlns:r="http://schemas.openxmlformats.org/officeDocument/2006/relationships" r:blip="">
+                              <dgm:adjLst/>
+                            </dgm:shape>
+                            <dgm:presOf/>
+                          </dgm:layoutNode>
+                          <dgm:layoutNode name="tx4" styleLbl="revTx">
+                            <dgm:varLst>
+                              <dgm:bulletEnabled val="1"/>
+                            </dgm:varLst>
+                            <dgm:alg type="tx">
+                              <dgm:param type="parTxLTRAlign" val="l"/>
+                              <dgm:param type="parTxRTLAlign" val="r"/>
+                              <dgm:param type="txAnchorVert" val="t"/>
+                            </dgm:alg>
+                            <dgm:shape xmlns:r="http://schemas.openxmlformats.org/officeDocument/2006/relationships" type="rect" r:blip="">
+                              <dgm:adjLst/>
+                            </dgm:shape>
+                            <dgm:presOf axis="desOrSelf" ptType="node"/>
+                            <dgm:constrLst>
+                              <dgm:constr type="tMarg" refType="primFontSz" fact="0.3"/>
+                              <dgm:constr type="bMarg" refType="primFontSz" fact="0.3"/>
+                              <dgm:constr type="lMarg" refType="primFontSz" fact="0.3"/>
+                              <dgm:constr type="rMarg" refType="primFontSz" fact="0.3"/>
+                            </dgm:constrLst>
+                            <dgm:ruleLst>
+                              <dgm:rule type="primFontSz" val="5" fact="NaN" max="NaN"/>
+                            </dgm:ruleLst>
+                          </dgm:layoutNode>
+                        </dgm:layoutNode>
+                      </dgm:forEach>
+                    </dgm:layoutNode>
+                  </dgm:layoutNode>
+                  <dgm:forEach name="Name37" axis="followSib" ptType="sibTrans" cnt="1">
+                    <dgm:layoutNode name="thinLine3" styleLbl="callout">
+                      <dgm:alg type="sp"/>
+                      <dgm:shape xmlns:r="http://schemas.openxmlformats.org/officeDocument/2006/relationships" type="line" r:blip="">
+                        <dgm:adjLst/>
+                      </dgm:shape>
+                      <dgm:presOf/>
+                    </dgm:layoutNode>
+                  </dgm:forEach>
+                </dgm:forEach>
+              </dgm:layoutNode>
+            </dgm:layoutNode>
+            <dgm:layoutNode name="thinLine2b" styleLbl="callout">
+              <dgm:alg type="sp"/>
+              <dgm:shape xmlns:r="http://schemas.openxmlformats.org/officeDocument/2006/relationships" type="line" r:blip="">
+                <dgm:adjLst/>
+              </dgm:shape>
+              <dgm:presOf/>
+            </dgm:layoutNode>
+            <dgm:layoutNode name="vertSpace2b">
+              <dgm:alg type="sp"/>
+              <dgm:shape xmlns:r="http://schemas.openxmlformats.org/officeDocument/2006/relationships" r:blip="">
+                <dgm:adjLst/>
+              </dgm:shape>
+              <dgm:presOf/>
+            </dgm:layoutNode>
+          </dgm:forEach>
+        </dgm:layoutNode>
+      </dgm:layoutNode>
+    </dgm:forEach>
+  </dgm:layoutNode>
+</dgm:layoutDef>
+</file>
+
 <file path=ppt/diagrams/quickStyle1.xml><?xml version="1.0" encoding="utf-8"?>
 <dgm:styleDef xmlns:dgm="http://schemas.openxmlformats.org/drawingml/2006/diagram" xmlns:a="http://schemas.openxmlformats.org/drawingml/2006/main" uniqueId="urn:microsoft.com/office/officeart/2005/8/quickstyle/simple1">
   <dgm:title val=""/>
@@ -7044,6 +9345,1040 @@
 </file>
 
 <file path=ppt/diagrams/quickStyle2.xml><?xml version="1.0" encoding="utf-8"?>
+<dgm:styleDef xmlns:dgm="http://schemas.openxmlformats.org/drawingml/2006/diagram" xmlns:a="http://schemas.openxmlformats.org/drawingml/2006/main" uniqueId="urn:microsoft.com/office/officeart/2005/8/quickstyle/simple1">
+  <dgm:title val=""/>
+  <dgm:desc val=""/>
+  <dgm:catLst>
+    <dgm:cat type="simple" pri="10100"/>
+  </dgm:catLst>
+  <dgm:scene3d>
+    <a:camera prst="orthographicFront"/>
+    <a:lightRig rig="threePt" dir="t"/>
+  </dgm:scene3d>
+  <dgm:styleLbl name="node0">
+    <dgm:scene3d>
+      <a:camera prst="orthographicFront"/>
+      <a:lightRig rig="threePt" dir="t"/>
+    </dgm:scene3d>
+    <dgm:sp3d/>
+    <dgm:txPr/>
+    <dgm:style>
+      <a:lnRef idx="2">
+        <a:scrgbClr r="0" g="0" b="0"/>
+      </a:lnRef>
+      <a:fillRef idx="1">
+        <a:scrgbClr r="0" g="0" b="0"/>
+      </a:fillRef>
+      <a:effectRef idx="0">
+        <a:scrgbClr r="0" g="0" b="0"/>
+      </a:effectRef>
+      <a:fontRef idx="minor">
+        <a:schemeClr val="lt1"/>
+      </a:fontRef>
+    </dgm:style>
+  </dgm:styleLbl>
+  <dgm:styleLbl name="lnNode1">
+    <dgm:scene3d>
+      <a:camera prst="orthographicFront"/>
+      <a:lightRig rig="threePt" dir="t"/>
+    </dgm:scene3d>
+    <dgm:sp3d/>
+    <dgm:txPr/>
+    <dgm:style>
+      <a:lnRef idx="2">
+        <a:scrgbClr r="0" g="0" b="0"/>
+      </a:lnRef>
+      <a:fillRef idx="1">
+        <a:scrgbClr r="0" g="0" b="0"/>
+      </a:fillRef>
+      <a:effectRef idx="0">
+        <a:scrgbClr r="0" g="0" b="0"/>
+      </a:effectRef>
+      <a:fontRef idx="minor">
+        <a:schemeClr val="lt1"/>
+      </a:fontRef>
+    </dgm:style>
+  </dgm:styleLbl>
+  <dgm:styleLbl name="vennNode1">
+    <dgm:scene3d>
+      <a:camera prst="orthographicFront"/>
+      <a:lightRig rig="threePt" dir="t"/>
+    </dgm:scene3d>
+    <dgm:sp3d/>
+    <dgm:txPr/>
+    <dgm:style>
+      <a:lnRef idx="2">
+        <a:scrgbClr r="0" g="0" b="0"/>
+      </a:lnRef>
+      <a:fillRef idx="1">
+        <a:scrgbClr r="0" g="0" b="0"/>
+      </a:fillRef>
+      <a:effectRef idx="0">
+        <a:scrgbClr r="0" g="0" b="0"/>
+      </a:effectRef>
+      <a:fontRef idx="minor">
+        <a:schemeClr val="tx1"/>
+      </a:fontRef>
+    </dgm:style>
+  </dgm:styleLbl>
+  <dgm:styleLbl name="alignNode1">
+    <dgm:scene3d>
+      <a:camera prst="orthographicFront"/>
+      <a:lightRig rig="threePt" dir="t"/>
+    </dgm:scene3d>
+    <dgm:sp3d/>
+    <dgm:txPr/>
+    <dgm:style>
+      <a:lnRef idx="2">
+        <a:scrgbClr r="0" g="0" b="0"/>
+      </a:lnRef>
+      <a:fillRef idx="1">
+        <a:scrgbClr r="0" g="0" b="0"/>
+      </a:fillRef>
+      <a:effectRef idx="0">
+        <a:scrgbClr r="0" g="0" b="0"/>
+      </a:effectRef>
+      <a:fontRef idx="minor">
+        <a:schemeClr val="lt1"/>
+      </a:fontRef>
+    </dgm:style>
+  </dgm:styleLbl>
+  <dgm:styleLbl name="node1">
+    <dgm:scene3d>
+      <a:camera prst="orthographicFront"/>
+      <a:lightRig rig="threePt" dir="t"/>
+    </dgm:scene3d>
+    <dgm:sp3d/>
+    <dgm:txPr/>
+    <dgm:style>
+      <a:lnRef idx="2">
+        <a:scrgbClr r="0" g="0" b="0"/>
+      </a:lnRef>
+      <a:fillRef idx="1">
+        <a:scrgbClr r="0" g="0" b="0"/>
+      </a:fillRef>
+      <a:effectRef idx="0">
+        <a:scrgbClr r="0" g="0" b="0"/>
+      </a:effectRef>
+      <a:fontRef idx="minor">
+        <a:schemeClr val="lt1"/>
+      </a:fontRef>
+    </dgm:style>
+  </dgm:styleLbl>
+  <dgm:styleLbl name="node2">
+    <dgm:scene3d>
+      <a:camera prst="orthographicFront"/>
+      <a:lightRig rig="threePt" dir="t"/>
+    </dgm:scene3d>
+    <dgm:sp3d/>
+    <dgm:txPr/>
+    <dgm:style>
+      <a:lnRef idx="2">
+        <a:scrgbClr r="0" g="0" b="0"/>
+      </a:lnRef>
+      <a:fillRef idx="1">
+        <a:scrgbClr r="0" g="0" b="0"/>
+      </a:fillRef>
+      <a:effectRef idx="0">
+        <a:scrgbClr r="0" g="0" b="0"/>
+      </a:effectRef>
+      <a:fontRef idx="minor">
+        <a:schemeClr val="lt1"/>
+      </a:fontRef>
+    </dgm:style>
+  </dgm:styleLbl>
+  <dgm:styleLbl name="node3">
+    <dgm:scene3d>
+      <a:camera prst="orthographicFront"/>
+      <a:lightRig rig="threePt" dir="t"/>
+    </dgm:scene3d>
+    <dgm:sp3d/>
+    <dgm:txPr/>
+    <dgm:style>
+      <a:lnRef idx="2">
+        <a:scrgbClr r="0" g="0" b="0"/>
+      </a:lnRef>
+      <a:fillRef idx="1">
+        <a:scrgbClr r="0" g="0" b="0"/>
+      </a:fillRef>
+      <a:effectRef idx="0">
+        <a:scrgbClr r="0" g="0" b="0"/>
+      </a:effectRef>
+      <a:fontRef idx="minor">
+        <a:schemeClr val="lt1"/>
+      </a:fontRef>
+    </dgm:style>
+  </dgm:styleLbl>
+  <dgm:styleLbl name="node4">
+    <dgm:scene3d>
+      <a:camera prst="orthographicFront"/>
+      <a:lightRig rig="threePt" dir="t"/>
+    </dgm:scene3d>
+    <dgm:sp3d/>
+    <dgm:txPr/>
+    <dgm:style>
+      <a:lnRef idx="2">
+        <a:scrgbClr r="0" g="0" b="0"/>
+      </a:lnRef>
+      <a:fillRef idx="1">
+        <a:scrgbClr r="0" g="0" b="0"/>
+      </a:fillRef>
+      <a:effectRef idx="0">
+        <a:scrgbClr r="0" g="0" b="0"/>
+      </a:effectRef>
+      <a:fontRef idx="minor">
+        <a:schemeClr val="lt1"/>
+      </a:fontRef>
+    </dgm:style>
+  </dgm:styleLbl>
+  <dgm:styleLbl name="fgImgPlace1">
+    <dgm:scene3d>
+      <a:camera prst="orthographicFront"/>
+      <a:lightRig rig="threePt" dir="t"/>
+    </dgm:scene3d>
+    <dgm:sp3d/>
+    <dgm:txPr/>
+    <dgm:style>
+      <a:lnRef idx="2">
+        <a:scrgbClr r="0" g="0" b="0"/>
+      </a:lnRef>
+      <a:fillRef idx="1">
+        <a:scrgbClr r="0" g="0" b="0"/>
+      </a:fillRef>
+      <a:effectRef idx="0">
+        <a:scrgbClr r="0" g="0" b="0"/>
+      </a:effectRef>
+      <a:fontRef idx="minor"/>
+    </dgm:style>
+  </dgm:styleLbl>
+  <dgm:styleLbl name="alignImgPlace1">
+    <dgm:scene3d>
+      <a:camera prst="orthographicFront"/>
+      <a:lightRig rig="threePt" dir="t"/>
+    </dgm:scene3d>
+    <dgm:sp3d/>
+    <dgm:txPr/>
+    <dgm:style>
+      <a:lnRef idx="2">
+        <a:scrgbClr r="0" g="0" b="0"/>
+      </a:lnRef>
+      <a:fillRef idx="1">
+        <a:scrgbClr r="0" g="0" b="0"/>
+      </a:fillRef>
+      <a:effectRef idx="0">
+        <a:scrgbClr r="0" g="0" b="0"/>
+      </a:effectRef>
+      <a:fontRef idx="minor"/>
+    </dgm:style>
+  </dgm:styleLbl>
+  <dgm:styleLbl name="bgImgPlace1">
+    <dgm:scene3d>
+      <a:camera prst="orthographicFront"/>
+      <a:lightRig rig="threePt" dir="t"/>
+    </dgm:scene3d>
+    <dgm:sp3d/>
+    <dgm:txPr/>
+    <dgm:style>
+      <a:lnRef idx="2">
+        <a:scrgbClr r="0" g="0" b="0"/>
+      </a:lnRef>
+      <a:fillRef idx="1">
+        <a:scrgbClr r="0" g="0" b="0"/>
+      </a:fillRef>
+      <a:effectRef idx="0">
+        <a:scrgbClr r="0" g="0" b="0"/>
+      </a:effectRef>
+      <a:fontRef idx="minor"/>
+    </dgm:style>
+  </dgm:styleLbl>
+  <dgm:styleLbl name="sibTrans2D1">
+    <dgm:scene3d>
+      <a:camera prst="orthographicFront"/>
+      <a:lightRig rig="threePt" dir="t"/>
+    </dgm:scene3d>
+    <dgm:sp3d/>
+    <dgm:txPr/>
+    <dgm:style>
+      <a:lnRef idx="0">
+        <a:scrgbClr r="0" g="0" b="0"/>
+      </a:lnRef>
+      <a:fillRef idx="1">
+        <a:scrgbClr r="0" g="0" b="0"/>
+      </a:fillRef>
+      <a:effectRef idx="0">
+        <a:scrgbClr r="0" g="0" b="0"/>
+      </a:effectRef>
+      <a:fontRef idx="minor">
+        <a:schemeClr val="lt1"/>
+      </a:fontRef>
+    </dgm:style>
+  </dgm:styleLbl>
+  <dgm:styleLbl name="fgSibTrans2D1">
+    <dgm:scene3d>
+      <a:camera prst="orthographicFront"/>
+      <a:lightRig rig="threePt" dir="t"/>
+    </dgm:scene3d>
+    <dgm:sp3d/>
+    <dgm:txPr/>
+    <dgm:style>
+      <a:lnRef idx="0">
+        <a:scrgbClr r="0" g="0" b="0"/>
+      </a:lnRef>
+      <a:fillRef idx="1">
+        <a:scrgbClr r="0" g="0" b="0"/>
+      </a:fillRef>
+      <a:effectRef idx="0">
+        <a:scrgbClr r="0" g="0" b="0"/>
+      </a:effectRef>
+      <a:fontRef idx="minor">
+        <a:schemeClr val="lt1"/>
+      </a:fontRef>
+    </dgm:style>
+  </dgm:styleLbl>
+  <dgm:styleLbl name="bgSibTrans2D1">
+    <dgm:scene3d>
+      <a:camera prst="orthographicFront"/>
+      <a:lightRig rig="threePt" dir="t"/>
+    </dgm:scene3d>
+    <dgm:sp3d/>
+    <dgm:txPr/>
+    <dgm:style>
+      <a:lnRef idx="0">
+        <a:scrgbClr r="0" g="0" b="0"/>
+      </a:lnRef>
+      <a:fillRef idx="1">
+        <a:scrgbClr r="0" g="0" b="0"/>
+      </a:fillRef>
+      <a:effectRef idx="0">
+        <a:scrgbClr r="0" g="0" b="0"/>
+      </a:effectRef>
+      <a:fontRef idx="minor">
+        <a:schemeClr val="lt1"/>
+      </a:fontRef>
+    </dgm:style>
+  </dgm:styleLbl>
+  <dgm:styleLbl name="sibTrans1D1">
+    <dgm:scene3d>
+      <a:camera prst="orthographicFront"/>
+      <a:lightRig rig="threePt" dir="t"/>
+    </dgm:scene3d>
+    <dgm:sp3d/>
+    <dgm:txPr/>
+    <dgm:style>
+      <a:lnRef idx="1">
+        <a:scrgbClr r="0" g="0" b="0"/>
+      </a:lnRef>
+      <a:fillRef idx="0">
+        <a:scrgbClr r="0" g="0" b="0"/>
+      </a:fillRef>
+      <a:effectRef idx="0">
+        <a:scrgbClr r="0" g="0" b="0"/>
+      </a:effectRef>
+      <a:fontRef idx="minor"/>
+    </dgm:style>
+  </dgm:styleLbl>
+  <dgm:styleLbl name="callout">
+    <dgm:scene3d>
+      <a:camera prst="orthographicFront"/>
+      <a:lightRig rig="threePt" dir="t"/>
+    </dgm:scene3d>
+    <dgm:sp3d/>
+    <dgm:txPr/>
+    <dgm:style>
+      <a:lnRef idx="2">
+        <a:scrgbClr r="0" g="0" b="0"/>
+      </a:lnRef>
+      <a:fillRef idx="1">
+        <a:scrgbClr r="0" g="0" b="0"/>
+      </a:fillRef>
+      <a:effectRef idx="0">
+        <a:scrgbClr r="0" g="0" b="0"/>
+      </a:effectRef>
+      <a:fontRef idx="minor"/>
+    </dgm:style>
+  </dgm:styleLbl>
+  <dgm:styleLbl name="asst0">
+    <dgm:scene3d>
+      <a:camera prst="orthographicFront"/>
+      <a:lightRig rig="threePt" dir="t"/>
+    </dgm:scene3d>
+    <dgm:sp3d/>
+    <dgm:txPr/>
+    <dgm:style>
+      <a:lnRef idx="2">
+        <a:scrgbClr r="0" g="0" b="0"/>
+      </a:lnRef>
+      <a:fillRef idx="1">
+        <a:scrgbClr r="0" g="0" b="0"/>
+      </a:fillRef>
+      <a:effectRef idx="0">
+        <a:scrgbClr r="0" g="0" b="0"/>
+      </a:effectRef>
+      <a:fontRef idx="minor">
+        <a:schemeClr val="lt1"/>
+      </a:fontRef>
+    </dgm:style>
+  </dgm:styleLbl>
+  <dgm:styleLbl name="asst1">
+    <dgm:scene3d>
+      <a:camera prst="orthographicFront"/>
+      <a:lightRig rig="threePt" dir="t"/>
+    </dgm:scene3d>
+    <dgm:sp3d/>
+    <dgm:txPr/>
+    <dgm:style>
+      <a:lnRef idx="2">
+        <a:scrgbClr r="0" g="0" b="0"/>
+      </a:lnRef>
+      <a:fillRef idx="1">
+        <a:scrgbClr r="0" g="0" b="0"/>
+      </a:fillRef>
+      <a:effectRef idx="0">
+        <a:scrgbClr r="0" g="0" b="0"/>
+      </a:effectRef>
+      <a:fontRef idx="minor">
+        <a:schemeClr val="lt1"/>
+      </a:fontRef>
+    </dgm:style>
+  </dgm:styleLbl>
+  <dgm:styleLbl name="asst2">
+    <dgm:scene3d>
+      <a:camera prst="orthographicFront"/>
+      <a:lightRig rig="threePt" dir="t"/>
+    </dgm:scene3d>
+    <dgm:sp3d/>
+    <dgm:txPr/>
+    <dgm:style>
+      <a:lnRef idx="2">
+        <a:scrgbClr r="0" g="0" b="0"/>
+      </a:lnRef>
+      <a:fillRef idx="1">
+        <a:scrgbClr r="0" g="0" b="0"/>
+      </a:fillRef>
+      <a:effectRef idx="0">
+        <a:scrgbClr r="0" g="0" b="0"/>
+      </a:effectRef>
+      <a:fontRef idx="minor">
+        <a:schemeClr val="lt1"/>
+      </a:fontRef>
+    </dgm:style>
+  </dgm:styleLbl>
+  <dgm:styleLbl name="asst3">
+    <dgm:scene3d>
+      <a:camera prst="orthographicFront"/>
+      <a:lightRig rig="threePt" dir="t"/>
+    </dgm:scene3d>
+    <dgm:sp3d/>
+    <dgm:txPr/>
+    <dgm:style>
+      <a:lnRef idx="2">
+        <a:scrgbClr r="0" g="0" b="0"/>
+      </a:lnRef>
+      <a:fillRef idx="1">
+        <a:scrgbClr r="0" g="0" b="0"/>
+      </a:fillRef>
+      <a:effectRef idx="0">
+        <a:scrgbClr r="0" g="0" b="0"/>
+      </a:effectRef>
+      <a:fontRef idx="minor">
+        <a:schemeClr val="lt1"/>
+      </a:fontRef>
+    </dgm:style>
+  </dgm:styleLbl>
+  <dgm:styleLbl name="asst4">
+    <dgm:scene3d>
+      <a:camera prst="orthographicFront"/>
+      <a:lightRig rig="threePt" dir="t"/>
+    </dgm:scene3d>
+    <dgm:sp3d/>
+    <dgm:txPr/>
+    <dgm:style>
+      <a:lnRef idx="2">
+        <a:scrgbClr r="0" g="0" b="0"/>
+      </a:lnRef>
+      <a:fillRef idx="1">
+        <a:scrgbClr r="0" g="0" b="0"/>
+      </a:fillRef>
+      <a:effectRef idx="0">
+        <a:scrgbClr r="0" g="0" b="0"/>
+      </a:effectRef>
+      <a:fontRef idx="minor">
+        <a:schemeClr val="lt1"/>
+      </a:fontRef>
+    </dgm:style>
+  </dgm:styleLbl>
+  <dgm:styleLbl name="parChTrans2D1">
+    <dgm:scene3d>
+      <a:camera prst="orthographicFront"/>
+      <a:lightRig rig="threePt" dir="t"/>
+    </dgm:scene3d>
+    <dgm:sp3d/>
+    <dgm:txPr/>
+    <dgm:style>
+      <a:lnRef idx="2">
+        <a:scrgbClr r="0" g="0" b="0"/>
+      </a:lnRef>
+      <a:fillRef idx="1">
+        <a:scrgbClr r="0" g="0" b="0"/>
+      </a:fillRef>
+      <a:effectRef idx="0">
+        <a:scrgbClr r="0" g="0" b="0"/>
+      </a:effectRef>
+      <a:fontRef idx="minor">
+        <a:schemeClr val="lt1"/>
+      </a:fontRef>
+    </dgm:style>
+  </dgm:styleLbl>
+  <dgm:styleLbl name="parChTrans2D2">
+    <dgm:scene3d>
+      <a:camera prst="orthographicFront"/>
+      <a:lightRig rig="threePt" dir="t"/>
+    </dgm:scene3d>
+    <dgm:sp3d/>
+    <dgm:txPr/>
+    <dgm:style>
+      <a:lnRef idx="2">
+        <a:scrgbClr r="0" g="0" b="0"/>
+      </a:lnRef>
+      <a:fillRef idx="1">
+        <a:scrgbClr r="0" g="0" b="0"/>
+      </a:fillRef>
+      <a:effectRef idx="0">
+        <a:scrgbClr r="0" g="0" b="0"/>
+      </a:effectRef>
+      <a:fontRef idx="minor">
+        <a:schemeClr val="lt1"/>
+      </a:fontRef>
+    </dgm:style>
+  </dgm:styleLbl>
+  <dgm:styleLbl name="parChTrans2D3">
+    <dgm:scene3d>
+      <a:camera prst="orthographicFront"/>
+      <a:lightRig rig="threePt" dir="t"/>
+    </dgm:scene3d>
+    <dgm:sp3d/>
+    <dgm:txPr/>
+    <dgm:style>
+      <a:lnRef idx="2">
+        <a:scrgbClr r="0" g="0" b="0"/>
+      </a:lnRef>
+      <a:fillRef idx="1">
+        <a:scrgbClr r="0" g="0" b="0"/>
+      </a:fillRef>
+      <a:effectRef idx="0">
+        <a:scrgbClr r="0" g="0" b="0"/>
+      </a:effectRef>
+      <a:fontRef idx="minor">
+        <a:schemeClr val="lt1"/>
+      </a:fontRef>
+    </dgm:style>
+  </dgm:styleLbl>
+  <dgm:styleLbl name="parChTrans2D4">
+    <dgm:scene3d>
+      <a:camera prst="orthographicFront"/>
+      <a:lightRig rig="threePt" dir="t"/>
+    </dgm:scene3d>
+    <dgm:sp3d/>
+    <dgm:txPr/>
+    <dgm:style>
+      <a:lnRef idx="2">
+        <a:scrgbClr r="0" g="0" b="0"/>
+      </a:lnRef>
+      <a:fillRef idx="1">
+        <a:scrgbClr r="0" g="0" b="0"/>
+      </a:fillRef>
+      <a:effectRef idx="0">
+        <a:scrgbClr r="0" g="0" b="0"/>
+      </a:effectRef>
+      <a:fontRef idx="minor">
+        <a:schemeClr val="lt1"/>
+      </a:fontRef>
+    </dgm:style>
+  </dgm:styleLbl>
+  <dgm:styleLbl name="parChTrans1D1">
+    <dgm:scene3d>
+      <a:camera prst="orthographicFront"/>
+      <a:lightRig rig="threePt" dir="t"/>
+    </dgm:scene3d>
+    <dgm:sp3d/>
+    <dgm:txPr/>
+    <dgm:style>
+      <a:lnRef idx="2">
+        <a:scrgbClr r="0" g="0" b="0"/>
+      </a:lnRef>
+      <a:fillRef idx="0">
+        <a:scrgbClr r="0" g="0" b="0"/>
+      </a:fillRef>
+      <a:effectRef idx="0">
+        <a:scrgbClr r="0" g="0" b="0"/>
+      </a:effectRef>
+      <a:fontRef idx="minor"/>
+    </dgm:style>
+  </dgm:styleLbl>
+  <dgm:styleLbl name="parChTrans1D2">
+    <dgm:scene3d>
+      <a:camera prst="orthographicFront"/>
+      <a:lightRig rig="threePt" dir="t"/>
+    </dgm:scene3d>
+    <dgm:sp3d/>
+    <dgm:txPr/>
+    <dgm:style>
+      <a:lnRef idx="2">
+        <a:scrgbClr r="0" g="0" b="0"/>
+      </a:lnRef>
+      <a:fillRef idx="0">
+        <a:scrgbClr r="0" g="0" b="0"/>
+      </a:fillRef>
+      <a:effectRef idx="0">
+        <a:scrgbClr r="0" g="0" b="0"/>
+      </a:effectRef>
+      <a:fontRef idx="minor"/>
+    </dgm:style>
+  </dgm:styleLbl>
+  <dgm:styleLbl name="parChTrans1D3">
+    <dgm:scene3d>
+      <a:camera prst="orthographicFront"/>
+      <a:lightRig rig="threePt" dir="t"/>
+    </dgm:scene3d>
+    <dgm:sp3d/>
+    <dgm:txPr/>
+    <dgm:style>
+      <a:lnRef idx="2">
+        <a:scrgbClr r="0" g="0" b="0"/>
+      </a:lnRef>
+      <a:fillRef idx="0">
+        <a:scrgbClr r="0" g="0" b="0"/>
+      </a:fillRef>
+      <a:effectRef idx="0">
+        <a:scrgbClr r="0" g="0" b="0"/>
+      </a:effectRef>
+      <a:fontRef idx="minor"/>
+    </dgm:style>
+  </dgm:styleLbl>
+  <dgm:styleLbl name="parChTrans1D4">
+    <dgm:scene3d>
+      <a:camera prst="orthographicFront"/>
+      <a:lightRig rig="threePt" dir="t"/>
+    </dgm:scene3d>
+    <dgm:sp3d/>
+    <dgm:txPr/>
+    <dgm:style>
+      <a:lnRef idx="2">
+        <a:scrgbClr r="0" g="0" b="0"/>
+      </a:lnRef>
+      <a:fillRef idx="0">
+        <a:scrgbClr r="0" g="0" b="0"/>
+      </a:fillRef>
+      <a:effectRef idx="0">
+        <a:scrgbClr r="0" g="0" b="0"/>
+      </a:effectRef>
+      <a:fontRef idx="minor"/>
+    </dgm:style>
+  </dgm:styleLbl>
+  <dgm:styleLbl name="fgAcc1">
+    <dgm:scene3d>
+      <a:camera prst="orthographicFront"/>
+      <a:lightRig rig="threePt" dir="t"/>
+    </dgm:scene3d>
+    <dgm:sp3d/>
+    <dgm:txPr/>
+    <dgm:style>
+      <a:lnRef idx="2">
+        <a:scrgbClr r="0" g="0" b="0"/>
+      </a:lnRef>
+      <a:fillRef idx="1">
+        <a:scrgbClr r="0" g="0" b="0"/>
+      </a:fillRef>
+      <a:effectRef idx="0">
+        <a:scrgbClr r="0" g="0" b="0"/>
+      </a:effectRef>
+      <a:fontRef idx="minor"/>
+    </dgm:style>
+  </dgm:styleLbl>
+  <dgm:styleLbl name="conFgAcc1">
+    <dgm:scene3d>
+      <a:camera prst="orthographicFront"/>
+      <a:lightRig rig="threePt" dir="t"/>
+    </dgm:scene3d>
+    <dgm:sp3d/>
+    <dgm:txPr/>
+    <dgm:style>
+      <a:lnRef idx="2">
+        <a:scrgbClr r="0" g="0" b="0"/>
+      </a:lnRef>
+      <a:fillRef idx="1">
+        <a:scrgbClr r="0" g="0" b="0"/>
+      </a:fillRef>
+      <a:effectRef idx="0">
+        <a:scrgbClr r="0" g="0" b="0"/>
+      </a:effectRef>
+      <a:fontRef idx="minor"/>
+    </dgm:style>
+  </dgm:styleLbl>
+  <dgm:styleLbl name="alignAcc1">
+    <dgm:scene3d>
+      <a:camera prst="orthographicFront"/>
+      <a:lightRig rig="threePt" dir="t"/>
+    </dgm:scene3d>
+    <dgm:sp3d/>
+    <dgm:txPr/>
+    <dgm:style>
+      <a:lnRef idx="2">
+        <a:scrgbClr r="0" g="0" b="0"/>
+      </a:lnRef>
+      <a:fillRef idx="1">
+        <a:scrgbClr r="0" g="0" b="0"/>
+      </a:fillRef>
+      <a:effectRef idx="0">
+        <a:scrgbClr r="0" g="0" b="0"/>
+      </a:effectRef>
+      <a:fontRef idx="minor"/>
+    </dgm:style>
+  </dgm:styleLbl>
+  <dgm:styleLbl name="trAlignAcc1">
+    <dgm:scene3d>
+      <a:camera prst="orthographicFront"/>
+      <a:lightRig rig="threePt" dir="t"/>
+    </dgm:scene3d>
+    <dgm:sp3d/>
+    <dgm:txPr/>
+    <dgm:style>
+      <a:lnRef idx="1">
+        <a:scrgbClr r="0" g="0" b="0"/>
+      </a:lnRef>
+      <a:fillRef idx="1">
+        <a:scrgbClr r="0" g="0" b="0"/>
+      </a:fillRef>
+      <a:effectRef idx="0">
+        <a:scrgbClr r="0" g="0" b="0"/>
+      </a:effectRef>
+      <a:fontRef idx="minor"/>
+    </dgm:style>
+  </dgm:styleLbl>
+  <dgm:styleLbl name="bgAcc1">
+    <dgm:scene3d>
+      <a:camera prst="orthographicFront"/>
+      <a:lightRig rig="threePt" dir="t"/>
+    </dgm:scene3d>
+    <dgm:sp3d/>
+    <dgm:txPr/>
+    <dgm:style>
+      <a:lnRef idx="2">
+        <a:scrgbClr r="0" g="0" b="0"/>
+      </a:lnRef>
+      <a:fillRef idx="1">
+        <a:scrgbClr r="0" g="0" b="0"/>
+      </a:fillRef>
+      <a:effectRef idx="0">
+        <a:scrgbClr r="0" g="0" b="0"/>
+      </a:effectRef>
+      <a:fontRef idx="minor"/>
+    </dgm:style>
+  </dgm:styleLbl>
+  <dgm:styleLbl name="solidFgAcc1">
+    <dgm:scene3d>
+      <a:camera prst="orthographicFront"/>
+      <a:lightRig rig="threePt" dir="t"/>
+    </dgm:scene3d>
+    <dgm:sp3d/>
+    <dgm:txPr/>
+    <dgm:style>
+      <a:lnRef idx="2">
+        <a:scrgbClr r="0" g="0" b="0"/>
+      </a:lnRef>
+      <a:fillRef idx="1">
+        <a:scrgbClr r="0" g="0" b="0"/>
+      </a:fillRef>
+      <a:effectRef idx="0">
+        <a:scrgbClr r="0" g="0" b="0"/>
+      </a:effectRef>
+      <a:fontRef idx="minor"/>
+    </dgm:style>
+  </dgm:styleLbl>
+  <dgm:styleLbl name="solidAlignAcc1">
+    <dgm:scene3d>
+      <a:camera prst="orthographicFront"/>
+      <a:lightRig rig="threePt" dir="t"/>
+    </dgm:scene3d>
+    <dgm:sp3d/>
+    <dgm:txPr/>
+    <dgm:style>
+      <a:lnRef idx="2">
+        <a:scrgbClr r="0" g="0" b="0"/>
+      </a:lnRef>
+      <a:fillRef idx="1">
+        <a:scrgbClr r="0" g="0" b="0"/>
+      </a:fillRef>
+      <a:effectRef idx="0">
+        <a:scrgbClr r="0" g="0" b="0"/>
+      </a:effectRef>
+      <a:fontRef idx="minor"/>
+    </dgm:style>
+  </dgm:styleLbl>
+  <dgm:styleLbl name="solidBgAcc1">
+    <dgm:scene3d>
+      <a:camera prst="orthographicFront"/>
+      <a:lightRig rig="threePt" dir="t"/>
+    </dgm:scene3d>
+    <dgm:sp3d/>
+    <dgm:txPr/>
+    <dgm:style>
+      <a:lnRef idx="2">
+        <a:scrgbClr r="0" g="0" b="0"/>
+      </a:lnRef>
+      <a:fillRef idx="1">
+        <a:scrgbClr r="0" g="0" b="0"/>
+      </a:fillRef>
+      <a:effectRef idx="0">
+        <a:scrgbClr r="0" g="0" b="0"/>
+      </a:effectRef>
+      <a:fontRef idx="minor"/>
+    </dgm:style>
+  </dgm:styleLbl>
+  <dgm:styleLbl name="fgAccFollowNode1">
+    <dgm:scene3d>
+      <a:camera prst="orthographicFront"/>
+      <a:lightRig rig="threePt" dir="t"/>
+    </dgm:scene3d>
+    <dgm:sp3d/>
+    <dgm:txPr/>
+    <dgm:style>
+      <a:lnRef idx="2">
+        <a:scrgbClr r="0" g="0" b="0"/>
+      </a:lnRef>
+      <a:fillRef idx="1">
+        <a:scrgbClr r="0" g="0" b="0"/>
+      </a:fillRef>
+      <a:effectRef idx="0">
+        <a:scrgbClr r="0" g="0" b="0"/>
+      </a:effectRef>
+      <a:fontRef idx="minor"/>
+    </dgm:style>
+  </dgm:styleLbl>
+  <dgm:styleLbl name="alignAccFollowNode1">
+    <dgm:scene3d>
+      <a:camera prst="orthographicFront"/>
+      <a:lightRig rig="threePt" dir="t"/>
+    </dgm:scene3d>
+    <dgm:sp3d/>
+    <dgm:txPr/>
+    <dgm:style>
+      <a:lnRef idx="2">
+        <a:scrgbClr r="0" g="0" b="0"/>
+      </a:lnRef>
+      <a:fillRef idx="1">
+        <a:scrgbClr r="0" g="0" b="0"/>
+      </a:fillRef>
+      <a:effectRef idx="0">
+        <a:scrgbClr r="0" g="0" b="0"/>
+      </a:effectRef>
+      <a:fontRef idx="minor"/>
+    </dgm:style>
+  </dgm:styleLbl>
+  <dgm:styleLbl name="bgAccFollowNode1">
+    <dgm:scene3d>
+      <a:camera prst="orthographicFront"/>
+      <a:lightRig rig="threePt" dir="t"/>
+    </dgm:scene3d>
+    <dgm:sp3d/>
+    <dgm:txPr/>
+    <dgm:style>
+      <a:lnRef idx="2">
+        <a:scrgbClr r="0" g="0" b="0"/>
+      </a:lnRef>
+      <a:fillRef idx="1">
+        <a:scrgbClr r="0" g="0" b="0"/>
+      </a:fillRef>
+      <a:effectRef idx="0">
+        <a:scrgbClr r="0" g="0" b="0"/>
+      </a:effectRef>
+      <a:fontRef idx="minor"/>
+    </dgm:style>
+  </dgm:styleLbl>
+  <dgm:styleLbl name="fgAcc0">
+    <dgm:scene3d>
+      <a:camera prst="orthographicFront"/>
+      <a:lightRig rig="threePt" dir="t"/>
+    </dgm:scene3d>
+    <dgm:sp3d/>
+    <dgm:txPr/>
+    <dgm:style>
+      <a:lnRef idx="2">
+        <a:scrgbClr r="0" g="0" b="0"/>
+      </a:lnRef>
+      <a:fillRef idx="1">
+        <a:scrgbClr r="0" g="0" b="0"/>
+      </a:fillRef>
+      <a:effectRef idx="0">
+        <a:scrgbClr r="0" g="0" b="0"/>
+      </a:effectRef>
+      <a:fontRef idx="minor"/>
+    </dgm:style>
+  </dgm:styleLbl>
+  <dgm:styleLbl name="fgAcc2">
+    <dgm:scene3d>
+      <a:camera prst="orthographicFront"/>
+      <a:lightRig rig="threePt" dir="t"/>
+    </dgm:scene3d>
+    <dgm:sp3d/>
+    <dgm:txPr/>
+    <dgm:style>
+      <a:lnRef idx="2">
+        <a:scrgbClr r="0" g="0" b="0"/>
+      </a:lnRef>
+      <a:fillRef idx="1">
+        <a:scrgbClr r="0" g="0" b="0"/>
+      </a:fillRef>
+      <a:effectRef idx="0">
+        <a:scrgbClr r="0" g="0" b="0"/>
+      </a:effectRef>
+      <a:fontRef idx="minor"/>
+    </dgm:style>
+  </dgm:styleLbl>
+  <dgm:styleLbl name="fgAcc3">
+    <dgm:scene3d>
+      <a:camera prst="orthographicFront"/>
+      <a:lightRig rig="threePt" dir="t"/>
+    </dgm:scene3d>
+    <dgm:sp3d/>
+    <dgm:txPr/>
+    <dgm:style>
+      <a:lnRef idx="2">
+        <a:scrgbClr r="0" g="0" b="0"/>
+      </a:lnRef>
+      <a:fillRef idx="1">
+        <a:scrgbClr r="0" g="0" b="0"/>
+      </a:fillRef>
+      <a:effectRef idx="0">
+        <a:scrgbClr r="0" g="0" b="0"/>
+      </a:effectRef>
+      <a:fontRef idx="minor"/>
+    </dgm:style>
+  </dgm:styleLbl>
+  <dgm:styleLbl name="fgAcc4">
+    <dgm:scene3d>
+      <a:camera prst="orthographicFront"/>
+      <a:lightRig rig="threePt" dir="t"/>
+    </dgm:scene3d>
+    <dgm:sp3d/>
+    <dgm:txPr/>
+    <dgm:style>
+      <a:lnRef idx="2">
+        <a:scrgbClr r="0" g="0" b="0"/>
+      </a:lnRef>
+      <a:fillRef idx="1">
+        <a:scrgbClr r="0" g="0" b="0"/>
+      </a:fillRef>
+      <a:effectRef idx="0">
+        <a:scrgbClr r="0" g="0" b="0"/>
+      </a:effectRef>
+      <a:fontRef idx="minor"/>
+    </dgm:style>
+  </dgm:styleLbl>
+  <dgm:styleLbl name="bgShp">
+    <dgm:scene3d>
+      <a:camera prst="orthographicFront"/>
+      <a:lightRig rig="threePt" dir="t"/>
+    </dgm:scene3d>
+    <dgm:sp3d/>
+    <dgm:txPr/>
+    <dgm:style>
+      <a:lnRef idx="0">
+        <a:scrgbClr r="0" g="0" b="0"/>
+      </a:lnRef>
+      <a:fillRef idx="1">
+        <a:scrgbClr r="0" g="0" b="0"/>
+      </a:fillRef>
+      <a:effectRef idx="0">
+        <a:scrgbClr r="0" g="0" b="0"/>
+      </a:effectRef>
+      <a:fontRef idx="minor"/>
+    </dgm:style>
+  </dgm:styleLbl>
+  <dgm:styleLbl name="dkBgShp">
+    <dgm:scene3d>
+      <a:camera prst="orthographicFront"/>
+      <a:lightRig rig="threePt" dir="t"/>
+    </dgm:scene3d>
+    <dgm:sp3d/>
+    <dgm:txPr/>
+    <dgm:style>
+      <a:lnRef idx="0">
+        <a:scrgbClr r="0" g="0" b="0"/>
+      </a:lnRef>
+      <a:fillRef idx="1">
+        <a:scrgbClr r="0" g="0" b="0"/>
+      </a:fillRef>
+      <a:effectRef idx="0">
+        <a:scrgbClr r="0" g="0" b="0"/>
+      </a:effectRef>
+      <a:fontRef idx="minor"/>
+    </dgm:style>
+  </dgm:styleLbl>
+  <dgm:styleLbl name="trBgShp">
+    <dgm:scene3d>
+      <a:camera prst="orthographicFront"/>
+      <a:lightRig rig="threePt" dir="t"/>
+    </dgm:scene3d>
+    <dgm:sp3d/>
+    <dgm:txPr/>
+    <dgm:style>
+      <a:lnRef idx="0">
+        <a:scrgbClr r="0" g="0" b="0"/>
+      </a:lnRef>
+      <a:fillRef idx="1">
+        <a:scrgbClr r="0" g="0" b="0"/>
+      </a:fillRef>
+      <a:effectRef idx="0">
+        <a:scrgbClr r="0" g="0" b="0"/>
+      </a:effectRef>
+      <a:fontRef idx="minor"/>
+    </dgm:style>
+  </dgm:styleLbl>
+  <dgm:styleLbl name="fgShp">
+    <dgm:scene3d>
+      <a:camera prst="orthographicFront"/>
+      <a:lightRig rig="threePt" dir="t"/>
+    </dgm:scene3d>
+    <dgm:sp3d/>
+    <dgm:txPr/>
+    <dgm:style>
+      <a:lnRef idx="2">
+        <a:scrgbClr r="0" g="0" b="0"/>
+      </a:lnRef>
+      <a:fillRef idx="1">
+        <a:scrgbClr r="0" g="0" b="0"/>
+      </a:fillRef>
+      <a:effectRef idx="0">
+        <a:scrgbClr r="0" g="0" b="0"/>
+      </a:effectRef>
+      <a:fontRef idx="minor"/>
+    </dgm:style>
+  </dgm:styleLbl>
+  <dgm:styleLbl name="revTx">
+    <dgm:scene3d>
+      <a:camera prst="orthographicFront"/>
+      <a:lightRig rig="threePt" dir="t"/>
+    </dgm:scene3d>
+    <dgm:sp3d/>
+    <dgm:txPr/>
+    <dgm:style>
+      <a:lnRef idx="0">
+        <a:scrgbClr r="0" g="0" b="0"/>
+      </a:lnRef>
+      <a:fillRef idx="0">
+        <a:scrgbClr r="0" g="0" b="0"/>
+      </a:fillRef>
+      <a:effectRef idx="0">
+        <a:scrgbClr r="0" g="0" b="0"/>
+      </a:effectRef>
+      <a:fontRef idx="minor"/>
+    </dgm:style>
+  </dgm:styleLbl>
+</dgm:styleDef>
+</file>
+
+<file path=ppt/diagrams/quickStyle3.xml><?xml version="1.0" encoding="utf-8"?>
 <dgm:styleDef xmlns:dgm="http://schemas.openxmlformats.org/drawingml/2006/diagram" xmlns:a="http://schemas.openxmlformats.org/drawingml/2006/main" uniqueId="urn:microsoft.com/office/officeart/2005/8/quickstyle/simple1">
   <dgm:title val=""/>
   <dgm:desc val=""/>
@@ -8258,7 +11593,7 @@
           <a:p>
             <a:fld id="{C5D07625-6F9F-42D7-B556-45CDC388339A}" type="datetimeFigureOut">
               <a:rPr lang="fr-FR" smtClean="0"/>
-              <a:t>07/10/2020</a:t>
+              <a:t>11/10/2020</a:t>
             </a:fld>
             <a:endParaRPr lang="fr-FR"/>
           </a:p>
@@ -8428,7 +11763,7 @@
           <a:p>
             <a:fld id="{C5D07625-6F9F-42D7-B556-45CDC388339A}" type="datetimeFigureOut">
               <a:rPr lang="fr-FR" smtClean="0"/>
-              <a:t>07/10/2020</a:t>
+              <a:t>11/10/2020</a:t>
             </a:fld>
             <a:endParaRPr lang="fr-FR"/>
           </a:p>
@@ -8608,7 +11943,7 @@
           <a:p>
             <a:fld id="{C5D07625-6F9F-42D7-B556-45CDC388339A}" type="datetimeFigureOut">
               <a:rPr lang="fr-FR" smtClean="0"/>
-              <a:t>07/10/2020</a:t>
+              <a:t>11/10/2020</a:t>
             </a:fld>
             <a:endParaRPr lang="fr-FR"/>
           </a:p>
@@ -8778,7 +12113,7 @@
           <a:p>
             <a:fld id="{C5D07625-6F9F-42D7-B556-45CDC388339A}" type="datetimeFigureOut">
               <a:rPr lang="fr-FR" smtClean="0"/>
-              <a:t>07/10/2020</a:t>
+              <a:t>11/10/2020</a:t>
             </a:fld>
             <a:endParaRPr lang="fr-FR"/>
           </a:p>
@@ -9024,7 +12359,7 @@
           <a:p>
             <a:fld id="{C5D07625-6F9F-42D7-B556-45CDC388339A}" type="datetimeFigureOut">
               <a:rPr lang="fr-FR" smtClean="0"/>
-              <a:t>07/10/2020</a:t>
+              <a:t>11/10/2020</a:t>
             </a:fld>
             <a:endParaRPr lang="fr-FR"/>
           </a:p>
@@ -9312,7 +12647,7 @@
           <a:p>
             <a:fld id="{C5D07625-6F9F-42D7-B556-45CDC388339A}" type="datetimeFigureOut">
               <a:rPr lang="fr-FR" smtClean="0"/>
-              <a:t>07/10/2020</a:t>
+              <a:t>11/10/2020</a:t>
             </a:fld>
             <a:endParaRPr lang="fr-FR"/>
           </a:p>
@@ -9734,7 +13069,7 @@
           <a:p>
             <a:fld id="{C5D07625-6F9F-42D7-B556-45CDC388339A}" type="datetimeFigureOut">
               <a:rPr lang="fr-FR" smtClean="0"/>
-              <a:t>07/10/2020</a:t>
+              <a:t>11/10/2020</a:t>
             </a:fld>
             <a:endParaRPr lang="fr-FR"/>
           </a:p>
@@ -9852,7 +13187,7 @@
           <a:p>
             <a:fld id="{C5D07625-6F9F-42D7-B556-45CDC388339A}" type="datetimeFigureOut">
               <a:rPr lang="fr-FR" smtClean="0"/>
-              <a:t>07/10/2020</a:t>
+              <a:t>11/10/2020</a:t>
             </a:fld>
             <a:endParaRPr lang="fr-FR"/>
           </a:p>
@@ -9947,7 +13282,7 @@
           <a:p>
             <a:fld id="{C5D07625-6F9F-42D7-B556-45CDC388339A}" type="datetimeFigureOut">
               <a:rPr lang="fr-FR" smtClean="0"/>
-              <a:t>07/10/2020</a:t>
+              <a:t>11/10/2020</a:t>
             </a:fld>
             <a:endParaRPr lang="fr-FR"/>
           </a:p>
@@ -10224,7 +13559,7 @@
           <a:p>
             <a:fld id="{C5D07625-6F9F-42D7-B556-45CDC388339A}" type="datetimeFigureOut">
               <a:rPr lang="fr-FR" smtClean="0"/>
-              <a:t>07/10/2020</a:t>
+              <a:t>11/10/2020</a:t>
             </a:fld>
             <a:endParaRPr lang="fr-FR"/>
           </a:p>
@@ -10477,7 +13812,7 @@
           <a:p>
             <a:fld id="{C5D07625-6F9F-42D7-B556-45CDC388339A}" type="datetimeFigureOut">
               <a:rPr lang="fr-FR" smtClean="0"/>
-              <a:t>07/10/2020</a:t>
+              <a:t>11/10/2020</a:t>
             </a:fld>
             <a:endParaRPr lang="fr-FR"/>
           </a:p>
@@ -10690,7 +14025,7 @@
           <a:p>
             <a:fld id="{C5D07625-6F9F-42D7-B556-45CDC388339A}" type="datetimeFigureOut">
               <a:rPr lang="fr-FR" smtClean="0"/>
-              <a:t>07/10/2020</a:t>
+              <a:t>11/10/2020</a:t>
             </a:fld>
             <a:endParaRPr lang="fr-FR"/>
           </a:p>
@@ -11319,6 +14654,13 @@
   <p:clrMapOvr>
     <a:masterClrMapping/>
   </p:clrMapOvr>
+  <p:timing>
+    <p:tnLst>
+      <p:par>
+        <p:cTn id="1" dur="indefinite" restart="never" nodeType="tmRoot"/>
+      </p:par>
+    </p:tnLst>
+  </p:timing>
 </p:sld>
 </file>
 
@@ -11553,171 +14895,49 @@
         </p:nvSpPr>
         <p:spPr/>
         <p:txBody>
-          <a:bodyPr>
-            <a:normAutofit/>
-          </a:bodyPr>
+          <a:bodyPr/>
           <a:lstStyle/>
           <a:p>
             <a:r>
-              <a:rPr lang="fr-FR" dirty="0" err="1" smtClean="0"/>
+              <a:rPr lang="fr-FR" dirty="0" err="1"/>
               <a:t>MicroService</a:t>
             </a:r>
             <a:r>
-              <a:rPr lang="fr-FR" dirty="0" smtClean="0"/>
+              <a:rPr lang="fr-FR" dirty="0"/>
               <a:t> Vs SOA</a:t>
             </a:r>
-            <a:endParaRPr lang="fr-FR" dirty="0"/>
           </a:p>
         </p:txBody>
       </p:sp>
-      <p:sp>
-        <p:nvSpPr>
-          <p:cNvPr id="3" name="Espace réservé du contenu 2"/>
-          <p:cNvSpPr>
-            <a:spLocks noGrp="1"/>
-          </p:cNvSpPr>
+      <p:graphicFrame>
+        <p:nvGraphicFramePr>
+          <p:cNvPr id="6" name="Espace réservé du contenu 5"/>
+          <p:cNvGraphicFramePr>
+            <a:graphicFrameLocks noGrp="1"/>
+          </p:cNvGraphicFramePr>
           <p:nvPr>
             <p:ph idx="1"/>
+            <p:extLst>
+              <p:ext uri="{D42A27DB-BD31-4B8C-83A1-F6EECF244321}">
+                <p14:modId xmlns:p14="http://schemas.microsoft.com/office/powerpoint/2010/main" val="4030250728"/>
+              </p:ext>
+            </p:extLst>
           </p:nvPr>
-        </p:nvSpPr>
-        <p:spPr/>
-        <p:txBody>
-          <a:bodyPr>
-            <a:normAutofit lnSpcReduction="10000"/>
-          </a:bodyPr>
-          <a:lstStyle/>
-          <a:p>
-            <a:endParaRPr lang="fr-FR" sz="2400" dirty="0" smtClean="0"/>
-          </a:p>
-          <a:p>
-            <a:r>
-              <a:rPr lang="fr-FR" sz="2400" dirty="0" smtClean="0"/>
-              <a:t>On </a:t>
-            </a:r>
-            <a:r>
-              <a:rPr lang="fr-FR" sz="2400" dirty="0"/>
-              <a:t>peut considérer les </a:t>
-            </a:r>
-            <a:r>
-              <a:rPr lang="fr-FR" sz="2400" dirty="0" smtClean="0"/>
-              <a:t>micro services </a:t>
-            </a:r>
-            <a:r>
-              <a:rPr lang="fr-FR" sz="2400" dirty="0"/>
-              <a:t>comme une évolution de la </a:t>
-            </a:r>
-            <a:r>
-              <a:rPr lang="fr-FR" sz="2400" dirty="0" smtClean="0"/>
-              <a:t>SOA</a:t>
-            </a:r>
-          </a:p>
-          <a:p>
-            <a:r>
-              <a:rPr lang="fr-FR" sz="2400" dirty="0"/>
-              <a:t>extension du concept de SOA</a:t>
-            </a:r>
-            <a:r>
-              <a:rPr lang="fr-FR" sz="2400" dirty="0" smtClean="0"/>
-              <a:t>.</a:t>
-            </a:r>
-          </a:p>
-          <a:p>
-            <a:r>
-              <a:rPr lang="fr-FR" sz="2400" dirty="0"/>
-              <a:t>la nouveauté réside principalement dans la</a:t>
-            </a:r>
-            <a:r>
-              <a:rPr lang="fr-FR" sz="2400" b="1" dirty="0"/>
-              <a:t> description fine des designs patterns</a:t>
-            </a:r>
-            <a:r>
-              <a:rPr lang="fr-FR" sz="2400" dirty="0"/>
-              <a:t> à utiliser</a:t>
-            </a:r>
-            <a:r>
-              <a:rPr lang="fr-FR" sz="2400" dirty="0" smtClean="0"/>
-              <a:t>.</a:t>
-            </a:r>
-          </a:p>
-          <a:p>
-            <a:r>
-              <a:rPr lang="fr-FR" sz="2400" dirty="0" smtClean="0"/>
-              <a:t>les </a:t>
-            </a:r>
-            <a:r>
-              <a:rPr lang="fr-FR" sz="2400" dirty="0" err="1"/>
-              <a:t>Microservices</a:t>
-            </a:r>
-            <a:r>
-              <a:rPr lang="fr-FR" sz="2400" dirty="0"/>
-              <a:t> nous apportent une série de bonnes pratiques et de patrons de conception plus réduits et plus adaptés aux contraintes du moment   (déploiement quotidien, time to </a:t>
-            </a:r>
-            <a:r>
-              <a:rPr lang="fr-FR" sz="2400" dirty="0" err="1"/>
-              <a:t>market</a:t>
-            </a:r>
-            <a:r>
-              <a:rPr lang="fr-FR" sz="2400" dirty="0"/>
-              <a:t> réduit à quelques jours, interconnexion entre les applications internes et externes, relation client </a:t>
-            </a:r>
-            <a:r>
-              <a:rPr lang="fr-FR" sz="2400" dirty="0" err="1"/>
-              <a:t>multi-canal</a:t>
-            </a:r>
-            <a:r>
-              <a:rPr lang="fr-FR" sz="2400" dirty="0"/>
-              <a:t>).</a:t>
-            </a:r>
-            <a:endParaRPr lang="fr-FR" sz="2400" dirty="0" smtClean="0"/>
-          </a:p>
-          <a:p>
-            <a:endParaRPr lang="fr-FR" sz="2400" dirty="0"/>
-          </a:p>
-        </p:txBody>
-      </p:sp>
-      <p:sp>
-        <p:nvSpPr>
-          <p:cNvPr id="4" name="AutoShape 2" descr="https://upload.wikimedia.org/wikipedia/commons/thumb/1/1b/Concept_SOA.JPG/220px-Concept_SOA.JPG"/>
-          <p:cNvSpPr>
-            <a:spLocks noChangeAspect="1" noChangeArrowheads="1"/>
-          </p:cNvSpPr>
-          <p:nvPr/>
-        </p:nvSpPr>
-        <p:spPr bwMode="auto">
-          <a:xfrm>
-            <a:off x="155575" y="-144463"/>
-            <a:ext cx="304800" cy="304801"/>
-          </a:xfrm>
-          <a:prstGeom prst="rect">
-            <a:avLst/>
-          </a:prstGeom>
-          <a:noFill/>
-          <a:extLst>
-            <a:ext uri="{909E8E84-426E-40DD-AFC4-6F175D3DCCD1}">
-              <a14:hiddenFill xmlns:a14="http://schemas.microsoft.com/office/drawing/2010/main">
-                <a:solidFill>
-                  <a:srgbClr val="FFFFFF"/>
-                </a:solidFill>
-              </a14:hiddenFill>
-            </a:ext>
-          </a:extLst>
-        </p:spPr>
-        <p:txBody>
-          <a:bodyPr vert="horz" wrap="square" lIns="91440" tIns="45720" rIns="91440" bIns="45720" numCol="1" anchor="t" anchorCtr="0" compatLnSpc="1">
-            <a:prstTxWarp prst="textNoShape">
-              <a:avLst/>
-            </a:prstTxWarp>
-          </a:bodyPr>
-          <a:lstStyle/>
-          <a:p>
-            <a:endParaRPr lang="fr-FR"/>
-          </a:p>
-        </p:txBody>
-      </p:sp>
+        </p:nvGraphicFramePr>
+        <p:xfrm>
+          <a:off x="457200" y="1600200"/>
+          <a:ext cx="8229600" cy="4525963"/>
+        </p:xfrm>
+        <a:graphic>
+          <a:graphicData uri="http://schemas.openxmlformats.org/drawingml/2006/diagram">
+            <dgm:relIds xmlns:dgm="http://schemas.openxmlformats.org/drawingml/2006/diagram" xmlns:r="http://schemas.openxmlformats.org/officeDocument/2006/relationships" r:dm="rId2" r:lo="rId3" r:qs="rId4" r:cs="rId5"/>
+          </a:graphicData>
+        </a:graphic>
+      </p:graphicFrame>
     </p:spTree>
     <p:extLst>
       <p:ext uri="{BB962C8B-B14F-4D97-AF65-F5344CB8AC3E}">
-        <p14:creationId xmlns:p14="http://schemas.microsoft.com/office/powerpoint/2010/main" val="3405099549"/>
+        <p14:creationId xmlns:p14="http://schemas.microsoft.com/office/powerpoint/2010/main" val="2461360237"/>
       </p:ext>
     </p:extLst>
   </p:cSld>
@@ -11834,6 +15054,13 @@
   <p:clrMapOvr>
     <a:masterClrMapping/>
   </p:clrMapOvr>
+  <p:timing>
+    <p:tnLst>
+      <p:par>
+        <p:cTn id="1" dur="indefinite" restart="never" nodeType="tmRoot"/>
+      </p:par>
+    </p:tnLst>
+  </p:timing>
 </p:sld>
 </file>
 
@@ -11924,6 +15151,13 @@
   <p:clrMapOvr>
     <a:masterClrMapping/>
   </p:clrMapOvr>
+  <p:timing>
+    <p:tnLst>
+      <p:par>
+        <p:cTn id="1" dur="indefinite" restart="never" nodeType="tmRoot"/>
+      </p:par>
+    </p:tnLst>
+  </p:timing>
 </p:sld>
 </file>
 

--- a/M2A-SOA.pptx
+++ b/M2A-SOA.pptx
@@ -10,8 +10,11 @@
     <p:sldId id="258" r:id="rId4"/>
     <p:sldId id="259" r:id="rId5"/>
     <p:sldId id="265" r:id="rId6"/>
-    <p:sldId id="263" r:id="rId7"/>
-    <p:sldId id="262" r:id="rId8"/>
+    <p:sldId id="266" r:id="rId7"/>
+    <p:sldId id="263" r:id="rId8"/>
+    <p:sldId id="270" r:id="rId9"/>
+    <p:sldId id="268" r:id="rId10"/>
+    <p:sldId id="262" r:id="rId11"/>
   </p:sldIdLst>
   <p:sldSz cx="9144000" cy="6858000" type="screen4x3"/>
   <p:notesSz cx="6858000" cy="9144000"/>
@@ -2376,10 +2379,10 @@
         <a:lstStyle/>
         <a:p>
           <a:r>
-            <a:rPr lang="fr-FR" sz="1800" dirty="0" smtClean="0"/>
+            <a:rPr lang="fr-FR" sz="2000" dirty="0" smtClean="0"/>
             <a:t>Les avantages de SOA</a:t>
           </a:r>
-          <a:endParaRPr lang="fr-FR" sz="1800" dirty="0"/>
+          <a:endParaRPr lang="fr-FR" sz="2000" dirty="0"/>
         </a:p>
       </dgm:t>
     </dgm:pt>
@@ -2438,7 +2441,7 @@
         <a:bodyPr/>
         <a:lstStyle/>
         <a:p>
-          <a:endParaRPr lang="fr-FR" sz="2400"/>
+          <a:endParaRPr lang="fr-FR" sz="2800"/>
         </a:p>
       </dgm:t>
     </dgm:pt>
@@ -2450,10 +2453,10 @@
         <a:lstStyle/>
         <a:p>
           <a:r>
-            <a:rPr lang="fr-FR" sz="1050" dirty="0" smtClean="0"/>
+            <a:rPr lang="fr-FR" sz="900" dirty="0" smtClean="0"/>
             <a:t>Une intégration facile</a:t>
           </a:r>
-          <a:endParaRPr lang="fr-FR" sz="1050" dirty="0"/>
+          <a:endParaRPr lang="fr-FR" sz="900" dirty="0"/>
         </a:p>
       </dgm:t>
     </dgm:pt>
@@ -2475,7 +2478,7 @@
         <a:bodyPr/>
         <a:lstStyle/>
         <a:p>
-          <a:endParaRPr lang="fr-FR" sz="2400"/>
+          <a:endParaRPr lang="fr-FR" sz="2800"/>
         </a:p>
       </dgm:t>
     </dgm:pt>
@@ -2487,10 +2490,10 @@
         <a:lstStyle/>
         <a:p>
           <a:r>
-            <a:rPr lang="fr-FR" sz="1050" b="1" i="0" dirty="0" smtClean="0"/>
+            <a:rPr lang="fr-FR" sz="900" dirty="0" smtClean="0"/>
             <a:t>orientation service</a:t>
           </a:r>
-          <a:endParaRPr lang="fr-FR" sz="1050" dirty="0"/>
+          <a:endParaRPr lang="fr-FR" sz="900" dirty="0"/>
         </a:p>
       </dgm:t>
     </dgm:pt>
@@ -2512,7 +2515,7 @@
         <a:bodyPr/>
         <a:lstStyle/>
         <a:p>
-          <a:endParaRPr lang="fr-FR" sz="2400"/>
+          <a:endParaRPr lang="fr-FR" sz="2800"/>
         </a:p>
       </dgm:t>
     </dgm:pt>
@@ -2524,10 +2527,10 @@
         <a:lstStyle/>
         <a:p>
           <a:r>
-            <a:rPr lang="fr-FR" sz="1050" dirty="0" smtClean="0"/>
+            <a:rPr lang="fr-FR" sz="900" dirty="0" smtClean="0"/>
             <a:t>La sécurité</a:t>
           </a:r>
-          <a:endParaRPr lang="fr-FR" sz="1050" dirty="0"/>
+          <a:endParaRPr lang="fr-FR" sz="900" dirty="0"/>
         </a:p>
       </dgm:t>
     </dgm:pt>
@@ -2549,22 +2552,22 @@
         <a:bodyPr/>
         <a:lstStyle/>
         <a:p>
-          <a:endParaRPr lang="fr-FR" sz="2400"/>
+          <a:endParaRPr lang="fr-FR" sz="2800"/>
         </a:p>
       </dgm:t>
     </dgm:pt>
     <dgm:pt modelId="{F7C491C3-6F1D-4A59-BA81-16B68A4A1523}">
-      <dgm:prSet phldrT="[Texte]"/>
+      <dgm:prSet phldrT="[Texte]" custT="1"/>
       <dgm:spPr/>
       <dgm:t>
         <a:bodyPr/>
         <a:lstStyle/>
         <a:p>
           <a:r>
-            <a:rPr lang="fr-FR" b="0" i="0" dirty="0" smtClean="0"/>
+            <a:rPr lang="fr-FR" sz="900" dirty="0" smtClean="0"/>
             <a:t>L’autonomie</a:t>
           </a:r>
-          <a:endParaRPr lang="fr-FR" dirty="0"/>
+          <a:endParaRPr lang="fr-FR" sz="900" dirty="0"/>
         </a:p>
       </dgm:t>
     </dgm:pt>
@@ -2586,7 +2589,7 @@
         <a:bodyPr/>
         <a:lstStyle/>
         <a:p>
-          <a:endParaRPr lang="fr-FR" sz="2400"/>
+          <a:endParaRPr lang="fr-FR" sz="2800"/>
         </a:p>
       </dgm:t>
     </dgm:pt>
@@ -2598,14 +2601,18 @@
         <a:lstStyle/>
         <a:p>
           <a:r>
-            <a:rPr lang="fr-FR" sz="600" b="0" i="0" dirty="0" smtClean="0"/>
-            <a:t>encapsulation des services: Une boîte noire  pour les </a:t>
+            <a:rPr lang="fr-FR" sz="700" b="0" i="0" dirty="0" smtClean="0"/>
+            <a:t>encapsulation des services</a:t>
           </a:r>
           <a:r>
-            <a:rPr lang="fr-FR" sz="1000" b="0" i="0" dirty="0" smtClean="0"/>
-            <a:t>consommateurs</a:t>
+            <a:rPr lang="fr-FR" sz="600" b="0" i="0" dirty="0" smtClean="0"/>
+            <a:t>: </a:t>
           </a:r>
-          <a:endParaRPr lang="fr-FR" sz="600" dirty="0"/>
+          <a:r>
+            <a:rPr lang="fr-FR" sz="500" b="0" i="0" dirty="0" smtClean="0"/>
+            <a:t>Une boîte noire  pour les consommateurs</a:t>
+          </a:r>
+          <a:endParaRPr lang="fr-FR" sz="500" b="0" i="0" dirty="0"/>
         </a:p>
       </dgm:t>
     </dgm:pt>
@@ -2627,7 +2634,7 @@
         <a:bodyPr/>
         <a:lstStyle/>
         <a:p>
-          <a:endParaRPr lang="fr-FR" sz="2400"/>
+          <a:endParaRPr lang="fr-FR" sz="2800"/>
         </a:p>
       </dgm:t>
     </dgm:pt>
@@ -2664,7 +2671,7 @@
         <a:bodyPr/>
         <a:lstStyle/>
         <a:p>
-          <a:endParaRPr lang="fr-FR" sz="2400"/>
+          <a:endParaRPr lang="fr-FR" sz="2800"/>
         </a:p>
       </dgm:t>
     </dgm:pt>
@@ -2709,14 +2716,10 @@
         <a:lstStyle/>
         <a:p>
           <a:r>
-            <a:rPr lang="fr-FR" sz="1050" b="0" i="0" dirty="0" smtClean="0"/>
-            <a:t>La réutilisation des services : </a:t>
+            <a:rPr lang="fr-FR" sz="900" dirty="0" smtClean="0"/>
+            <a:t>La réutilisation des services : Code réutilisable</a:t>
           </a:r>
-          <a:r>
-            <a:rPr lang="fr-FR" sz="1050" dirty="0" smtClean="0"/>
-            <a:t>Code réutilisable</a:t>
-          </a:r>
-          <a:endParaRPr lang="fr-FR" sz="1050" dirty="0"/>
+          <a:endParaRPr lang="fr-FR" sz="900" dirty="0"/>
         </a:p>
       </dgm:t>
     </dgm:pt>
@@ -2738,7 +2741,7 @@
         <a:bodyPr/>
         <a:lstStyle/>
         <a:p>
-          <a:endParaRPr lang="fr-FR" sz="2400"/>
+          <a:endParaRPr lang="fr-FR" sz="2800"/>
         </a:p>
       </dgm:t>
     </dgm:pt>
@@ -2750,10 +2753,10 @@
         <a:lstStyle/>
         <a:p>
           <a:r>
-            <a:rPr lang="fr-FR" sz="1100" dirty="0" smtClean="0"/>
+            <a:rPr lang="fr-FR" sz="900" dirty="0" smtClean="0"/>
             <a:t>System modulaire</a:t>
           </a:r>
-          <a:endParaRPr lang="fr-FR" sz="1100" dirty="0"/>
+          <a:endParaRPr lang="fr-FR" sz="900" dirty="0"/>
         </a:p>
       </dgm:t>
     </dgm:pt>
@@ -2775,7 +2778,7 @@
         <a:bodyPr/>
         <a:lstStyle/>
         <a:p>
-          <a:endParaRPr lang="fr-FR" sz="2400"/>
+          <a:endParaRPr lang="fr-FR" sz="2800"/>
         </a:p>
       </dgm:t>
     </dgm:pt>
@@ -2787,18 +2790,18 @@
         <a:lstStyle/>
         <a:p>
           <a:r>
-            <a:rPr lang="fr-FR" sz="1100" b="0" i="0" dirty="0" err="1" smtClean="0"/>
+            <a:rPr lang="fr-FR" sz="900" dirty="0" err="1" smtClean="0"/>
             <a:t>greater</a:t>
           </a:r>
           <a:r>
-            <a:rPr lang="fr-FR" sz="1100" b="0" i="0" dirty="0" smtClean="0"/>
+            <a:rPr lang="fr-FR" sz="900" dirty="0" smtClean="0"/>
             <a:t> </a:t>
           </a:r>
           <a:r>
-            <a:rPr lang="fr-FR" sz="1100" b="0" i="0" dirty="0" err="1" smtClean="0"/>
+            <a:rPr lang="fr-FR" sz="900" dirty="0" err="1" smtClean="0"/>
             <a:t>scalability</a:t>
           </a:r>
-          <a:endParaRPr lang="fr-FR" sz="1100" dirty="0"/>
+          <a:endParaRPr lang="fr-FR" sz="900" dirty="0"/>
         </a:p>
       </dgm:t>
     </dgm:pt>
@@ -2820,7 +2823,7 @@
         <a:bodyPr/>
         <a:lstStyle/>
         <a:p>
-          <a:endParaRPr lang="fr-FR"/>
+          <a:endParaRPr lang="fr-FR" sz="2800"/>
         </a:p>
       </dgm:t>
     </dgm:pt>
@@ -2832,10 +2835,10 @@
         <a:lstStyle/>
         <a:p>
           <a:r>
-            <a:rPr lang="fr-FR" sz="1100" dirty="0" smtClean="0"/>
+            <a:rPr lang="fr-FR" sz="900" dirty="0" smtClean="0"/>
             <a:t>Réduire le cout</a:t>
           </a:r>
-          <a:endParaRPr lang="fr-FR" sz="1100" dirty="0"/>
+          <a:endParaRPr lang="fr-FR" sz="900" dirty="0"/>
         </a:p>
       </dgm:t>
     </dgm:pt>
@@ -2857,7 +2860,7 @@
         <a:bodyPr/>
         <a:lstStyle/>
         <a:p>
-          <a:endParaRPr lang="fr-FR"/>
+          <a:endParaRPr lang="fr-FR" sz="2800"/>
         </a:p>
       </dgm:t>
     </dgm:pt>
@@ -2880,7 +2883,7 @@
       </dgm:t>
     </dgm:pt>
     <dgm:pt modelId="{20305581-8FB2-46BA-8776-33525C6C90DB}" type="pres">
-      <dgm:prSet presAssocID="{5B3E7078-2F1D-487A-A4E4-59F77BC61B10}" presName="centerShape" presStyleLbl="node0" presStyleIdx="0" presStyleCnt="1" custScaleX="157749"/>
+      <dgm:prSet presAssocID="{5B3E7078-2F1D-487A-A4E4-59F77BC61B10}" presName="centerShape" presStyleLbl="node0" presStyleIdx="0" presStyleCnt="1" custScaleX="295950" custScaleY="107572"/>
       <dgm:spPr/>
       <dgm:t>
         <a:bodyPr/>
@@ -2910,7 +2913,7 @@
       <dgm:spPr/>
     </dgm:pt>
     <dgm:pt modelId="{3F212ED5-22D7-4F3D-B574-21EC7D44804C}" type="pres">
-      <dgm:prSet presAssocID="{3166F5BD-99F0-435C-A2AF-5D6A0DCE888C}" presName="sibTrans" presStyleLbl="sibTrans2D1" presStyleIdx="0" presStyleCnt="11"/>
+      <dgm:prSet presAssocID="{3166F5BD-99F0-435C-A2AF-5D6A0DCE888C}" presName="sibTrans" presStyleLbl="sibTrans2D1" presStyleIdx="0" presStyleCnt="11" custScaleX="187608" custScaleY="107572"/>
       <dgm:spPr/>
       <dgm:t>
         <a:bodyPr/>
@@ -2921,7 +2924,7 @@
       </dgm:t>
     </dgm:pt>
     <dgm:pt modelId="{64B8A106-2E3A-4C7B-9DF9-DD83975C236D}" type="pres">
-      <dgm:prSet presAssocID="{19F53081-5870-45C7-A9DE-14612CCA8FD3}" presName="node" presStyleLbl="node1" presStyleIdx="1" presStyleCnt="11">
+      <dgm:prSet presAssocID="{19F53081-5870-45C7-A9DE-14612CCA8FD3}" presName="node" presStyleLbl="node1" presStyleIdx="1" presStyleCnt="11" custScaleX="187608" custScaleY="107572">
         <dgm:presLayoutVars>
           <dgm:bulletEnabled val="1"/>
         </dgm:presLayoutVars>
@@ -2940,7 +2943,7 @@
       <dgm:spPr/>
     </dgm:pt>
     <dgm:pt modelId="{677B0447-011C-41ED-9EA1-045F4D2AF113}" type="pres">
-      <dgm:prSet presAssocID="{889A8874-3767-4EA4-81D3-E9905F55E61F}" presName="sibTrans" presStyleLbl="sibTrans2D1" presStyleIdx="1" presStyleCnt="11"/>
+      <dgm:prSet presAssocID="{889A8874-3767-4EA4-81D3-E9905F55E61F}" presName="sibTrans" presStyleLbl="sibTrans2D1" presStyleIdx="1" presStyleCnt="11" custScaleX="187608" custScaleY="107572"/>
       <dgm:spPr/>
       <dgm:t>
         <a:bodyPr/>
@@ -2951,7 +2954,7 @@
       </dgm:t>
     </dgm:pt>
     <dgm:pt modelId="{86D089E3-7207-4367-9BBF-8409A6DE531F}" type="pres">
-      <dgm:prSet presAssocID="{4826128E-CCD7-4A79-ABEF-B936702D87EB}" presName="node" presStyleLbl="node1" presStyleIdx="2" presStyleCnt="11">
+      <dgm:prSet presAssocID="{4826128E-CCD7-4A79-ABEF-B936702D87EB}" presName="node" presStyleLbl="node1" presStyleIdx="2" presStyleCnt="11" custScaleX="187608" custScaleY="107572">
         <dgm:presLayoutVars>
           <dgm:bulletEnabled val="1"/>
         </dgm:presLayoutVars>
@@ -2970,7 +2973,7 @@
       <dgm:spPr/>
     </dgm:pt>
     <dgm:pt modelId="{0FD5EE1C-4BA8-4C93-BB77-9D327323E4AA}" type="pres">
-      <dgm:prSet presAssocID="{424F3276-B22D-403E-A60D-96FF954BCAB4}" presName="sibTrans" presStyleLbl="sibTrans2D1" presStyleIdx="2" presStyleCnt="11"/>
+      <dgm:prSet presAssocID="{424F3276-B22D-403E-A60D-96FF954BCAB4}" presName="sibTrans" presStyleLbl="sibTrans2D1" presStyleIdx="2" presStyleCnt="11" custScaleX="187608" custScaleY="107572"/>
       <dgm:spPr/>
       <dgm:t>
         <a:bodyPr/>
@@ -2981,7 +2984,7 @@
       </dgm:t>
     </dgm:pt>
     <dgm:pt modelId="{B058215F-24C1-493D-8357-6DC994F232BB}" type="pres">
-      <dgm:prSet presAssocID="{6F28937A-9B97-490E-82ED-3423F56139E5}" presName="node" presStyleLbl="node1" presStyleIdx="3" presStyleCnt="11">
+      <dgm:prSet presAssocID="{6F28937A-9B97-490E-82ED-3423F56139E5}" presName="node" presStyleLbl="node1" presStyleIdx="3" presStyleCnt="11" custScaleX="187608" custScaleY="107572">
         <dgm:presLayoutVars>
           <dgm:bulletEnabled val="1"/>
         </dgm:presLayoutVars>
@@ -3000,7 +3003,7 @@
       <dgm:spPr/>
     </dgm:pt>
     <dgm:pt modelId="{6936B3E6-DFA5-4695-8052-B0EE5270ADC9}" type="pres">
-      <dgm:prSet presAssocID="{02C92D98-C1B8-4199-943A-AE807A487989}" presName="sibTrans" presStyleLbl="sibTrans2D1" presStyleIdx="3" presStyleCnt="11"/>
+      <dgm:prSet presAssocID="{02C92D98-C1B8-4199-943A-AE807A487989}" presName="sibTrans" presStyleLbl="sibTrans2D1" presStyleIdx="3" presStyleCnt="11" custScaleX="187608" custScaleY="107572"/>
       <dgm:spPr/>
       <dgm:t>
         <a:bodyPr/>
@@ -3011,7 +3014,7 @@
       </dgm:t>
     </dgm:pt>
     <dgm:pt modelId="{B6B47D7A-7783-4187-B5C7-40CA40AF8B6D}" type="pres">
-      <dgm:prSet presAssocID="{F7C491C3-6F1D-4A59-BA81-16B68A4A1523}" presName="node" presStyleLbl="node1" presStyleIdx="4" presStyleCnt="11">
+      <dgm:prSet presAssocID="{F7C491C3-6F1D-4A59-BA81-16B68A4A1523}" presName="node" presStyleLbl="node1" presStyleIdx="4" presStyleCnt="11" custScaleX="187608" custScaleY="107572">
         <dgm:presLayoutVars>
           <dgm:bulletEnabled val="1"/>
         </dgm:presLayoutVars>
@@ -3030,7 +3033,7 @@
       <dgm:spPr/>
     </dgm:pt>
     <dgm:pt modelId="{1EAF85F9-8711-4000-8853-BFC97B0EF7A5}" type="pres">
-      <dgm:prSet presAssocID="{F676AB43-59BB-485B-81C0-D2702F0E09B4}" presName="sibTrans" presStyleLbl="sibTrans2D1" presStyleIdx="4" presStyleCnt="11"/>
+      <dgm:prSet presAssocID="{F676AB43-59BB-485B-81C0-D2702F0E09B4}" presName="sibTrans" presStyleLbl="sibTrans2D1" presStyleIdx="4" presStyleCnt="11" custScaleX="187608" custScaleY="107572"/>
       <dgm:spPr/>
       <dgm:t>
         <a:bodyPr/>
@@ -3041,7 +3044,7 @@
       </dgm:t>
     </dgm:pt>
     <dgm:pt modelId="{F3D89328-B9F9-458F-A998-A3F72269CF90}" type="pres">
-      <dgm:prSet presAssocID="{AD507A31-41BD-4C53-A039-C7718646CBF5}" presName="node" presStyleLbl="node1" presStyleIdx="5" presStyleCnt="11">
+      <dgm:prSet presAssocID="{AD507A31-41BD-4C53-A039-C7718646CBF5}" presName="node" presStyleLbl="node1" presStyleIdx="5" presStyleCnt="11" custScaleX="107748">
         <dgm:presLayoutVars>
           <dgm:bulletEnabled val="1"/>
         </dgm:presLayoutVars>
@@ -3060,7 +3063,7 @@
       <dgm:spPr/>
     </dgm:pt>
     <dgm:pt modelId="{65A79982-B73A-4349-8E92-B43F29CF46A3}" type="pres">
-      <dgm:prSet presAssocID="{A93C61A2-EA9C-4B77-9704-86739143EC7B}" presName="sibTrans" presStyleLbl="sibTrans2D1" presStyleIdx="5" presStyleCnt="11"/>
+      <dgm:prSet presAssocID="{A93C61A2-EA9C-4B77-9704-86739143EC7B}" presName="sibTrans" presStyleLbl="sibTrans2D1" presStyleIdx="5" presStyleCnt="11" custScaleX="187608" custScaleY="107572"/>
       <dgm:spPr/>
       <dgm:t>
         <a:bodyPr/>
@@ -3090,7 +3093,7 @@
       <dgm:spPr/>
     </dgm:pt>
     <dgm:pt modelId="{93FE28D5-1F1F-420F-9777-7C4C02EC90E6}" type="pres">
-      <dgm:prSet presAssocID="{276C340D-35BF-417A-9A26-175A0AB3E132}" presName="sibTrans" presStyleLbl="sibTrans2D1" presStyleIdx="6" presStyleCnt="11"/>
+      <dgm:prSet presAssocID="{276C340D-35BF-417A-9A26-175A0AB3E132}" presName="sibTrans" presStyleLbl="sibTrans2D1" presStyleIdx="6" presStyleCnt="11" custScaleX="187608" custScaleY="107572"/>
       <dgm:spPr/>
       <dgm:t>
         <a:bodyPr/>
@@ -3101,7 +3104,7 @@
       </dgm:t>
     </dgm:pt>
     <dgm:pt modelId="{78A4DCD9-9A96-4E64-971D-5EF9CD64A3CB}" type="pres">
-      <dgm:prSet presAssocID="{2E541B28-22CF-4957-A772-9548E830095C}" presName="node" presStyleLbl="node1" presStyleIdx="7" presStyleCnt="11">
+      <dgm:prSet presAssocID="{2E541B28-22CF-4957-A772-9548E830095C}" presName="node" presStyleLbl="node1" presStyleIdx="7" presStyleCnt="11" custScaleX="187608" custScaleY="107572">
         <dgm:presLayoutVars>
           <dgm:bulletEnabled val="1"/>
         </dgm:presLayoutVars>
@@ -3120,7 +3123,7 @@
       <dgm:spPr/>
     </dgm:pt>
     <dgm:pt modelId="{B475C45E-920E-4E86-AB49-08CF5E1AA8C6}" type="pres">
-      <dgm:prSet presAssocID="{A3459A55-5FC5-49DC-9020-88BE62060A82}" presName="sibTrans" presStyleLbl="sibTrans2D1" presStyleIdx="7" presStyleCnt="11"/>
+      <dgm:prSet presAssocID="{A3459A55-5FC5-49DC-9020-88BE62060A82}" presName="sibTrans" presStyleLbl="sibTrans2D1" presStyleIdx="7" presStyleCnt="11" custScaleX="187608" custScaleY="107572"/>
       <dgm:spPr/>
       <dgm:t>
         <a:bodyPr/>
@@ -3131,7 +3134,7 @@
       </dgm:t>
     </dgm:pt>
     <dgm:pt modelId="{F66DC4F0-2373-4E3F-AF5A-C73289AC0770}" type="pres">
-      <dgm:prSet presAssocID="{91FFD5D8-57EE-4F28-90E1-25955C3488A1}" presName="node" presStyleLbl="node1" presStyleIdx="8" presStyleCnt="11">
+      <dgm:prSet presAssocID="{91FFD5D8-57EE-4F28-90E1-25955C3488A1}" presName="node" presStyleLbl="node1" presStyleIdx="8" presStyleCnt="11" custScaleX="187608" custScaleY="107572">
         <dgm:presLayoutVars>
           <dgm:bulletEnabled val="1"/>
         </dgm:presLayoutVars>
@@ -3150,7 +3153,7 @@
       <dgm:spPr/>
     </dgm:pt>
     <dgm:pt modelId="{F32B8F79-4A73-4115-838E-6E987B0C486A}" type="pres">
-      <dgm:prSet presAssocID="{AD72DB4F-577B-4710-A592-2BE6AF197E80}" presName="sibTrans" presStyleLbl="sibTrans2D1" presStyleIdx="8" presStyleCnt="11" custScaleX="104338"/>
+      <dgm:prSet presAssocID="{AD72DB4F-577B-4710-A592-2BE6AF197E80}" presName="sibTrans" presStyleLbl="sibTrans2D1" presStyleIdx="8" presStyleCnt="11" custScaleX="195746" custScaleY="107572"/>
       <dgm:spPr/>
       <dgm:t>
         <a:bodyPr/>
@@ -3161,7 +3164,7 @@
       </dgm:t>
     </dgm:pt>
     <dgm:pt modelId="{8EE780C3-33E3-450F-B39E-218996CFD370}" type="pres">
-      <dgm:prSet presAssocID="{B2C6A7ED-0BBF-4FCF-B4DB-CCEE01C25A79}" presName="node" presStyleLbl="node1" presStyleIdx="9" presStyleCnt="11" custScaleX="114982">
+      <dgm:prSet presAssocID="{B2C6A7ED-0BBF-4FCF-B4DB-CCEE01C25A79}" presName="node" presStyleLbl="node1" presStyleIdx="9" presStyleCnt="11" custScaleX="215715" custScaleY="107572">
         <dgm:presLayoutVars>
           <dgm:bulletEnabled val="1"/>
         </dgm:presLayoutVars>
@@ -3180,7 +3183,7 @@
       <dgm:spPr/>
     </dgm:pt>
     <dgm:pt modelId="{713D721E-3159-4C8F-B66E-1494E33B02F9}" type="pres">
-      <dgm:prSet presAssocID="{69303521-D700-4443-AC62-C582DAC6A249}" presName="sibTrans" presStyleLbl="sibTrans2D1" presStyleIdx="9" presStyleCnt="11"/>
+      <dgm:prSet presAssocID="{69303521-D700-4443-AC62-C582DAC6A249}" presName="sibTrans" presStyleLbl="sibTrans2D1" presStyleIdx="9" presStyleCnt="11" custScaleX="187608" custScaleY="107572"/>
       <dgm:spPr/>
       <dgm:t>
         <a:bodyPr/>
@@ -3191,7 +3194,7 @@
       </dgm:t>
     </dgm:pt>
     <dgm:pt modelId="{F939179A-6BDB-4E7B-A75A-B20D4A5ECA7C}" type="pres">
-      <dgm:prSet presAssocID="{8A229A53-855D-4D48-B7D9-FB9AFB76EBCA}" presName="node" presStyleLbl="node1" presStyleIdx="10" presStyleCnt="11">
+      <dgm:prSet presAssocID="{8A229A53-855D-4D48-B7D9-FB9AFB76EBCA}" presName="node" presStyleLbl="node1" presStyleIdx="10" presStyleCnt="11" custScaleX="187608" custScaleY="107572">
         <dgm:presLayoutVars>
           <dgm:bulletEnabled val="1"/>
         </dgm:presLayoutVars>
@@ -3210,7 +3213,7 @@
       <dgm:spPr/>
     </dgm:pt>
     <dgm:pt modelId="{CE4F0F5D-BF01-4500-A476-95F94B332734}" type="pres">
-      <dgm:prSet presAssocID="{0EB76327-C49A-464E-ABEB-3F8461AD1399}" presName="sibTrans" presStyleLbl="sibTrans2D1" presStyleIdx="10" presStyleCnt="11"/>
+      <dgm:prSet presAssocID="{0EB76327-C49A-464E-ABEB-3F8461AD1399}" presName="sibTrans" presStyleLbl="sibTrans2D1" presStyleIdx="10" presStyleCnt="11" custScaleX="187608" custScaleY="107572"/>
       <dgm:spPr/>
       <dgm:t>
         <a:bodyPr/>
@@ -4098,10 +4101,10 @@
     <dgm:cxn modelId="{A422BDB6-7835-4B98-A51C-AFFF76C039B5}" srcId="{3E639D28-7135-42A7-B4EC-BCE528467E53}" destId="{5AF459D8-EDAF-4E04-A54F-B808ABC4AB8F}" srcOrd="2" destOrd="0" parTransId="{81CCBD47-6F34-4442-AE63-8F96A12EC5C8}" sibTransId="{C1CBE25D-E960-4067-9174-7915150338B0}"/>
     <dgm:cxn modelId="{4A2EEB97-120F-46E5-81A1-F0EC2263D197}" type="presOf" srcId="{4A177ED7-1352-473B-A797-F305C2F7B6D2}" destId="{8B26586A-A45C-45F9-A544-F1E73134D87D}" srcOrd="0" destOrd="1" presId="urn:microsoft.com/office/officeart/2005/8/layout/hList1"/>
     <dgm:cxn modelId="{EB306AB9-D321-4C39-9D2B-ABF6580CC06E}" srcId="{3E639D28-7135-42A7-B4EC-BCE528467E53}" destId="{C2B1C342-05DB-4456-AB84-44B185E2891C}" srcOrd="4" destOrd="0" parTransId="{76BA4136-808C-4E83-98E4-F3D4858F22AE}" sibTransId="{F3877DB1-7664-4A84-A43C-2A0A8FD7C1E5}"/>
+    <dgm:cxn modelId="{D16D7997-BBEE-474D-9E22-AE543EF8B25B}" srcId="{14F54D40-A044-464C-BC5C-A7BED68E8E81}" destId="{BBEEC44D-A561-4EAB-A736-F93296E893CA}" srcOrd="7" destOrd="0" parTransId="{9A7735AE-9959-4881-BFD7-FD27D98A4DA6}" sibTransId="{2360E458-5911-40F4-BABF-E94067C2419A}"/>
     <dgm:cxn modelId="{EC4EC01F-D75D-4781-B7EB-5CEB65452112}" type="presOf" srcId="{6012E521-BDE8-479D-8A68-DBA2DB7BB51E}" destId="{56396885-7D68-4CDE-A6F9-76FA0AF1545A}" srcOrd="0" destOrd="0" presId="urn:microsoft.com/office/officeart/2005/8/layout/hList1"/>
-    <dgm:cxn modelId="{D16D7997-BBEE-474D-9E22-AE543EF8B25B}" srcId="{14F54D40-A044-464C-BC5C-A7BED68E8E81}" destId="{BBEEC44D-A561-4EAB-A736-F93296E893CA}" srcOrd="7" destOrd="0" parTransId="{9A7735AE-9959-4881-BFD7-FD27D98A4DA6}" sibTransId="{2360E458-5911-40F4-BABF-E94067C2419A}"/>
+    <dgm:cxn modelId="{7DD8E5D9-A922-49B3-833C-D6E2104F2ACB}" type="presOf" srcId="{14F54D40-A044-464C-BC5C-A7BED68E8E81}" destId="{411CB058-22BF-44C6-9139-6BBFAF05E04A}" srcOrd="0" destOrd="0" presId="urn:microsoft.com/office/officeart/2005/8/layout/hList1"/>
     <dgm:cxn modelId="{FAA5963B-D522-4A6D-8F6C-416A961F945E}" srcId="{14F54D40-A044-464C-BC5C-A7BED68E8E81}" destId="{4A177ED7-1352-473B-A797-F305C2F7B6D2}" srcOrd="1" destOrd="0" parTransId="{5FB846C5-40C8-459F-8258-19E363E0B025}" sibTransId="{7ED0713A-2352-45D5-93E9-91921FA042B6}"/>
-    <dgm:cxn modelId="{7DD8E5D9-A922-49B3-833C-D6E2104F2ACB}" type="presOf" srcId="{14F54D40-A044-464C-BC5C-A7BED68E8E81}" destId="{411CB058-22BF-44C6-9139-6BBFAF05E04A}" srcOrd="0" destOrd="0" presId="urn:microsoft.com/office/officeart/2005/8/layout/hList1"/>
     <dgm:cxn modelId="{261EDDCF-86F2-42A5-A647-785EA3A06ADF}" type="presOf" srcId="{5AF459D8-EDAF-4E04-A54F-B808ABC4AB8F}" destId="{56396885-7D68-4CDE-A6F9-76FA0AF1545A}" srcOrd="0" destOrd="2" presId="urn:microsoft.com/office/officeart/2005/8/layout/hList1"/>
     <dgm:cxn modelId="{1817D89C-48FC-4FB8-B0C8-6CE650AC3D7A}" type="presOf" srcId="{1EE934A7-60B8-4B98-BA2E-E415CAB26278}" destId="{8B26586A-A45C-45F9-A544-F1E73134D87D}" srcOrd="0" destOrd="6" presId="urn:microsoft.com/office/officeart/2005/8/layout/hList1"/>
     <dgm:cxn modelId="{274103C6-991B-4D29-9800-0EF61784B68F}" srcId="{14F54D40-A044-464C-BC5C-A7BED68E8E81}" destId="{908A3A91-43D3-4FC8-A27C-6BA32A0826F0}" srcOrd="2" destOrd="0" parTransId="{91C6B32B-A740-47D9-A177-06A9824F7FAE}" sibTransId="{39D5A341-BB07-4ED7-8AB7-F4FB9D9B2CBA}"/>
@@ -4367,6 +4370,13 @@
         </dgm:presLayoutVars>
       </dgm:prSet>
       <dgm:spPr/>
+      <dgm:t>
+        <a:bodyPr/>
+        <a:lstStyle/>
+        <a:p>
+          <a:endParaRPr lang="fr-FR"/>
+        </a:p>
+      </dgm:t>
     </dgm:pt>
     <dgm:pt modelId="{A59F1E82-8BA2-4E84-81E1-29D4FB60F9D0}" type="pres">
       <dgm:prSet presAssocID="{0AEFA633-71A6-4474-8208-CAF37EA105A1}" presName="thickLine" presStyleLbl="alignNode1" presStyleIdx="0" presStyleCnt="1"/>
@@ -4521,17 +4531,17 @@
     </dgm:pt>
   </dgm:ptLst>
   <dgm:cxnLst>
+    <dgm:cxn modelId="{889770C9-3A2F-4249-BF4C-1A884CCE1857}" type="presOf" srcId="{0AEFA633-71A6-4474-8208-CAF37EA105A1}" destId="{74FBD8E4-ACC2-44AC-BFBA-3339636CAC0F}" srcOrd="0" destOrd="0" presId="urn:microsoft.com/office/officeart/2008/layout/LinedList"/>
+    <dgm:cxn modelId="{1AD1A0B2-2320-4C5D-81B3-985D3FB490F2}" type="presOf" srcId="{476AB0D8-9E77-456A-8267-E6F642777E3B}" destId="{47106120-5C71-4FDC-A4C7-95655651F689}" srcOrd="0" destOrd="0" presId="urn:microsoft.com/office/officeart/2008/layout/LinedList"/>
+    <dgm:cxn modelId="{6C738428-92F1-448B-A193-95E9B23048CC}" srcId="{0AEFA633-71A6-4474-8208-CAF37EA105A1}" destId="{3735B493-B2FB-48C4-8B2B-C10F1EE8AE89}" srcOrd="2" destOrd="0" parTransId="{8DD24E90-E860-4096-8F69-DC1EB5EAB5A4}" sibTransId="{A22EE336-E016-409E-B87E-1E4D86B60FB2}"/>
+    <dgm:cxn modelId="{1D1FAA50-7490-4DF0-8E12-9DCBA8600174}" type="presOf" srcId="{A29AFF77-C7D0-4E2B-AC19-698985978D88}" destId="{5B2BD260-00EC-4CD4-A2BB-36BCD0FDEA77}" srcOrd="0" destOrd="0" presId="urn:microsoft.com/office/officeart/2008/layout/LinedList"/>
+    <dgm:cxn modelId="{49FA7104-BE31-4193-9C2A-DB77F512B44E}" srcId="{0AEFA633-71A6-4474-8208-CAF37EA105A1}" destId="{DD612127-0498-40A5-A22A-A332BA9652FD}" srcOrd="3" destOrd="0" parTransId="{C4A827A6-AD18-4B00-BA69-00633E5F3F9D}" sibTransId="{D88811B3-7FEE-4616-9372-E58531F4DF94}"/>
+    <dgm:cxn modelId="{FD963357-FCF0-475A-94E7-E2EC946229AF}" type="presOf" srcId="{BE5DC3A3-8D6A-4760-A487-A92BEC1E16BA}" destId="{33E74E80-9A26-47AE-9AE0-F025FA5AD3CC}" srcOrd="0" destOrd="0" presId="urn:microsoft.com/office/officeart/2008/layout/LinedList"/>
     <dgm:cxn modelId="{7E0D1144-3E91-4498-861B-476E684106AC}" type="presOf" srcId="{3735B493-B2FB-48C4-8B2B-C10F1EE8AE89}" destId="{C6DA7F6B-DC59-4C85-AC71-50B360B6A56C}" srcOrd="0" destOrd="0" presId="urn:microsoft.com/office/officeart/2008/layout/LinedList"/>
+    <dgm:cxn modelId="{3AAB711F-427D-4403-A404-8C51DCFC54E2}" srcId="{0AEFA633-71A6-4474-8208-CAF37EA105A1}" destId="{BE5DC3A3-8D6A-4760-A487-A92BEC1E16BA}" srcOrd="1" destOrd="0" parTransId="{9247A2B9-5311-491C-8D4E-4777588490D7}" sibTransId="{6C9D35A2-1F28-48FC-9149-1DBB6083D924}"/>
     <dgm:cxn modelId="{555A3E53-9BD3-49BA-8120-F8CC169FB0D2}" type="presOf" srcId="{DD612127-0498-40A5-A22A-A332BA9652FD}" destId="{8E8E4938-CBBD-4008-A0DA-5423AB86EEA1}" srcOrd="0" destOrd="0" presId="urn:microsoft.com/office/officeart/2008/layout/LinedList"/>
-    <dgm:cxn modelId="{1AD1A0B2-2320-4C5D-81B3-985D3FB490F2}" type="presOf" srcId="{476AB0D8-9E77-456A-8267-E6F642777E3B}" destId="{47106120-5C71-4FDC-A4C7-95655651F689}" srcOrd="0" destOrd="0" presId="urn:microsoft.com/office/officeart/2008/layout/LinedList"/>
-    <dgm:cxn modelId="{889770C9-3A2F-4249-BF4C-1A884CCE1857}" type="presOf" srcId="{0AEFA633-71A6-4474-8208-CAF37EA105A1}" destId="{74FBD8E4-ACC2-44AC-BFBA-3339636CAC0F}" srcOrd="0" destOrd="0" presId="urn:microsoft.com/office/officeart/2008/layout/LinedList"/>
-    <dgm:cxn modelId="{1D1FAA50-7490-4DF0-8E12-9DCBA8600174}" type="presOf" srcId="{A29AFF77-C7D0-4E2B-AC19-698985978D88}" destId="{5B2BD260-00EC-4CD4-A2BB-36BCD0FDEA77}" srcOrd="0" destOrd="0" presId="urn:microsoft.com/office/officeart/2008/layout/LinedList"/>
-    <dgm:cxn modelId="{6C738428-92F1-448B-A193-95E9B23048CC}" srcId="{0AEFA633-71A6-4474-8208-CAF37EA105A1}" destId="{3735B493-B2FB-48C4-8B2B-C10F1EE8AE89}" srcOrd="2" destOrd="0" parTransId="{8DD24E90-E860-4096-8F69-DC1EB5EAB5A4}" sibTransId="{A22EE336-E016-409E-B87E-1E4D86B60FB2}"/>
-    <dgm:cxn modelId="{49FA7104-BE31-4193-9C2A-DB77F512B44E}" srcId="{0AEFA633-71A6-4474-8208-CAF37EA105A1}" destId="{DD612127-0498-40A5-A22A-A332BA9652FD}" srcOrd="3" destOrd="0" parTransId="{C4A827A6-AD18-4B00-BA69-00633E5F3F9D}" sibTransId="{D88811B3-7FEE-4616-9372-E58531F4DF94}"/>
-    <dgm:cxn modelId="{3AAB711F-427D-4403-A404-8C51DCFC54E2}" srcId="{0AEFA633-71A6-4474-8208-CAF37EA105A1}" destId="{BE5DC3A3-8D6A-4760-A487-A92BEC1E16BA}" srcOrd="1" destOrd="0" parTransId="{9247A2B9-5311-491C-8D4E-4777588490D7}" sibTransId="{6C9D35A2-1F28-48FC-9149-1DBB6083D924}"/>
+    <dgm:cxn modelId="{16EE732C-CA76-4B57-AD37-2D43D9347835}" srcId="{A29AFF77-C7D0-4E2B-AC19-698985978D88}" destId="{0AEFA633-71A6-4474-8208-CAF37EA105A1}" srcOrd="0" destOrd="0" parTransId="{352460C9-76ED-4CD0-B71B-24B2D01BA309}" sibTransId="{DAC36B3D-D5A3-4275-B332-C37885424C01}"/>
     <dgm:cxn modelId="{32BEE5B5-C885-4D06-94F2-9DD033034BB4}" srcId="{0AEFA633-71A6-4474-8208-CAF37EA105A1}" destId="{476AB0D8-9E77-456A-8267-E6F642777E3B}" srcOrd="0" destOrd="0" parTransId="{AF8233F7-C7F5-485F-93AF-ED6F229499A7}" sibTransId="{0EA860AB-642C-42A4-96E3-E71B1DDF8D4A}"/>
-    <dgm:cxn modelId="{16EE732C-CA76-4B57-AD37-2D43D9347835}" srcId="{A29AFF77-C7D0-4E2B-AC19-698985978D88}" destId="{0AEFA633-71A6-4474-8208-CAF37EA105A1}" srcOrd="0" destOrd="0" parTransId="{352460C9-76ED-4CD0-B71B-24B2D01BA309}" sibTransId="{DAC36B3D-D5A3-4275-B332-C37885424C01}"/>
-    <dgm:cxn modelId="{FD963357-FCF0-475A-94E7-E2EC946229AF}" type="presOf" srcId="{BE5DC3A3-8D6A-4760-A487-A92BEC1E16BA}" destId="{33E74E80-9A26-47AE-9AE0-F025FA5AD3CC}" srcOrd="0" destOrd="0" presId="urn:microsoft.com/office/officeart/2008/layout/LinedList"/>
     <dgm:cxn modelId="{62038DE2-520D-41CA-B4E6-2D953F1EAD2F}" type="presParOf" srcId="{5B2BD260-00EC-4CD4-A2BB-36BCD0FDEA77}" destId="{A59F1E82-8BA2-4E84-81E1-29D4FB60F9D0}" srcOrd="0" destOrd="0" presId="urn:microsoft.com/office/officeart/2008/layout/LinedList"/>
     <dgm:cxn modelId="{61D6CA49-76A9-4DAA-BD96-C38236C4420D}" type="presParOf" srcId="{5B2BD260-00EC-4CD4-A2BB-36BCD0FDEA77}" destId="{80EE2A20-C4A8-43A2-9BE9-DE295B86A913}" srcOrd="1" destOrd="0" presId="urn:microsoft.com/office/officeart/2008/layout/LinedList"/>
     <dgm:cxn modelId="{6A5C01BA-BE2C-41C9-B5F3-DE7D12B29540}" type="presParOf" srcId="{80EE2A20-C4A8-43A2-9BE9-DE295B86A913}" destId="{74FBD8E4-ACC2-44AC-BFBA-3339636CAC0F}" srcOrd="0" destOrd="0" presId="urn:microsoft.com/office/officeart/2008/layout/LinedList"/>
@@ -4587,8 +4597,8 @@
       </dsp:nvSpPr>
       <dsp:spPr>
         <a:xfrm>
-          <a:off x="2363360" y="322540"/>
-          <a:ext cx="3960078" cy="3960078"/>
+          <a:off x="628687" y="172611"/>
+          <a:ext cx="7429424" cy="4259935"/>
         </a:xfrm>
         <a:prstGeom prst="blockArc">
           <a:avLst>
@@ -4633,8 +4643,8 @@
       </dsp:nvSpPr>
       <dsp:spPr>
         <a:xfrm>
-          <a:off x="2363360" y="322540"/>
-          <a:ext cx="3960078" cy="3960078"/>
+          <a:off x="628687" y="172611"/>
+          <a:ext cx="7429424" cy="4259935"/>
         </a:xfrm>
         <a:prstGeom prst="blockArc">
           <a:avLst>
@@ -4679,8 +4689,8 @@
       </dsp:nvSpPr>
       <dsp:spPr>
         <a:xfrm>
-          <a:off x="2277466" y="322540"/>
-          <a:ext cx="4131867" cy="3960078"/>
+          <a:off x="467552" y="172611"/>
+          <a:ext cx="7751695" cy="4259935"/>
         </a:xfrm>
         <a:prstGeom prst="blockArc">
           <a:avLst>
@@ -4725,8 +4735,8 @@
       </dsp:nvSpPr>
       <dsp:spPr>
         <a:xfrm>
-          <a:off x="2363360" y="322540"/>
-          <a:ext cx="3960078" cy="3960078"/>
+          <a:off x="628687" y="172611"/>
+          <a:ext cx="7429424" cy="4259935"/>
         </a:xfrm>
         <a:prstGeom prst="blockArc">
           <a:avLst>
@@ -4771,8 +4781,8 @@
       </dsp:nvSpPr>
       <dsp:spPr>
         <a:xfrm>
-          <a:off x="2363360" y="322540"/>
-          <a:ext cx="3960078" cy="3960078"/>
+          <a:off x="628687" y="172611"/>
+          <a:ext cx="7429424" cy="4259935"/>
         </a:xfrm>
         <a:prstGeom prst="blockArc">
           <a:avLst>
@@ -4817,8 +4827,8 @@
       </dsp:nvSpPr>
       <dsp:spPr>
         <a:xfrm>
-          <a:off x="2363360" y="322540"/>
-          <a:ext cx="3960078" cy="3960078"/>
+          <a:off x="628687" y="172611"/>
+          <a:ext cx="7429424" cy="4259935"/>
         </a:xfrm>
         <a:prstGeom prst="blockArc">
           <a:avLst>
@@ -4863,8 +4873,8 @@
       </dsp:nvSpPr>
       <dsp:spPr>
         <a:xfrm>
-          <a:off x="2363360" y="322540"/>
-          <a:ext cx="3960078" cy="3960078"/>
+          <a:off x="628687" y="172611"/>
+          <a:ext cx="7429424" cy="4259935"/>
         </a:xfrm>
         <a:prstGeom prst="blockArc">
           <a:avLst>
@@ -4909,8 +4919,8 @@
       </dsp:nvSpPr>
       <dsp:spPr>
         <a:xfrm>
-          <a:off x="2363360" y="322540"/>
-          <a:ext cx="3960078" cy="3960078"/>
+          <a:off x="628687" y="172611"/>
+          <a:ext cx="7429424" cy="4259935"/>
         </a:xfrm>
         <a:prstGeom prst="blockArc">
           <a:avLst>
@@ -4955,8 +4965,8 @@
       </dsp:nvSpPr>
       <dsp:spPr>
         <a:xfrm>
-          <a:off x="2363360" y="322540"/>
-          <a:ext cx="3960078" cy="3960078"/>
+          <a:off x="628687" y="172611"/>
+          <a:ext cx="7429424" cy="4259935"/>
         </a:xfrm>
         <a:prstGeom prst="blockArc">
           <a:avLst>
@@ -5001,8 +5011,8 @@
       </dsp:nvSpPr>
       <dsp:spPr>
         <a:xfrm>
-          <a:off x="2363360" y="322540"/>
-          <a:ext cx="3960078" cy="3960078"/>
+          <a:off x="628687" y="172611"/>
+          <a:ext cx="7429424" cy="4259935"/>
         </a:xfrm>
         <a:prstGeom prst="blockArc">
           <a:avLst>
@@ -5047,8 +5057,8 @@
       </dsp:nvSpPr>
       <dsp:spPr>
         <a:xfrm>
-          <a:off x="2363360" y="322540"/>
-          <a:ext cx="3960078" cy="3960078"/>
+          <a:off x="628687" y="172611"/>
+          <a:ext cx="7429424" cy="4259935"/>
         </a:xfrm>
         <a:prstGeom prst="blockArc">
           <a:avLst>
@@ -5093,8 +5103,8 @@
       </dsp:nvSpPr>
       <dsp:spPr>
         <a:xfrm>
-          <a:off x="3563888" y="1808433"/>
-          <a:ext cx="1559022" cy="988293"/>
+          <a:off x="2880973" y="1771016"/>
+          <a:ext cx="2924853" cy="1063126"/>
         </a:xfrm>
         <a:prstGeom prst="ellipse">
           <a:avLst/>
@@ -5135,12 +5145,12 @@
         </a:fontRef>
       </dsp:style>
       <dsp:txBody>
-        <a:bodyPr spcFirstLastPara="0" vert="horz" wrap="square" lIns="22860" tIns="22860" rIns="22860" bIns="22860" numCol="1" spcCol="1270" anchor="ctr" anchorCtr="0">
+        <a:bodyPr spcFirstLastPara="0" vert="horz" wrap="square" lIns="25400" tIns="25400" rIns="25400" bIns="25400" numCol="1" spcCol="1270" anchor="ctr" anchorCtr="0">
           <a:noAutofit/>
         </a:bodyPr>
         <a:lstStyle/>
         <a:p>
-          <a:pPr lvl="0" algn="ctr" defTabSz="800100">
+          <a:pPr lvl="0" algn="ctr" defTabSz="889000">
             <a:lnSpc>
               <a:spcPct val="90000"/>
             </a:lnSpc>
@@ -5152,15 +5162,15 @@
             </a:spcAft>
           </a:pPr>
           <a:r>
-            <a:rPr lang="fr-FR" sz="1800" kern="1200" dirty="0" smtClean="0"/>
+            <a:rPr lang="fr-FR" sz="2000" kern="1200" dirty="0" smtClean="0"/>
             <a:t>Les avantages de SOA</a:t>
           </a:r>
-          <a:endParaRPr lang="fr-FR" sz="1800" kern="1200" dirty="0"/>
+          <a:endParaRPr lang="fr-FR" sz="2000" kern="1200" dirty="0"/>
         </a:p>
       </dsp:txBody>
       <dsp:txXfrm>
-        <a:off x="3792201" y="1953165"/>
-        <a:ext cx="1102396" cy="698829"/>
+        <a:off x="3309308" y="1926707"/>
+        <a:ext cx="2068183" cy="751744"/>
       </dsp:txXfrm>
     </dsp:sp>
     <dsp:sp modelId="{27FF94DC-F5DA-4FDB-B21D-E69D79AE0B36}">
@@ -5212,12 +5222,12 @@
         </a:fontRef>
       </dsp:style>
       <dsp:txBody>
-        <a:bodyPr spcFirstLastPara="0" vert="horz" wrap="square" lIns="8890" tIns="8890" rIns="8890" bIns="8890" numCol="1" spcCol="1270" anchor="ctr" anchorCtr="0">
+        <a:bodyPr spcFirstLastPara="0" vert="horz" wrap="square" lIns="11430" tIns="11430" rIns="11430" bIns="11430" numCol="1" spcCol="1270" anchor="ctr" anchorCtr="0">
           <a:noAutofit/>
         </a:bodyPr>
         <a:lstStyle/>
         <a:p>
-          <a:pPr lvl="0" algn="ctr" defTabSz="311150">
+          <a:pPr lvl="0" algn="ctr" defTabSz="400050">
             <a:lnSpc>
               <a:spcPct val="90000"/>
             </a:lnSpc>
@@ -5229,10 +5239,10 @@
             </a:spcAft>
           </a:pPr>
           <a:r>
-            <a:rPr lang="fr-FR" sz="700" kern="1200" dirty="0" smtClean="0"/>
+            <a:rPr lang="fr-FR" sz="900" kern="1200" dirty="0" smtClean="0"/>
             <a:t>Un faible couplage</a:t>
           </a:r>
-          <a:endParaRPr lang="fr-FR" sz="700" kern="1200" dirty="0"/>
+          <a:endParaRPr lang="fr-FR" sz="900" kern="1200" dirty="0"/>
         </a:p>
       </dsp:txBody>
       <dsp:txXfrm>
@@ -5247,8 +5257,8 @@
       </dsp:nvSpPr>
       <dsp:spPr>
         <a:xfrm>
-          <a:off x="5054522" y="311913"/>
-          <a:ext cx="691805" cy="691805"/>
+          <a:off x="4751484" y="285721"/>
+          <a:ext cx="1297881" cy="744188"/>
         </a:xfrm>
         <a:prstGeom prst="ellipse">
           <a:avLst/>
@@ -5289,12 +5299,12 @@
         </a:fontRef>
       </dsp:style>
       <dsp:txBody>
-        <a:bodyPr spcFirstLastPara="0" vert="horz" wrap="square" lIns="13970" tIns="13970" rIns="13970" bIns="13970" numCol="1" spcCol="1270" anchor="ctr" anchorCtr="0">
+        <a:bodyPr spcFirstLastPara="0" vert="horz" wrap="square" lIns="11430" tIns="11430" rIns="11430" bIns="11430" numCol="1" spcCol="1270" anchor="ctr" anchorCtr="0">
           <a:noAutofit/>
         </a:bodyPr>
         <a:lstStyle/>
         <a:p>
-          <a:pPr lvl="0" algn="ctr" defTabSz="466725">
+          <a:pPr lvl="0" algn="ctr" defTabSz="400050">
             <a:lnSpc>
               <a:spcPct val="90000"/>
             </a:lnSpc>
@@ -5306,15 +5316,15 @@
             </a:spcAft>
           </a:pPr>
           <a:r>
-            <a:rPr lang="fr-FR" sz="1050" kern="1200" dirty="0" smtClean="0"/>
+            <a:rPr lang="fr-FR" sz="900" kern="1200" dirty="0" smtClean="0"/>
             <a:t>Une intégration facile</a:t>
           </a:r>
-          <a:endParaRPr lang="fr-FR" sz="1050" kern="1200" dirty="0"/>
+          <a:endParaRPr lang="fr-FR" sz="900" kern="1200" dirty="0"/>
         </a:p>
       </dsp:txBody>
       <dsp:txXfrm>
-        <a:off x="5155834" y="413225"/>
-        <a:ext cx="489181" cy="489181"/>
+        <a:off x="4941554" y="394705"/>
+        <a:ext cx="917741" cy="526220"/>
       </dsp:txXfrm>
     </dsp:sp>
     <dsp:sp modelId="{86D089E3-7207-4367-9BBF-8409A6DE531F}">
@@ -5324,8 +5334,8 @@
       </dsp:nvSpPr>
       <dsp:spPr>
         <a:xfrm>
-          <a:off x="5775950" y="1144485"/>
-          <a:ext cx="691805" cy="691805"/>
+          <a:off x="5472911" y="1118293"/>
+          <a:ext cx="1297881" cy="744188"/>
         </a:xfrm>
         <a:prstGeom prst="ellipse">
           <a:avLst/>
@@ -5366,12 +5376,12 @@
         </a:fontRef>
       </dsp:style>
       <dsp:txBody>
-        <a:bodyPr spcFirstLastPara="0" vert="horz" wrap="square" lIns="13970" tIns="13970" rIns="13970" bIns="13970" numCol="1" spcCol="1270" anchor="ctr" anchorCtr="0">
+        <a:bodyPr spcFirstLastPara="0" vert="horz" wrap="square" lIns="11430" tIns="11430" rIns="11430" bIns="11430" numCol="1" spcCol="1270" anchor="ctr" anchorCtr="0">
           <a:noAutofit/>
         </a:bodyPr>
         <a:lstStyle/>
         <a:p>
-          <a:pPr lvl="0" algn="ctr" defTabSz="466725">
+          <a:pPr lvl="0" algn="ctr" defTabSz="400050">
             <a:lnSpc>
               <a:spcPct val="90000"/>
             </a:lnSpc>
@@ -5383,15 +5393,15 @@
             </a:spcAft>
           </a:pPr>
           <a:r>
-            <a:rPr lang="fr-FR" sz="1050" b="1" i="0" kern="1200" dirty="0" smtClean="0"/>
+            <a:rPr lang="fr-FR" sz="900" kern="1200" dirty="0" smtClean="0"/>
             <a:t>orientation service</a:t>
           </a:r>
-          <a:endParaRPr lang="fr-FR" sz="1050" kern="1200" dirty="0"/>
+          <a:endParaRPr lang="fr-FR" sz="900" kern="1200" dirty="0"/>
         </a:p>
       </dsp:txBody>
       <dsp:txXfrm>
-        <a:off x="5877262" y="1245797"/>
-        <a:ext cx="489181" cy="489181"/>
+        <a:off x="5662981" y="1227277"/>
+        <a:ext cx="917741" cy="526220"/>
       </dsp:txXfrm>
     </dsp:sp>
     <dsp:sp modelId="{B058215F-24C1-493D-8357-6DC994F232BB}">
@@ -5401,8 +5411,8 @@
       </dsp:nvSpPr>
       <dsp:spPr>
         <a:xfrm>
-          <a:off x="5932731" y="2234921"/>
-          <a:ext cx="691805" cy="691805"/>
+          <a:off x="5629693" y="2208730"/>
+          <a:ext cx="1297881" cy="744188"/>
         </a:xfrm>
         <a:prstGeom prst="ellipse">
           <a:avLst/>
@@ -5443,12 +5453,12 @@
         </a:fontRef>
       </dsp:style>
       <dsp:txBody>
-        <a:bodyPr spcFirstLastPara="0" vert="horz" wrap="square" lIns="13970" tIns="13970" rIns="13970" bIns="13970" numCol="1" spcCol="1270" anchor="ctr" anchorCtr="0">
+        <a:bodyPr spcFirstLastPara="0" vert="horz" wrap="square" lIns="11430" tIns="11430" rIns="11430" bIns="11430" numCol="1" spcCol="1270" anchor="ctr" anchorCtr="0">
           <a:noAutofit/>
         </a:bodyPr>
         <a:lstStyle/>
         <a:p>
-          <a:pPr lvl="0" algn="ctr" defTabSz="466725">
+          <a:pPr lvl="0" algn="ctr" defTabSz="400050">
             <a:lnSpc>
               <a:spcPct val="90000"/>
             </a:lnSpc>
@@ -5460,15 +5470,15 @@
             </a:spcAft>
           </a:pPr>
           <a:r>
-            <a:rPr lang="fr-FR" sz="1050" kern="1200" dirty="0" smtClean="0"/>
+            <a:rPr lang="fr-FR" sz="900" kern="1200" dirty="0" smtClean="0"/>
             <a:t>La sécurité</a:t>
           </a:r>
-          <a:endParaRPr lang="fr-FR" sz="1050" kern="1200" dirty="0"/>
+          <a:endParaRPr lang="fr-FR" sz="900" kern="1200" dirty="0"/>
         </a:p>
       </dsp:txBody>
       <dsp:txXfrm>
-        <a:off x="6034043" y="2336233"/>
-        <a:ext cx="489181" cy="489181"/>
+        <a:off x="5819763" y="2317714"/>
+        <a:ext cx="917741" cy="526220"/>
       </dsp:txXfrm>
     </dsp:sp>
     <dsp:sp modelId="{B6B47D7A-7783-4187-B5C7-40CA40AF8B6D}">
@@ -5478,8 +5488,85 @@
       </dsp:nvSpPr>
       <dsp:spPr>
         <a:xfrm>
-          <a:off x="5475089" y="3237017"/>
-          <a:ext cx="691805" cy="691805"/>
+          <a:off x="5172051" y="3210826"/>
+          <a:ext cx="1297881" cy="744188"/>
+        </a:xfrm>
+        <a:prstGeom prst="ellipse">
+          <a:avLst/>
+        </a:prstGeom>
+        <a:solidFill>
+          <a:schemeClr val="accent1">
+            <a:hueOff val="0"/>
+            <a:satOff val="0"/>
+            <a:lumOff val="0"/>
+            <a:alphaOff val="0"/>
+          </a:schemeClr>
+        </a:solidFill>
+        <a:ln w="25400" cap="flat" cmpd="sng" algn="ctr">
+          <a:solidFill>
+            <a:schemeClr val="lt1">
+              <a:hueOff val="0"/>
+              <a:satOff val="0"/>
+              <a:lumOff val="0"/>
+              <a:alphaOff val="0"/>
+            </a:schemeClr>
+          </a:solidFill>
+          <a:prstDash val="solid"/>
+        </a:ln>
+        <a:effectLst/>
+      </dsp:spPr>
+      <dsp:style>
+        <a:lnRef idx="2">
+          <a:scrgbClr r="0" g="0" b="0"/>
+        </a:lnRef>
+        <a:fillRef idx="1">
+          <a:scrgbClr r="0" g="0" b="0"/>
+        </a:fillRef>
+        <a:effectRef idx="0">
+          <a:scrgbClr r="0" g="0" b="0"/>
+        </a:effectRef>
+        <a:fontRef idx="minor">
+          <a:schemeClr val="lt1"/>
+        </a:fontRef>
+      </dsp:style>
+      <dsp:txBody>
+        <a:bodyPr spcFirstLastPara="0" vert="horz" wrap="square" lIns="11430" tIns="11430" rIns="11430" bIns="11430" numCol="1" spcCol="1270" anchor="ctr" anchorCtr="0">
+          <a:noAutofit/>
+        </a:bodyPr>
+        <a:lstStyle/>
+        <a:p>
+          <a:pPr lvl="0" algn="ctr" defTabSz="400050">
+            <a:lnSpc>
+              <a:spcPct val="90000"/>
+            </a:lnSpc>
+            <a:spcBef>
+              <a:spcPct val="0"/>
+            </a:spcBef>
+            <a:spcAft>
+              <a:spcPct val="35000"/>
+            </a:spcAft>
+          </a:pPr>
+          <a:r>
+            <a:rPr lang="fr-FR" sz="900" kern="1200" dirty="0" smtClean="0"/>
+            <a:t>L’autonomie</a:t>
+          </a:r>
+          <a:endParaRPr lang="fr-FR" sz="900" kern="1200" dirty="0"/>
+        </a:p>
+      </dsp:txBody>
+      <dsp:txXfrm>
+        <a:off x="5362121" y="3319810"/>
+        <a:ext cx="917741" cy="526220"/>
+      </dsp:txXfrm>
+    </dsp:sp>
+    <dsp:sp modelId="{F3D89328-B9F9-458F-A998-A3F72269CF90}">
+      <dsp:nvSpPr>
+        <dsp:cNvPr id="0" name=""/>
+        <dsp:cNvSpPr/>
+      </dsp:nvSpPr>
+      <dsp:spPr>
+        <a:xfrm>
+          <a:off x="4521521" y="3832614"/>
+          <a:ext cx="745406" cy="691805"/>
         </a:xfrm>
         <a:prstGeom prst="ellipse">
           <a:avLst/>
@@ -5538,95 +5625,22 @@
           </a:pPr>
           <a:r>
             <a:rPr lang="fr-FR" sz="700" b="0" i="0" kern="1200" dirty="0" smtClean="0"/>
-            <a:t>L’autonomie</a:t>
+            <a:t>encapsulation des services</a:t>
           </a:r>
-          <a:endParaRPr lang="fr-FR" sz="700" kern="1200" dirty="0"/>
+          <a:r>
+            <a:rPr lang="fr-FR" sz="600" b="0" i="0" kern="1200" dirty="0" smtClean="0"/>
+            <a:t>: </a:t>
+          </a:r>
+          <a:r>
+            <a:rPr lang="fr-FR" sz="500" b="0" i="0" kern="1200" dirty="0" smtClean="0"/>
+            <a:t>Une boîte noire  pour les consommateurs</a:t>
+          </a:r>
+          <a:endParaRPr lang="fr-FR" sz="500" b="0" i="0" kern="1200" dirty="0"/>
         </a:p>
       </dsp:txBody>
       <dsp:txXfrm>
-        <a:off x="5576401" y="3338329"/>
-        <a:ext cx="489181" cy="489181"/>
-      </dsp:txXfrm>
-    </dsp:sp>
-    <dsp:sp modelId="{F3D89328-B9F9-458F-A998-A3F72269CF90}">
-      <dsp:nvSpPr>
-        <dsp:cNvPr id="0" name=""/>
-        <dsp:cNvSpPr/>
-      </dsp:nvSpPr>
-      <dsp:spPr>
-        <a:xfrm>
-          <a:off x="4548322" y="3832614"/>
-          <a:ext cx="691805" cy="691805"/>
-        </a:xfrm>
-        <a:prstGeom prst="ellipse">
-          <a:avLst/>
-        </a:prstGeom>
-        <a:solidFill>
-          <a:schemeClr val="accent1">
-            <a:hueOff val="0"/>
-            <a:satOff val="0"/>
-            <a:lumOff val="0"/>
-            <a:alphaOff val="0"/>
-          </a:schemeClr>
-        </a:solidFill>
-        <a:ln w="25400" cap="flat" cmpd="sng" algn="ctr">
-          <a:solidFill>
-            <a:schemeClr val="lt1">
-              <a:hueOff val="0"/>
-              <a:satOff val="0"/>
-              <a:lumOff val="0"/>
-              <a:alphaOff val="0"/>
-            </a:schemeClr>
-          </a:solidFill>
-          <a:prstDash val="solid"/>
-        </a:ln>
-        <a:effectLst/>
-      </dsp:spPr>
-      <dsp:style>
-        <a:lnRef idx="2">
-          <a:scrgbClr r="0" g="0" b="0"/>
-        </a:lnRef>
-        <a:fillRef idx="1">
-          <a:scrgbClr r="0" g="0" b="0"/>
-        </a:fillRef>
-        <a:effectRef idx="0">
-          <a:scrgbClr r="0" g="0" b="0"/>
-        </a:effectRef>
-        <a:fontRef idx="minor">
-          <a:schemeClr val="lt1"/>
-        </a:fontRef>
-      </dsp:style>
-      <dsp:txBody>
-        <a:bodyPr spcFirstLastPara="0" vert="horz" wrap="square" lIns="7620" tIns="7620" rIns="7620" bIns="7620" numCol="1" spcCol="1270" anchor="ctr" anchorCtr="0">
-          <a:noAutofit/>
-        </a:bodyPr>
-        <a:lstStyle/>
-        <a:p>
-          <a:pPr lvl="0" algn="ctr" defTabSz="266700">
-            <a:lnSpc>
-              <a:spcPct val="90000"/>
-            </a:lnSpc>
-            <a:spcBef>
-              <a:spcPct val="0"/>
-            </a:spcBef>
-            <a:spcAft>
-              <a:spcPct val="35000"/>
-            </a:spcAft>
-          </a:pPr>
-          <a:r>
-            <a:rPr lang="fr-FR" sz="600" b="0" i="0" kern="1200" dirty="0" smtClean="0"/>
-            <a:t>encapsulation des services: Une boîte noire  pour les </a:t>
-          </a:r>
-          <a:r>
-            <a:rPr lang="fr-FR" sz="1000" b="0" i="0" kern="1200" dirty="0" smtClean="0"/>
-            <a:t>consommateurs</a:t>
-          </a:r>
-          <a:endParaRPr lang="fr-FR" sz="600" kern="1200" dirty="0"/>
-        </a:p>
-      </dsp:txBody>
-      <dsp:txXfrm>
-        <a:off x="4649634" y="3933926"/>
-        <a:ext cx="489181" cy="489181"/>
+        <a:off x="4630683" y="3933926"/>
+        <a:ext cx="527082" cy="489181"/>
       </dsp:txXfrm>
     </dsp:sp>
     <dsp:sp modelId="{E46FABA8-E192-48E2-A23C-EC29E5927C85}">
@@ -5713,8 +5727,8 @@
       </dsp:nvSpPr>
       <dsp:spPr>
         <a:xfrm>
-          <a:off x="2519905" y="3237017"/>
-          <a:ext cx="691805" cy="691805"/>
+          <a:off x="2216867" y="3210826"/>
+          <a:ext cx="1297881" cy="744188"/>
         </a:xfrm>
         <a:prstGeom prst="ellipse">
           <a:avLst/>
@@ -5755,12 +5769,12 @@
         </a:fontRef>
       </dsp:style>
       <dsp:txBody>
-        <a:bodyPr spcFirstLastPara="0" vert="horz" wrap="square" lIns="13970" tIns="13970" rIns="13970" bIns="13970" numCol="1" spcCol="1270" anchor="ctr" anchorCtr="0">
+        <a:bodyPr spcFirstLastPara="0" vert="horz" wrap="square" lIns="11430" tIns="11430" rIns="11430" bIns="11430" numCol="1" spcCol="1270" anchor="ctr" anchorCtr="0">
           <a:noAutofit/>
         </a:bodyPr>
         <a:lstStyle/>
         <a:p>
-          <a:pPr lvl="0" algn="ctr" defTabSz="466725">
+          <a:pPr lvl="0" algn="ctr" defTabSz="400050">
             <a:lnSpc>
               <a:spcPct val="90000"/>
             </a:lnSpc>
@@ -5772,19 +5786,15 @@
             </a:spcAft>
           </a:pPr>
           <a:r>
-            <a:rPr lang="fr-FR" sz="1050" b="0" i="0" kern="1200" dirty="0" smtClean="0"/>
-            <a:t>La réutilisation des services : </a:t>
+            <a:rPr lang="fr-FR" sz="900" kern="1200" dirty="0" smtClean="0"/>
+            <a:t>La réutilisation des services : Code réutilisable</a:t>
           </a:r>
-          <a:r>
-            <a:rPr lang="fr-FR" sz="1050" kern="1200" dirty="0" smtClean="0"/>
-            <a:t>Code réutilisable</a:t>
-          </a:r>
-          <a:endParaRPr lang="fr-FR" sz="1050" kern="1200" dirty="0"/>
+          <a:endParaRPr lang="fr-FR" sz="900" kern="1200" dirty="0"/>
         </a:p>
       </dsp:txBody>
       <dsp:txXfrm>
-        <a:off x="2621217" y="3338329"/>
-        <a:ext cx="489181" cy="489181"/>
+        <a:off x="2406937" y="3319810"/>
+        <a:ext cx="917741" cy="526220"/>
       </dsp:txXfrm>
     </dsp:sp>
     <dsp:sp modelId="{F66DC4F0-2373-4E3F-AF5A-C73289AC0770}">
@@ -5794,8 +5804,8 @@
       </dsp:nvSpPr>
       <dsp:spPr>
         <a:xfrm>
-          <a:off x="2062263" y="2234921"/>
-          <a:ext cx="691805" cy="691805"/>
+          <a:off x="1759225" y="2208730"/>
+          <a:ext cx="1297881" cy="744188"/>
         </a:xfrm>
         <a:prstGeom prst="ellipse">
           <a:avLst/>
@@ -5836,12 +5846,12 @@
         </a:fontRef>
       </dsp:style>
       <dsp:txBody>
-        <a:bodyPr spcFirstLastPara="0" vert="horz" wrap="square" lIns="13970" tIns="13970" rIns="13970" bIns="13970" numCol="1" spcCol="1270" anchor="ctr" anchorCtr="0">
+        <a:bodyPr spcFirstLastPara="0" vert="horz" wrap="square" lIns="11430" tIns="11430" rIns="11430" bIns="11430" numCol="1" spcCol="1270" anchor="ctr" anchorCtr="0">
           <a:noAutofit/>
         </a:bodyPr>
         <a:lstStyle/>
         <a:p>
-          <a:pPr lvl="0" algn="ctr" defTabSz="488950">
+          <a:pPr lvl="0" algn="ctr" defTabSz="400050">
             <a:lnSpc>
               <a:spcPct val="90000"/>
             </a:lnSpc>
@@ -5853,15 +5863,15 @@
             </a:spcAft>
           </a:pPr>
           <a:r>
-            <a:rPr lang="fr-FR" sz="1100" kern="1200" dirty="0" smtClean="0"/>
+            <a:rPr lang="fr-FR" sz="900" kern="1200" dirty="0" smtClean="0"/>
             <a:t>System modulaire</a:t>
           </a:r>
-          <a:endParaRPr lang="fr-FR" sz="1100" kern="1200" dirty="0"/>
+          <a:endParaRPr lang="fr-FR" sz="900" kern="1200" dirty="0"/>
         </a:p>
       </dsp:txBody>
       <dsp:txXfrm>
-        <a:off x="2163575" y="2336233"/>
-        <a:ext cx="489181" cy="489181"/>
+        <a:off x="1949295" y="2317714"/>
+        <a:ext cx="917741" cy="526220"/>
       </dsp:txXfrm>
     </dsp:sp>
     <dsp:sp modelId="{8EE780C3-33E3-450F-B39E-218996CFD370}">
@@ -5871,8 +5881,8 @@
       </dsp:nvSpPr>
       <dsp:spPr>
         <a:xfrm>
-          <a:off x="2167221" y="1144485"/>
-          <a:ext cx="795451" cy="691805"/>
+          <a:off x="1818783" y="1118293"/>
+          <a:ext cx="1492327" cy="744188"/>
         </a:xfrm>
         <a:prstGeom prst="ellipse">
           <a:avLst/>
@@ -5913,12 +5923,12 @@
         </a:fontRef>
       </dsp:style>
       <dsp:txBody>
-        <a:bodyPr spcFirstLastPara="0" vert="horz" wrap="square" lIns="13970" tIns="13970" rIns="13970" bIns="13970" numCol="1" spcCol="1270" anchor="ctr" anchorCtr="0">
+        <a:bodyPr spcFirstLastPara="0" vert="horz" wrap="square" lIns="11430" tIns="11430" rIns="11430" bIns="11430" numCol="1" spcCol="1270" anchor="ctr" anchorCtr="0">
           <a:noAutofit/>
         </a:bodyPr>
         <a:lstStyle/>
         <a:p>
-          <a:pPr lvl="0" algn="ctr" defTabSz="488950">
+          <a:pPr lvl="0" algn="ctr" defTabSz="400050">
             <a:lnSpc>
               <a:spcPct val="90000"/>
             </a:lnSpc>
@@ -5930,23 +5940,23 @@
             </a:spcAft>
           </a:pPr>
           <a:r>
-            <a:rPr lang="fr-FR" sz="1100" b="0" i="0" kern="1200" dirty="0" err="1" smtClean="0"/>
+            <a:rPr lang="fr-FR" sz="900" kern="1200" dirty="0" err="1" smtClean="0"/>
             <a:t>greater</a:t>
           </a:r>
           <a:r>
-            <a:rPr lang="fr-FR" sz="1100" b="0" i="0" kern="1200" dirty="0" smtClean="0"/>
+            <a:rPr lang="fr-FR" sz="900" kern="1200" dirty="0" smtClean="0"/>
             <a:t> </a:t>
           </a:r>
           <a:r>
-            <a:rPr lang="fr-FR" sz="1100" b="0" i="0" kern="1200" dirty="0" err="1" smtClean="0"/>
+            <a:rPr lang="fr-FR" sz="900" kern="1200" dirty="0" err="1" smtClean="0"/>
             <a:t>scalability</a:t>
           </a:r>
-          <a:endParaRPr lang="fr-FR" sz="1100" kern="1200" dirty="0"/>
+          <a:endParaRPr lang="fr-FR" sz="900" kern="1200" dirty="0"/>
         </a:p>
       </dsp:txBody>
       <dsp:txXfrm>
-        <a:off x="2283712" y="1245797"/>
-        <a:ext cx="562469" cy="489181"/>
+        <a:off x="2037329" y="1227277"/>
+        <a:ext cx="1055235" cy="526220"/>
       </dsp:txXfrm>
     </dsp:sp>
     <dsp:sp modelId="{F939179A-6BDB-4E7B-A75A-B20D4A5ECA7C}">
@@ -5956,8 +5966,8 @@
       </dsp:nvSpPr>
       <dsp:spPr>
         <a:xfrm>
-          <a:off x="2940471" y="311913"/>
-          <a:ext cx="691805" cy="691805"/>
+          <a:off x="2637433" y="285721"/>
+          <a:ext cx="1297881" cy="744188"/>
         </a:xfrm>
         <a:prstGeom prst="ellipse">
           <a:avLst/>
@@ -5998,12 +6008,12 @@
         </a:fontRef>
       </dsp:style>
       <dsp:txBody>
-        <a:bodyPr spcFirstLastPara="0" vert="horz" wrap="square" lIns="13970" tIns="13970" rIns="13970" bIns="13970" numCol="1" spcCol="1270" anchor="ctr" anchorCtr="0">
+        <a:bodyPr spcFirstLastPara="0" vert="horz" wrap="square" lIns="11430" tIns="11430" rIns="11430" bIns="11430" numCol="1" spcCol="1270" anchor="ctr" anchorCtr="0">
           <a:noAutofit/>
         </a:bodyPr>
         <a:lstStyle/>
         <a:p>
-          <a:pPr lvl="0" algn="ctr" defTabSz="488950">
+          <a:pPr lvl="0" algn="ctr" defTabSz="400050">
             <a:lnSpc>
               <a:spcPct val="90000"/>
             </a:lnSpc>
@@ -6015,15 +6025,15 @@
             </a:spcAft>
           </a:pPr>
           <a:r>
-            <a:rPr lang="fr-FR" sz="1100" kern="1200" dirty="0" smtClean="0"/>
+            <a:rPr lang="fr-FR" sz="900" kern="1200" dirty="0" smtClean="0"/>
             <a:t>Réduire le cout</a:t>
           </a:r>
-          <a:endParaRPr lang="fr-FR" sz="1100" kern="1200" dirty="0"/>
+          <a:endParaRPr lang="fr-FR" sz="900" kern="1200" dirty="0"/>
         </a:p>
       </dsp:txBody>
       <dsp:txXfrm>
-        <a:off x="3041783" y="413225"/>
-        <a:ext cx="489181" cy="489181"/>
+        <a:off x="2827503" y="394705"/>
+        <a:ext cx="917741" cy="526220"/>
       </dsp:txXfrm>
     </dsp:sp>
   </dsp:spTree>
@@ -11593,7 +11603,7 @@
           <a:p>
             <a:fld id="{C5D07625-6F9F-42D7-B556-45CDC388339A}" type="datetimeFigureOut">
               <a:rPr lang="fr-FR" smtClean="0"/>
-              <a:t>11/10/2020</a:t>
+              <a:t>12/10/2020</a:t>
             </a:fld>
             <a:endParaRPr lang="fr-FR"/>
           </a:p>
@@ -11763,7 +11773,7 @@
           <a:p>
             <a:fld id="{C5D07625-6F9F-42D7-B556-45CDC388339A}" type="datetimeFigureOut">
               <a:rPr lang="fr-FR" smtClean="0"/>
-              <a:t>11/10/2020</a:t>
+              <a:t>12/10/2020</a:t>
             </a:fld>
             <a:endParaRPr lang="fr-FR"/>
           </a:p>
@@ -11943,7 +11953,7 @@
           <a:p>
             <a:fld id="{C5D07625-6F9F-42D7-B556-45CDC388339A}" type="datetimeFigureOut">
               <a:rPr lang="fr-FR" smtClean="0"/>
-              <a:t>11/10/2020</a:t>
+              <a:t>12/10/2020</a:t>
             </a:fld>
             <a:endParaRPr lang="fr-FR"/>
           </a:p>
@@ -12113,7 +12123,7 @@
           <a:p>
             <a:fld id="{C5D07625-6F9F-42D7-B556-45CDC388339A}" type="datetimeFigureOut">
               <a:rPr lang="fr-FR" smtClean="0"/>
-              <a:t>11/10/2020</a:t>
+              <a:t>12/10/2020</a:t>
             </a:fld>
             <a:endParaRPr lang="fr-FR"/>
           </a:p>
@@ -12359,7 +12369,7 @@
           <a:p>
             <a:fld id="{C5D07625-6F9F-42D7-B556-45CDC388339A}" type="datetimeFigureOut">
               <a:rPr lang="fr-FR" smtClean="0"/>
-              <a:t>11/10/2020</a:t>
+              <a:t>12/10/2020</a:t>
             </a:fld>
             <a:endParaRPr lang="fr-FR"/>
           </a:p>
@@ -12647,7 +12657,7 @@
           <a:p>
             <a:fld id="{C5D07625-6F9F-42D7-B556-45CDC388339A}" type="datetimeFigureOut">
               <a:rPr lang="fr-FR" smtClean="0"/>
-              <a:t>11/10/2020</a:t>
+              <a:t>12/10/2020</a:t>
             </a:fld>
             <a:endParaRPr lang="fr-FR"/>
           </a:p>
@@ -13069,7 +13079,7 @@
           <a:p>
             <a:fld id="{C5D07625-6F9F-42D7-B556-45CDC388339A}" type="datetimeFigureOut">
               <a:rPr lang="fr-FR" smtClean="0"/>
-              <a:t>11/10/2020</a:t>
+              <a:t>12/10/2020</a:t>
             </a:fld>
             <a:endParaRPr lang="fr-FR"/>
           </a:p>
@@ -13187,7 +13197,7 @@
           <a:p>
             <a:fld id="{C5D07625-6F9F-42D7-B556-45CDC388339A}" type="datetimeFigureOut">
               <a:rPr lang="fr-FR" smtClean="0"/>
-              <a:t>11/10/2020</a:t>
+              <a:t>12/10/2020</a:t>
             </a:fld>
             <a:endParaRPr lang="fr-FR"/>
           </a:p>
@@ -13282,7 +13292,7 @@
           <a:p>
             <a:fld id="{C5D07625-6F9F-42D7-B556-45CDC388339A}" type="datetimeFigureOut">
               <a:rPr lang="fr-FR" smtClean="0"/>
-              <a:t>11/10/2020</a:t>
+              <a:t>12/10/2020</a:t>
             </a:fld>
             <a:endParaRPr lang="fr-FR"/>
           </a:p>
@@ -13559,7 +13569,7 @@
           <a:p>
             <a:fld id="{C5D07625-6F9F-42D7-B556-45CDC388339A}" type="datetimeFigureOut">
               <a:rPr lang="fr-FR" smtClean="0"/>
-              <a:t>11/10/2020</a:t>
+              <a:t>12/10/2020</a:t>
             </a:fld>
             <a:endParaRPr lang="fr-FR"/>
           </a:p>
@@ -13812,7 +13822,7 @@
           <a:p>
             <a:fld id="{C5D07625-6F9F-42D7-B556-45CDC388339A}" type="datetimeFigureOut">
               <a:rPr lang="fr-FR" smtClean="0"/>
-              <a:t>11/10/2020</a:t>
+              <a:t>12/10/2020</a:t>
             </a:fld>
             <a:endParaRPr lang="fr-FR"/>
           </a:p>
@@ -14025,7 +14035,7 @@
           <a:p>
             <a:fld id="{C5D07625-6F9F-42D7-B556-45CDC388339A}" type="datetimeFigureOut">
               <a:rPr lang="fr-FR" smtClean="0"/>
-              <a:t>11/10/2020</a:t>
+              <a:t>12/10/2020</a:t>
             </a:fld>
             <a:endParaRPr lang="fr-FR"/>
           </a:p>
@@ -14479,6 +14489,178 @@
 </p:sld>
 </file>
 
+<file path=ppt/slides/slide10.xml><?xml version="1.0" encoding="utf-8"?>
+<p:sld xmlns:a="http://schemas.openxmlformats.org/drawingml/2006/main" xmlns:r="http://schemas.openxmlformats.org/officeDocument/2006/relationships" xmlns:p="http://schemas.openxmlformats.org/presentationml/2006/main">
+  <p:cSld>
+    <p:spTree>
+      <p:nvGrpSpPr>
+        <p:cNvPr id="1" name=""/>
+        <p:cNvGrpSpPr/>
+        <p:nvPr/>
+      </p:nvGrpSpPr>
+      <p:grpSpPr>
+        <a:xfrm>
+          <a:off x="0" y="0"/>
+          <a:ext cx="0" cy="0"/>
+          <a:chOff x="0" y="0"/>
+          <a:chExt cx="0" cy="0"/>
+        </a:xfrm>
+      </p:grpSpPr>
+      <p:sp>
+        <p:nvSpPr>
+          <p:cNvPr id="2" name="Titre 1"/>
+          <p:cNvSpPr>
+            <a:spLocks noGrp="1"/>
+          </p:cNvSpPr>
+          <p:nvPr>
+            <p:ph type="title"/>
+          </p:nvPr>
+        </p:nvSpPr>
+        <p:spPr/>
+        <p:txBody>
+          <a:bodyPr>
+            <a:normAutofit fontScale="90000"/>
+          </a:bodyPr>
+          <a:lstStyle/>
+          <a:p>
+            <a:r>
+              <a:rPr lang="fr-FR" dirty="0" smtClean="0"/>
+              <a:t>Architecture n-tiers</a:t>
+            </a:r>
+            <a:br>
+              <a:rPr lang="fr-FR" dirty="0" smtClean="0"/>
+            </a:br>
+            <a:endParaRPr lang="fr-FR" dirty="0"/>
+          </a:p>
+        </p:txBody>
+      </p:sp>
+      <p:sp>
+        <p:nvSpPr>
+          <p:cNvPr id="3" name="Espace réservé du contenu 2"/>
+          <p:cNvSpPr>
+            <a:spLocks noGrp="1"/>
+          </p:cNvSpPr>
+          <p:nvPr>
+            <p:ph idx="1"/>
+          </p:nvPr>
+        </p:nvSpPr>
+        <p:spPr/>
+        <p:txBody>
+          <a:bodyPr>
+            <a:normAutofit lnSpcReduction="10000"/>
+          </a:bodyPr>
+          <a:lstStyle/>
+          <a:p>
+            <a:r>
+              <a:rPr lang="fr-FR" dirty="0" smtClean="0"/>
+              <a:t>Un POC</a:t>
+            </a:r>
+            <a:r>
+              <a:rPr lang="fr-FR" dirty="0" smtClean="0"/>
+              <a:t>:</a:t>
+            </a:r>
+          </a:p>
+          <a:p>
+            <a:endParaRPr lang="fr-FR" dirty="0" smtClean="0"/>
+          </a:p>
+          <a:p>
+            <a:endParaRPr lang="fr-FR" dirty="0" smtClean="0"/>
+          </a:p>
+          <a:p>
+            <a:endParaRPr lang="fr-FR" dirty="0"/>
+          </a:p>
+          <a:p>
+            <a:endParaRPr lang="fr-FR" dirty="0" smtClean="0"/>
+          </a:p>
+          <a:p>
+            <a:pPr marL="0" indent="0">
+              <a:buNone/>
+            </a:pPr>
+            <a:endParaRPr lang="fr-FR" dirty="0" smtClean="0"/>
+          </a:p>
+          <a:p>
+            <a:r>
+              <a:rPr lang="fr-FR" dirty="0" smtClean="0"/>
+              <a:t>https://github.com/aminebarrima/CoffeeMachine</a:t>
+            </a:r>
+            <a:endParaRPr lang="fr-FR" dirty="0"/>
+          </a:p>
+        </p:txBody>
+      </p:sp>
+      <p:pic>
+        <p:nvPicPr>
+          <p:cNvPr id="6146" name="Picture 2"/>
+          <p:cNvPicPr>
+            <a:picLocks noChangeAspect="1" noChangeArrowheads="1"/>
+          </p:cNvPicPr>
+          <p:nvPr/>
+        </p:nvPicPr>
+        <p:blipFill>
+          <a:blip r:embed="rId2">
+            <a:extLst>
+              <a:ext uri="{28A0092B-C50C-407E-A947-70E740481C1C}">
+                <a14:useLocalDpi xmlns:a14="http://schemas.microsoft.com/office/drawing/2010/main" val="0"/>
+              </a:ext>
+            </a:extLst>
+          </a:blip>
+          <a:srcRect/>
+          <a:stretch>
+            <a:fillRect/>
+          </a:stretch>
+        </p:blipFill>
+        <p:spPr bwMode="auto">
+          <a:xfrm>
+            <a:off x="2138363" y="2305050"/>
+            <a:ext cx="4867275" cy="2247900"/>
+          </a:xfrm>
+          <a:prstGeom prst="rect">
+            <a:avLst/>
+          </a:prstGeom>
+          <a:noFill/>
+          <a:ln>
+            <a:noFill/>
+          </a:ln>
+          <a:extLst>
+            <a:ext uri="{909E8E84-426E-40DD-AFC4-6F175D3DCCD1}">
+              <a14:hiddenFill xmlns:a14="http://schemas.microsoft.com/office/drawing/2010/main">
+                <a:solidFill>
+                  <a:schemeClr val="accent1"/>
+                </a:solidFill>
+              </a14:hiddenFill>
+            </a:ext>
+            <a:ext uri="{91240B29-F687-4F45-9708-019B960494DF}">
+              <a14:hiddenLine xmlns:a14="http://schemas.microsoft.com/office/drawing/2010/main" w="9525">
+                <a:solidFill>
+                  <a:schemeClr val="tx1"/>
+                </a:solidFill>
+                <a:miter lim="800000"/>
+                <a:headEnd/>
+                <a:tailEnd/>
+              </a14:hiddenLine>
+            </a:ext>
+          </a:extLst>
+        </p:spPr>
+      </p:pic>
+    </p:spTree>
+    <p:extLst>
+      <p:ext uri="{BB962C8B-B14F-4D97-AF65-F5344CB8AC3E}">
+        <p14:creationId xmlns:p14="http://schemas.microsoft.com/office/powerpoint/2010/main" val="1981515642"/>
+      </p:ext>
+    </p:extLst>
+  </p:cSld>
+  <p:clrMapOvr>
+    <a:masterClrMapping/>
+  </p:clrMapOvr>
+  <p:timing>
+    <p:tnLst>
+      <p:par>
+        <p:cTn id="1" dur="indefinite" restart="never" nodeType="tmRoot"/>
+      </p:par>
+    </p:tnLst>
+  </p:timing>
+</p:sld>
+</file>
+
 <file path=ppt/slides/slide2.xml><?xml version="1.0" encoding="utf-8"?>
 <p:sld xmlns:a="http://schemas.openxmlformats.org/drawingml/2006/main" xmlns:r="http://schemas.openxmlformats.org/officeDocument/2006/relationships" xmlns:p="http://schemas.openxmlformats.org/presentationml/2006/main">
   <p:cSld>
@@ -14714,7 +14896,7 @@
             <p:ph idx="1"/>
             <p:extLst>
               <p:ext uri="{D42A27DB-BD31-4B8C-83A1-F6EECF244321}">
-                <p14:modId xmlns:p14="http://schemas.microsoft.com/office/powerpoint/2010/main" val="2404189128"/>
+                <p14:modId xmlns:p14="http://schemas.microsoft.com/office/powerpoint/2010/main" val="1322958185"/>
               </p:ext>
             </p:extLst>
           </p:nvPr>
@@ -14840,7 +15022,15 @@
           <a:p>
             <a:r>
               <a:rPr lang="fr-FR" dirty="0" smtClean="0"/>
-              <a:t>D’autres implémentations :SOCKET, JINI , COBRA…</a:t>
+              <a:t>D’autres implémentations </a:t>
+            </a:r>
+            <a:r>
+              <a:rPr lang="fr-FR" dirty="0" smtClean="0"/>
+              <a:t>:RMI,JMS, </a:t>
+            </a:r>
+            <a:r>
+              <a:rPr lang="fr-FR" dirty="0" smtClean="0"/>
+              <a:t>JINI , COBRA…</a:t>
             </a:r>
             <a:endParaRPr lang="fr-FR" dirty="0"/>
           </a:p>
@@ -14944,10 +15134,110 @@
   <p:clrMapOvr>
     <a:masterClrMapping/>
   </p:clrMapOvr>
+  <p:timing>
+    <p:tnLst>
+      <p:par>
+        <p:cTn id="1" dur="indefinite" restart="never" nodeType="tmRoot"/>
+      </p:par>
+    </p:tnLst>
+  </p:timing>
 </p:sld>
 </file>
 
 <file path=ppt/slides/slide6.xml><?xml version="1.0" encoding="utf-8"?>
+<p:sld xmlns:a="http://schemas.openxmlformats.org/drawingml/2006/main" xmlns:r="http://schemas.openxmlformats.org/officeDocument/2006/relationships" xmlns:p="http://schemas.openxmlformats.org/presentationml/2006/main">
+  <p:cSld>
+    <p:spTree>
+      <p:nvGrpSpPr>
+        <p:cNvPr id="1" name=""/>
+        <p:cNvGrpSpPr/>
+        <p:nvPr/>
+      </p:nvGrpSpPr>
+      <p:grpSpPr>
+        <a:xfrm>
+          <a:off x="0" y="0"/>
+          <a:ext cx="0" cy="0"/>
+          <a:chOff x="0" y="0"/>
+          <a:chExt cx="0" cy="0"/>
+        </a:xfrm>
+      </p:grpSpPr>
+      <p:pic>
+        <p:nvPicPr>
+          <p:cNvPr id="2050" name="Picture 2"/>
+          <p:cNvPicPr>
+            <a:picLocks noGrp="1" noChangeAspect="1" noChangeArrowheads="1"/>
+          </p:cNvPicPr>
+          <p:nvPr>
+            <p:ph idx="1"/>
+          </p:nvPr>
+        </p:nvPicPr>
+        <p:blipFill>
+          <a:blip r:embed="rId2">
+            <a:extLst>
+              <a:ext uri="{28A0092B-C50C-407E-A947-70E740481C1C}">
+                <a14:useLocalDpi xmlns:a14="http://schemas.microsoft.com/office/drawing/2010/main" val="0"/>
+              </a:ext>
+            </a:extLst>
+          </a:blip>
+          <a:srcRect/>
+          <a:stretch>
+            <a:fillRect/>
+          </a:stretch>
+        </p:blipFill>
+        <p:spPr bwMode="auto">
+          <a:xfrm>
+            <a:off x="1547664" y="166317"/>
+            <a:ext cx="6408712" cy="5782131"/>
+          </a:xfrm>
+          <a:prstGeom prst="rect">
+            <a:avLst/>
+          </a:prstGeom>
+          <a:noFill/>
+          <a:ln>
+            <a:noFill/>
+          </a:ln>
+          <a:extLst>
+            <a:ext uri="{909E8E84-426E-40DD-AFC4-6F175D3DCCD1}">
+              <a14:hiddenFill xmlns:a14="http://schemas.microsoft.com/office/drawing/2010/main">
+                <a:solidFill>
+                  <a:schemeClr val="accent1"/>
+                </a:solidFill>
+              </a14:hiddenFill>
+            </a:ext>
+            <a:ext uri="{91240B29-F687-4F45-9708-019B960494DF}">
+              <a14:hiddenLine xmlns:a14="http://schemas.microsoft.com/office/drawing/2010/main" w="9525">
+                <a:solidFill>
+                  <a:schemeClr val="tx1"/>
+                </a:solidFill>
+                <a:miter lim="800000"/>
+                <a:headEnd/>
+                <a:tailEnd/>
+              </a14:hiddenLine>
+            </a:ext>
+          </a:extLst>
+        </p:spPr>
+      </p:pic>
+    </p:spTree>
+    <p:extLst>
+      <p:ext uri="{BB962C8B-B14F-4D97-AF65-F5344CB8AC3E}">
+        <p14:creationId xmlns:p14="http://schemas.microsoft.com/office/powerpoint/2010/main" val="96491240"/>
+      </p:ext>
+    </p:extLst>
+  </p:cSld>
+  <p:clrMapOvr>
+    <a:masterClrMapping/>
+  </p:clrMapOvr>
+  <p:timing>
+    <p:tnLst>
+      <p:par>
+        <p:cTn id="1" dur="indefinite" restart="never" nodeType="tmRoot"/>
+      </p:par>
+    </p:tnLst>
+  </p:timing>
+</p:sld>
+</file>
+
+<file path=ppt/slides/slide7.xml><?xml version="1.0" encoding="utf-8"?>
 <p:sld xmlns:a="http://schemas.openxmlformats.org/drawingml/2006/main" xmlns:r="http://schemas.openxmlformats.org/officeDocument/2006/relationships" xmlns:p="http://schemas.openxmlformats.org/presentationml/2006/main">
   <p:cSld>
     <p:spTree>
@@ -15064,7 +15354,155 @@
 </p:sld>
 </file>
 
-<file path=ppt/slides/slide7.xml><?xml version="1.0" encoding="utf-8"?>
+<file path=ppt/slides/slide8.xml><?xml version="1.0" encoding="utf-8"?>
+<p:sld xmlns:a="http://schemas.openxmlformats.org/drawingml/2006/main" xmlns:r="http://schemas.openxmlformats.org/officeDocument/2006/relationships" xmlns:p="http://schemas.openxmlformats.org/presentationml/2006/main">
+  <p:cSld>
+    <p:spTree>
+      <p:nvGrpSpPr>
+        <p:cNvPr id="1" name=""/>
+        <p:cNvGrpSpPr/>
+        <p:nvPr/>
+      </p:nvGrpSpPr>
+      <p:grpSpPr>
+        <a:xfrm>
+          <a:off x="0" y="0"/>
+          <a:ext cx="0" cy="0"/>
+          <a:chOff x="0" y="0"/>
+          <a:chExt cx="0" cy="0"/>
+        </a:xfrm>
+      </p:grpSpPr>
+      <p:pic>
+        <p:nvPicPr>
+          <p:cNvPr id="5124" name="Picture 4" descr="https://www.akana.com/sites/akana/files/image/2019-05/Gateway4-2.jpg"/>
+          <p:cNvPicPr>
+            <a:picLocks noChangeAspect="1" noChangeArrowheads="1"/>
+          </p:cNvPicPr>
+          <p:nvPr/>
+        </p:nvPicPr>
+        <p:blipFill>
+          <a:blip r:embed="rId2">
+            <a:extLst>
+              <a:ext uri="{28A0092B-C50C-407E-A947-70E740481C1C}">
+                <a14:useLocalDpi xmlns:a14="http://schemas.microsoft.com/office/drawing/2010/main" val="0"/>
+              </a:ext>
+            </a:extLst>
+          </a:blip>
+          <a:srcRect/>
+          <a:stretch>
+            <a:fillRect/>
+          </a:stretch>
+        </p:blipFill>
+        <p:spPr bwMode="auto">
+          <a:xfrm>
+            <a:off x="1115616" y="1184847"/>
+            <a:ext cx="5976664" cy="3689299"/>
+          </a:xfrm>
+          <a:prstGeom prst="rect">
+            <a:avLst/>
+          </a:prstGeom>
+          <a:noFill/>
+          <a:extLst>
+            <a:ext uri="{909E8E84-426E-40DD-AFC4-6F175D3DCCD1}">
+              <a14:hiddenFill xmlns:a14="http://schemas.microsoft.com/office/drawing/2010/main">
+                <a:solidFill>
+                  <a:srgbClr val="FFFFFF"/>
+                </a:solidFill>
+              </a14:hiddenFill>
+            </a:ext>
+          </a:extLst>
+        </p:spPr>
+      </p:pic>
+      <p:sp>
+        <p:nvSpPr>
+          <p:cNvPr id="4" name="ZoneTexte 3"/>
+          <p:cNvSpPr txBox="1"/>
+          <p:nvPr/>
+        </p:nvSpPr>
+        <p:spPr>
+          <a:xfrm>
+            <a:off x="1403648" y="476672"/>
+            <a:ext cx="5976664" cy="738664"/>
+          </a:xfrm>
+          <a:prstGeom prst="rect">
+            <a:avLst/>
+          </a:prstGeom>
+          <a:noFill/>
+        </p:spPr>
+        <p:txBody>
+          <a:bodyPr wrap="square" rtlCol="0">
+            <a:spAutoFit/>
+          </a:bodyPr>
+          <a:lstStyle/>
+          <a:p>
+            <a:pPr algn="ctr"/>
+            <a:r>
+              <a:rPr lang="en-US" sz="2400" b="1" dirty="0">
+                <a:solidFill>
+                  <a:srgbClr val="FF0000"/>
+                </a:solidFill>
+              </a:rPr>
+              <a:t>API Proxy </a:t>
+            </a:r>
+            <a:r>
+              <a:rPr lang="en-US" sz="2400" b="1" dirty="0" err="1" smtClean="0">
+                <a:solidFill>
+                  <a:srgbClr val="FF0000"/>
+                </a:solidFill>
+              </a:rPr>
+              <a:t>ou</a:t>
+            </a:r>
+            <a:r>
+              <a:rPr lang="en-US" sz="2400" b="1" dirty="0" smtClean="0">
+                <a:solidFill>
+                  <a:srgbClr val="FF0000"/>
+                </a:solidFill>
+              </a:rPr>
+              <a:t> API </a:t>
+            </a:r>
+            <a:r>
+              <a:rPr lang="en-US" sz="2400" b="1" dirty="0">
+                <a:solidFill>
+                  <a:srgbClr val="FF0000"/>
+                </a:solidFill>
+              </a:rPr>
+              <a:t>MANGER(</a:t>
+            </a:r>
+            <a:r>
+              <a:rPr lang="en-US" sz="1600" b="1" dirty="0">
+                <a:solidFill>
+                  <a:srgbClr val="FF0000"/>
+                </a:solidFill>
+              </a:rPr>
+              <a:t>API Gateway</a:t>
+            </a:r>
+            <a:r>
+              <a:rPr lang="en-US" sz="2400" b="1" dirty="0">
+                <a:solidFill>
+                  <a:srgbClr val="FF0000"/>
+                </a:solidFill>
+              </a:rPr>
+              <a:t>)?</a:t>
+            </a:r>
+          </a:p>
+          <a:p>
+            <a:endParaRPr lang="fr-FR" dirty="0"/>
+          </a:p>
+        </p:txBody>
+      </p:sp>
+    </p:spTree>
+    <p:extLst>
+      <p:ext uri="{BB962C8B-B14F-4D97-AF65-F5344CB8AC3E}">
+        <p14:creationId xmlns:p14="http://schemas.microsoft.com/office/powerpoint/2010/main" val="3352296718"/>
+      </p:ext>
+    </p:extLst>
+  </p:cSld>
+  <p:clrMapOvr>
+    <a:masterClrMapping/>
+  </p:clrMapOvr>
+</p:sld>
+</file>
+
+<file path=ppt/slides/slide9.xml><?xml version="1.0" encoding="utf-8"?>
 <p:sld xmlns:a="http://schemas.openxmlformats.org/drawingml/2006/main" xmlns:r="http://schemas.openxmlformats.org/officeDocument/2006/relationships" xmlns:p="http://schemas.openxmlformats.org/presentationml/2006/main">
   <p:cSld>
     <p:spTree>
@@ -15093,18 +15531,13 @@
         </p:nvSpPr>
         <p:spPr/>
         <p:txBody>
-          <a:bodyPr>
-            <a:normAutofit fontScale="90000"/>
-          </a:bodyPr>
+          <a:bodyPr/>
           <a:lstStyle/>
           <a:p>
             <a:r>
               <a:rPr lang="fr-FR" dirty="0" smtClean="0"/>
-              <a:t>Architecture n-tiers</a:t>
+              <a:t>API Manager</a:t>
             </a:r>
-            <a:br>
-              <a:rPr lang="fr-FR" dirty="0" smtClean="0"/>
-            </a:br>
             <a:endParaRPr lang="fr-FR" dirty="0"/>
           </a:p>
         </p:txBody>
@@ -15119,45 +15552,92 @@
             <p:ph idx="1"/>
           </p:nvPr>
         </p:nvSpPr>
-        <p:spPr/>
+        <p:spPr>
+          <a:xfrm>
+            <a:off x="611560" y="4797152"/>
+            <a:ext cx="7560840" cy="1573635"/>
+          </a:xfrm>
+        </p:spPr>
         <p:txBody>
           <a:bodyPr/>
           <a:lstStyle/>
           <a:p>
             <a:r>
               <a:rPr lang="fr-FR" dirty="0" smtClean="0"/>
-              <a:t>Un POC:</a:t>
+              <a:t>*</a:t>
             </a:r>
-          </a:p>
-          <a:p>
-            <a:endParaRPr lang="fr-FR" dirty="0" smtClean="0"/>
-          </a:p>
-          <a:p>
             <a:r>
-              <a:rPr lang="fr-FR" dirty="0" smtClean="0"/>
-              <a:t>https://github.com/aminebarrima/CoffeeMachine</a:t>
+              <a:rPr lang="fr-FR" dirty="0" err="1" smtClean="0"/>
+              <a:t>Nginx</a:t>
             </a:r>
             <a:endParaRPr lang="fr-FR" dirty="0"/>
           </a:p>
         </p:txBody>
       </p:sp>
+      <p:pic>
+        <p:nvPicPr>
+          <p:cNvPr id="4099" name="Picture 3"/>
+          <p:cNvPicPr>
+            <a:picLocks noChangeAspect="1" noChangeArrowheads="1"/>
+          </p:cNvPicPr>
+          <p:nvPr/>
+        </p:nvPicPr>
+        <p:blipFill>
+          <a:blip r:embed="rId2">
+            <a:extLst>
+              <a:ext uri="{28A0092B-C50C-407E-A947-70E740481C1C}">
+                <a14:useLocalDpi xmlns:a14="http://schemas.microsoft.com/office/drawing/2010/main" val="0"/>
+              </a:ext>
+            </a:extLst>
+          </a:blip>
+          <a:srcRect/>
+          <a:stretch>
+            <a:fillRect/>
+          </a:stretch>
+        </p:blipFill>
+        <p:spPr bwMode="auto">
+          <a:xfrm>
+            <a:off x="1043608" y="1484784"/>
+            <a:ext cx="6318250" cy="3213100"/>
+          </a:xfrm>
+          <a:prstGeom prst="rect">
+            <a:avLst/>
+          </a:prstGeom>
+          <a:noFill/>
+          <a:ln>
+            <a:noFill/>
+          </a:ln>
+          <a:extLst>
+            <a:ext uri="{909E8E84-426E-40DD-AFC4-6F175D3DCCD1}">
+              <a14:hiddenFill xmlns:a14="http://schemas.microsoft.com/office/drawing/2010/main">
+                <a:solidFill>
+                  <a:schemeClr val="accent1"/>
+                </a:solidFill>
+              </a14:hiddenFill>
+            </a:ext>
+            <a:ext uri="{91240B29-F687-4F45-9708-019B960494DF}">
+              <a14:hiddenLine xmlns:a14="http://schemas.microsoft.com/office/drawing/2010/main" w="9525">
+                <a:solidFill>
+                  <a:schemeClr val="tx1"/>
+                </a:solidFill>
+                <a:miter lim="800000"/>
+                <a:headEnd/>
+                <a:tailEnd/>
+              </a14:hiddenLine>
+            </a:ext>
+          </a:extLst>
+        </p:spPr>
+      </p:pic>
     </p:spTree>
     <p:extLst>
       <p:ext uri="{BB962C8B-B14F-4D97-AF65-F5344CB8AC3E}">
-        <p14:creationId xmlns:p14="http://schemas.microsoft.com/office/powerpoint/2010/main" val="1981515642"/>
+        <p14:creationId xmlns:p14="http://schemas.microsoft.com/office/powerpoint/2010/main" val="2661758947"/>
       </p:ext>
     </p:extLst>
   </p:cSld>
   <p:clrMapOvr>
     <a:masterClrMapping/>
   </p:clrMapOvr>
-  <p:timing>
-    <p:tnLst>
-      <p:par>
-        <p:cTn id="1" dur="indefinite" restart="never" nodeType="tmRoot"/>
-      </p:par>
-    </p:tnLst>
-  </p:timing>
 </p:sld>
 </file>
 
